--- a/workshops/04-implement-immutable-infrastructure-on-azure-with-pulumi-part-II/00 - Agenda.pptx
+++ b/workshops/04-implement-immutable-infrastructure-on-azure-with-pulumi-part-II/00 - Agenda.pptx
@@ -5,7 +5,7 @@
     <p:sldMasterId id="2147483659" r:id="rId1"/>
   </p:sldMasterIdLst>
   <p:notesMasterIdLst>
-    <p:notesMasterId r:id="rId28"/>
+    <p:notesMasterId r:id="rId27"/>
   </p:notesMasterIdLst>
   <p:sldIdLst>
     <p:sldId id="256" r:id="rId2"/>
@@ -13,27 +13,26 @@
     <p:sldId id="258" r:id="rId4"/>
     <p:sldId id="260" r:id="rId5"/>
     <p:sldId id="259" r:id="rId6"/>
-    <p:sldId id="261" r:id="rId7"/>
-    <p:sldId id="283" r:id="rId8"/>
-    <p:sldId id="288" r:id="rId9"/>
-    <p:sldId id="278" r:id="rId10"/>
-    <p:sldId id="287" r:id="rId11"/>
-    <p:sldId id="289" r:id="rId12"/>
-    <p:sldId id="313" r:id="rId13"/>
-    <p:sldId id="267" r:id="rId14"/>
-    <p:sldId id="290" r:id="rId15"/>
-    <p:sldId id="291" r:id="rId16"/>
-    <p:sldId id="268" r:id="rId17"/>
-    <p:sldId id="269" r:id="rId18"/>
-    <p:sldId id="272" r:id="rId19"/>
-    <p:sldId id="314" r:id="rId20"/>
-    <p:sldId id="282" r:id="rId21"/>
-    <p:sldId id="281" r:id="rId22"/>
-    <p:sldId id="316" r:id="rId23"/>
-    <p:sldId id="315" r:id="rId24"/>
-    <p:sldId id="276" r:id="rId25"/>
-    <p:sldId id="279" r:id="rId26"/>
-    <p:sldId id="280" r:id="rId27"/>
+    <p:sldId id="283" r:id="rId7"/>
+    <p:sldId id="288" r:id="rId8"/>
+    <p:sldId id="278" r:id="rId9"/>
+    <p:sldId id="287" r:id="rId10"/>
+    <p:sldId id="289" r:id="rId11"/>
+    <p:sldId id="313" r:id="rId12"/>
+    <p:sldId id="267" r:id="rId13"/>
+    <p:sldId id="290" r:id="rId14"/>
+    <p:sldId id="291" r:id="rId15"/>
+    <p:sldId id="268" r:id="rId16"/>
+    <p:sldId id="269" r:id="rId17"/>
+    <p:sldId id="272" r:id="rId18"/>
+    <p:sldId id="314" r:id="rId19"/>
+    <p:sldId id="282" r:id="rId20"/>
+    <p:sldId id="281" r:id="rId21"/>
+    <p:sldId id="316" r:id="rId22"/>
+    <p:sldId id="315" r:id="rId23"/>
+    <p:sldId id="276" r:id="rId24"/>
+    <p:sldId id="279" r:id="rId25"/>
+    <p:sldId id="280" r:id="rId26"/>
   </p:sldIdLst>
   <p:sldSz cx="9144000" cy="5143500" type="screen16x9"/>
   <p:notesSz cx="6858000" cy="9144000"/>
@@ -890,83 +889,38 @@
           <a:p>
             <a:r>
               <a:rPr lang="nb-NO" dirty="0"/>
-              <a:t>Sortly after VCE v1 went life, Application Gateway v2 was at GA. </a:t>
+              <a:t>All changes at v1 infra was done with active production traffic and that made them a hight risk changes. If something goes wrong it will immidiately affect our customers.</a:t>
             </a:r>
           </a:p>
           <a:p>
             <a:r>
               <a:rPr lang="nb-NO" dirty="0"/>
-              <a:t>First of all, they improved performance (updates take 6 min vs 20 min in v1), </a:t>
-            </a:r>
-          </a:p>
-          <a:p>
-            <a:pPr marL="0" marR="0" lvl="0" indent="0" algn="l" defTabSz="914400" rtl="0" eaLnBrk="1" fontAlgn="auto" latinLnBrk="0" hangingPunct="1">
-              <a:lnSpc>
-                <a:spcPct val="100000"/>
-              </a:lnSpc>
-              <a:spcBef>
-                <a:spcPts val="0"/>
-              </a:spcBef>
-              <a:spcAft>
-                <a:spcPts val="0"/>
-              </a:spcAft>
-              <a:buClrTx/>
-              <a:buSzTx/>
-              <a:buFontTx/>
-              <a:buNone/>
-              <a:tabLst/>
-              <a:defRPr/>
-            </a:pPr>
+              <a:t>Becuase of that they needed to be planned in advanced, coordinated with Command Center and only be done at the dedicated maintenence windows. Normally at the weekend and at the middle of the night.</a:t>
+            </a:r>
+          </a:p>
+          <a:p>
             <a:r>
               <a:rPr lang="nb-NO" dirty="0"/>
-              <a:t>and AGW v2 contains quite a few very practical features: like </a:t>
-            </a:r>
-            <a:r>
-              <a:rPr lang="nb-NO" sz="1200" b="0" i="0" kern="1200" dirty="0">
-                <a:solidFill>
-                  <a:schemeClr val="tx1"/>
-                </a:solidFill>
-                <a:effectLst/>
-                <a:latin typeface="+mn-lt"/>
-                <a:ea typeface="+mn-ea"/>
-                <a:cs typeface="+mn-cs"/>
-              </a:rPr>
-              <a:t>autoscaling, header rewrite, zone redundancy, and ability to read SSL certificate for httplisteners from the key-vault.</a:t>
-            </a:r>
+              <a:t>In addition to that, some of the changes, like AKS upgrade was a highly stresfull operations. </a:t>
+            </a:r>
+          </a:p>
+          <a:p>
+            <a:r>
+              <a:rPr lang="nb-NO" dirty="0"/>
+              <a:t>Prod cluster upgrade takes approx 3 hours to upgrade.  Now imagine the person who is sitting at night and starting the upgrade. When he runs the script, for the next 3 hours, hes just sit and hope for the best. </a:t>
+            </a:r>
+          </a:p>
+          <a:p>
+            <a:r>
+              <a:rPr lang="nb-NO" dirty="0"/>
+              <a:t>It’s not possible to do end-to-end testing of he new cluster, becuase only one version of AKS can receive the trfafic  and for the same reason, it’s not posible to do a canary testing.</a:t>
+            </a:r>
+          </a:p>
+          <a:p>
             <a:endParaRPr lang="nb-NO" dirty="0"/>
           </a:p>
           <a:p>
             <a:endParaRPr lang="nb-NO" dirty="0"/>
-          </a:p>
-          <a:p>
-            <a:r>
-              <a:rPr lang="nb-NO" dirty="0"/>
-              <a:t>So, we diecided that we want to upgrade AGW to v2. </a:t>
-            </a:r>
-          </a:p>
-          <a:p>
-            <a:r>
-              <a:rPr lang="nb-NO" dirty="0"/>
-              <a:t>AGW v1 and v2 can’t be deployed to the same subnet, so we need to add new subnet.</a:t>
-            </a:r>
-          </a:p>
-          <a:p>
-            <a:r>
-              <a:rPr lang="nb-NO" dirty="0"/>
-              <a:t>We provision new instance of AGW v2</a:t>
-            </a:r>
-          </a:p>
-          <a:p>
-            <a:r>
-              <a:rPr lang="nb-NO" dirty="0"/>
-              <a:t>And we redirect traffic to the new instance of AGW</a:t>
-            </a:r>
-          </a:p>
-          <a:p>
-            <a:r>
-              <a:rPr lang="nb-NO" dirty="0"/>
-              <a:t>Note, this time we added new component to the existing changes are done at the same usergroup, same vnet with active production traffic </a:t>
-            </a:r>
           </a:p>
         </p:txBody>
       </p:sp>
@@ -996,7 +950,7 @@
     </p:spTree>
     <p:extLst>
       <p:ext uri="{BB962C8B-B14F-4D97-AF65-F5344CB8AC3E}">
-        <p14:creationId xmlns:p14="http://schemas.microsoft.com/office/powerpoint/2010/main" val="1082395075"/>
+        <p14:creationId xmlns:p14="http://schemas.microsoft.com/office/powerpoint/2010/main" val="2154350421"/>
       </p:ext>
     </p:extLst>
   </p:cSld>
@@ -1056,48 +1010,347 @@
           <a:lstStyle/>
           <a:p>
             <a:r>
-              <a:rPr lang="nb-NO" dirty="0"/>
-              <a:t>1:30</a:t>
-            </a:r>
-          </a:p>
-          <a:p>
-            <a:endParaRPr lang="nb-NO" dirty="0"/>
-          </a:p>
-          <a:p>
-            <a:r>
-              <a:rPr lang="nb-NO" dirty="0"/>
-              <a:t>All changes at v1 infra was done with active production traffic and that made them a hight risk changes. If something goes wrong it will immidiately affect our customers.</a:t>
-            </a:r>
-          </a:p>
-          <a:p>
-            <a:r>
-              <a:rPr lang="nb-NO" dirty="0"/>
-              <a:t>Becuase of that they needed to be planned in advanced, coordinated with Command Center and only be done at the dedicated maintenence windows. Normally at the weekend and at the middle of the night.</a:t>
-            </a:r>
-          </a:p>
-          <a:p>
-            <a:r>
-              <a:rPr lang="nb-NO" dirty="0"/>
-              <a:t>In addition to that, some of the changes, like AKS upgrade was a highly stresfull operations. </a:t>
-            </a:r>
-          </a:p>
-          <a:p>
-            <a:r>
-              <a:rPr lang="nb-NO" dirty="0"/>
-              <a:t>Prod cluster upgrade takes approx 3 hours to upgrade.  Now imagine the person who is sitting at night and starting the upgrade. When he runs the script, for the next 3 hours, hes just sit and hope for the best. </a:t>
-            </a:r>
-          </a:p>
-          <a:p>
-            <a:r>
-              <a:rPr lang="nb-NO" dirty="0"/>
-              <a:t>It’s not possible to do end-to-end testing of he new cluster, becuase only one version of AKS can receive the trfafic  and for the same reason, it’s not posible to do a canary testing.</a:t>
-            </a:r>
-          </a:p>
-          <a:p>
-            <a:endParaRPr lang="nb-NO" dirty="0"/>
-          </a:p>
-          <a:p>
-            <a:endParaRPr lang="nb-NO" dirty="0"/>
+              <a:rPr lang="en-US" sz="1200" b="0" i="0" kern="1200" dirty="0">
+                <a:solidFill>
+                  <a:schemeClr val="tx1"/>
+                </a:solidFill>
+                <a:effectLst/>
+                <a:latin typeface="+mn-lt"/>
+                <a:ea typeface="+mn-ea"/>
+                <a:cs typeface="+mn-cs"/>
+              </a:rPr>
+              <a:t>2:30</a:t>
+            </a:r>
+          </a:p>
+          <a:p>
+            <a:endParaRPr lang="en-US" sz="1200" b="0" i="0" kern="1200" dirty="0">
+              <a:solidFill>
+                <a:schemeClr val="tx1"/>
+              </a:solidFill>
+              <a:effectLst/>
+              <a:latin typeface="+mn-lt"/>
+              <a:ea typeface="+mn-ea"/>
+              <a:cs typeface="+mn-cs"/>
+            </a:endParaRPr>
+          </a:p>
+          <a:p>
+            <a:r>
+              <a:rPr lang="en-US" sz="1200" b="0" i="0" kern="1200" dirty="0">
+                <a:solidFill>
+                  <a:schemeClr val="tx1"/>
+                </a:solidFill>
+                <a:effectLst/>
+                <a:latin typeface="+mn-lt"/>
+                <a:ea typeface="+mn-ea"/>
+                <a:cs typeface="+mn-cs"/>
+              </a:rPr>
+              <a:t>Let’s define what mutable infrastructure is.</a:t>
+            </a:r>
+          </a:p>
+          <a:p>
+            <a:endParaRPr lang="en-US" sz="1200" b="0" i="0" kern="1200" dirty="0">
+              <a:solidFill>
+                <a:schemeClr val="tx1"/>
+              </a:solidFill>
+              <a:effectLst/>
+              <a:latin typeface="+mn-lt"/>
+              <a:ea typeface="+mn-ea"/>
+              <a:cs typeface="+mn-cs"/>
+            </a:endParaRPr>
+          </a:p>
+          <a:p>
+            <a:r>
+              <a:rPr lang="en-US" sz="1200" b="0" i="0" kern="1200" dirty="0">
+                <a:solidFill>
+                  <a:schemeClr val="tx1"/>
+                </a:solidFill>
+                <a:effectLst/>
+                <a:latin typeface="+mn-lt"/>
+                <a:ea typeface="+mn-ea"/>
+                <a:cs typeface="+mn-cs"/>
+              </a:rPr>
+              <a:t>Mutable means that infrastructure that is capable of being modified in place on regular basis. </a:t>
+            </a:r>
+          </a:p>
+          <a:p>
+            <a:r>
+              <a:rPr lang="en-US" sz="1200" b="0" i="0" kern="1200" dirty="0">
+                <a:solidFill>
+                  <a:schemeClr val="tx1"/>
+                </a:solidFill>
+                <a:effectLst/>
+                <a:latin typeface="+mn-lt"/>
+                <a:ea typeface="+mn-ea"/>
+                <a:cs typeface="+mn-cs"/>
+              </a:rPr>
+              <a:t>In our example, when we upgraded AKS from version 1.15.10 to 1.16.7 we mutated existing AKS cluster instance. </a:t>
+            </a:r>
+          </a:p>
+          <a:p>
+            <a:r>
+              <a:rPr lang="en-US" sz="1200" b="0" i="0" kern="1200" dirty="0">
+                <a:solidFill>
+                  <a:schemeClr val="tx1"/>
+                </a:solidFill>
+                <a:effectLst/>
+                <a:latin typeface="+mn-lt"/>
+                <a:ea typeface="+mn-ea"/>
+                <a:cs typeface="+mn-cs"/>
+              </a:rPr>
+              <a:t>The same was with </a:t>
+            </a:r>
+            <a:r>
+              <a:rPr lang="en-US" sz="1200" b="0" i="0" kern="1200" dirty="0" err="1">
+                <a:solidFill>
+                  <a:schemeClr val="tx1"/>
+                </a:solidFill>
+                <a:effectLst/>
+                <a:latin typeface="+mn-lt"/>
+                <a:ea typeface="+mn-ea"/>
+                <a:cs typeface="+mn-cs"/>
+              </a:rPr>
+              <a:t>vnet</a:t>
+            </a:r>
+            <a:r>
+              <a:rPr lang="en-US" sz="1200" b="0" i="0" kern="1200" dirty="0">
+                <a:solidFill>
+                  <a:schemeClr val="tx1"/>
+                </a:solidFill>
+                <a:effectLst/>
+                <a:latin typeface="+mn-lt"/>
+                <a:ea typeface="+mn-ea"/>
+                <a:cs typeface="+mn-cs"/>
+              </a:rPr>
+              <a:t>. When we added new subnets to </a:t>
+            </a:r>
+            <a:r>
+              <a:rPr lang="en-US" sz="1200" b="0" i="0" kern="1200" dirty="0" err="1">
+                <a:solidFill>
+                  <a:schemeClr val="tx1"/>
+                </a:solidFill>
+                <a:effectLst/>
+                <a:latin typeface="+mn-lt"/>
+                <a:ea typeface="+mn-ea"/>
+                <a:cs typeface="+mn-cs"/>
+              </a:rPr>
+              <a:t>vnet</a:t>
+            </a:r>
+            <a:r>
+              <a:rPr lang="en-US" sz="1200" b="0" i="0" kern="1200" dirty="0">
+                <a:solidFill>
+                  <a:schemeClr val="tx1"/>
+                </a:solidFill>
+                <a:effectLst/>
+                <a:latin typeface="+mn-lt"/>
+                <a:ea typeface="+mn-ea"/>
+                <a:cs typeface="+mn-cs"/>
+              </a:rPr>
+              <a:t>, we changed the same instance of </a:t>
+            </a:r>
+            <a:r>
+              <a:rPr lang="en-US" sz="1200" b="0" i="0" kern="1200" dirty="0" err="1">
+                <a:solidFill>
+                  <a:schemeClr val="tx1"/>
+                </a:solidFill>
+                <a:effectLst/>
+                <a:latin typeface="+mn-lt"/>
+                <a:ea typeface="+mn-ea"/>
+                <a:cs typeface="+mn-cs"/>
+              </a:rPr>
+              <a:t>vnet</a:t>
+            </a:r>
+            <a:r>
+              <a:rPr lang="en-US" sz="1200" b="0" i="0" kern="1200" dirty="0">
+                <a:solidFill>
+                  <a:schemeClr val="tx1"/>
+                </a:solidFill>
+                <a:effectLst/>
+                <a:latin typeface="+mn-lt"/>
+                <a:ea typeface="+mn-ea"/>
+                <a:cs typeface="+mn-cs"/>
+              </a:rPr>
+              <a:t> in place. </a:t>
+            </a:r>
+          </a:p>
+          <a:p>
+            <a:endParaRPr lang="en-US" sz="1200" b="0" i="0" kern="1200" dirty="0">
+              <a:solidFill>
+                <a:schemeClr val="tx1"/>
+              </a:solidFill>
+              <a:effectLst/>
+              <a:latin typeface="+mn-lt"/>
+              <a:ea typeface="+mn-ea"/>
+              <a:cs typeface="+mn-cs"/>
+            </a:endParaRPr>
+          </a:p>
+          <a:p>
+            <a:r>
+              <a:rPr lang="en-US" sz="1200" b="0" i="0" kern="1200" dirty="0">
+                <a:solidFill>
+                  <a:schemeClr val="tx1"/>
+                </a:solidFill>
+                <a:effectLst/>
+                <a:latin typeface="+mn-lt"/>
+                <a:ea typeface="+mn-ea"/>
+                <a:cs typeface="+mn-cs"/>
+              </a:rPr>
+              <a:t>What are the pros and cons of mutable infra?</a:t>
+            </a:r>
+          </a:p>
+          <a:p>
+            <a:endParaRPr lang="en-US" sz="1200" b="0" i="0" kern="1200" dirty="0">
+              <a:solidFill>
+                <a:schemeClr val="tx1"/>
+              </a:solidFill>
+              <a:effectLst/>
+              <a:latin typeface="+mn-lt"/>
+              <a:ea typeface="+mn-ea"/>
+              <a:cs typeface="+mn-cs"/>
+            </a:endParaRPr>
+          </a:p>
+          <a:p>
+            <a:r>
+              <a:rPr lang="en-US" sz="1200" b="0" i="0" kern="1200" dirty="0">
+                <a:solidFill>
+                  <a:schemeClr val="tx1"/>
+                </a:solidFill>
+                <a:effectLst/>
+                <a:latin typeface="+mn-lt"/>
+                <a:ea typeface="+mn-ea"/>
+                <a:cs typeface="+mn-cs"/>
+              </a:rPr>
+              <a:t>Pros: </a:t>
+            </a:r>
+          </a:p>
+          <a:p>
+            <a:r>
+              <a:rPr lang="en-US" sz="1200" b="0" i="0" kern="1200" dirty="0">
+                <a:solidFill>
+                  <a:schemeClr val="tx1"/>
+                </a:solidFill>
+                <a:effectLst/>
+                <a:latin typeface="+mn-lt"/>
+                <a:ea typeface="+mn-ea"/>
+                <a:cs typeface="+mn-cs"/>
+              </a:rPr>
+              <a:t>It’s simple. You provision it once and you changing it. </a:t>
+            </a:r>
+          </a:p>
+          <a:p>
+            <a:r>
+              <a:rPr lang="en-US" sz="1200" b="0" i="0" kern="1200" dirty="0">
+                <a:solidFill>
+                  <a:schemeClr val="tx1"/>
+                </a:solidFill>
+                <a:effectLst/>
+                <a:latin typeface="+mn-lt"/>
+                <a:ea typeface="+mn-ea"/>
+                <a:cs typeface="+mn-cs"/>
+              </a:rPr>
+              <a:t>It’s fast to apply changes. Update AGW takes 20 min, provision  new instance takes 45 min</a:t>
+            </a:r>
+          </a:p>
+          <a:p>
+            <a:endParaRPr lang="en-US" sz="1200" b="0" i="0" kern="1200" dirty="0">
+              <a:solidFill>
+                <a:schemeClr val="tx1"/>
+              </a:solidFill>
+              <a:effectLst/>
+              <a:latin typeface="+mn-lt"/>
+              <a:ea typeface="+mn-ea"/>
+              <a:cs typeface="+mn-cs"/>
+            </a:endParaRPr>
+          </a:p>
+          <a:p>
+            <a:r>
+              <a:rPr lang="en-US" sz="1200" b="0" i="0" kern="1200" dirty="0">
+                <a:solidFill>
+                  <a:schemeClr val="tx1"/>
+                </a:solidFill>
+                <a:effectLst/>
+                <a:latin typeface="+mn-lt"/>
+                <a:ea typeface="+mn-ea"/>
+                <a:cs typeface="+mn-cs"/>
+              </a:rPr>
+              <a:t>Cons:</a:t>
+            </a:r>
+          </a:p>
+          <a:p>
+            <a:r>
+              <a:rPr lang="en-US" sz="1200" b="0" i="0" kern="1200" dirty="0">
+                <a:solidFill>
+                  <a:schemeClr val="tx1"/>
+                </a:solidFill>
+                <a:effectLst/>
+                <a:latin typeface="+mn-lt"/>
+                <a:ea typeface="+mn-ea"/>
+                <a:cs typeface="+mn-cs"/>
+              </a:rPr>
+              <a:t>Configurational drift – we all know when infrastructure is changing in place, it’s very easy to do some shortcuts and apply changes from the portal and that leads to chaos.</a:t>
+            </a:r>
+          </a:p>
+          <a:p>
+            <a:r>
+              <a:rPr lang="en-US" sz="1200" b="0" i="0" kern="1200" dirty="0">
+                <a:solidFill>
+                  <a:schemeClr val="tx1"/>
+                </a:solidFill>
+                <a:effectLst/>
+                <a:latin typeface="+mn-lt"/>
+                <a:ea typeface="+mn-ea"/>
+                <a:cs typeface="+mn-cs"/>
+              </a:rPr>
+              <a:t>There is a chance that upgrade will fail and then you can be out of business</a:t>
+            </a:r>
+          </a:p>
+          <a:p>
+            <a:r>
+              <a:rPr lang="en-US" sz="1200" b="0" i="0" kern="1200" dirty="0">
+                <a:solidFill>
+                  <a:schemeClr val="tx1"/>
+                </a:solidFill>
+                <a:effectLst/>
+                <a:latin typeface="+mn-lt"/>
+                <a:ea typeface="+mn-ea"/>
+                <a:cs typeface="+mn-cs"/>
+              </a:rPr>
+              <a:t>It’s not possible to rollback upgrade, for instance if you upgrade AKS to version 1.16.7 and then found that something doesn’t work, you can’t </a:t>
+            </a:r>
+            <a:r>
+              <a:rPr lang="en-US" sz="1200" b="0" i="0" kern="1200" dirty="0" err="1">
+                <a:solidFill>
+                  <a:schemeClr val="tx1"/>
+                </a:solidFill>
+                <a:effectLst/>
+                <a:latin typeface="+mn-lt"/>
+                <a:ea typeface="+mn-ea"/>
+                <a:cs typeface="+mn-cs"/>
+              </a:rPr>
+              <a:t>rolleback</a:t>
+            </a:r>
+            <a:r>
+              <a:rPr lang="en-US" sz="1200" b="0" i="0" kern="1200" dirty="0">
+                <a:solidFill>
+                  <a:schemeClr val="tx1"/>
+                </a:solidFill>
+                <a:effectLst/>
+                <a:latin typeface="+mn-lt"/>
+                <a:ea typeface="+mn-ea"/>
+                <a:cs typeface="+mn-cs"/>
+              </a:rPr>
+              <a:t> to 1.15.10. You have to re-provision new cluster.</a:t>
+            </a:r>
+          </a:p>
+          <a:p>
+            <a:endParaRPr lang="en-US" sz="1200" b="0" i="0" kern="1200" dirty="0">
+              <a:solidFill>
+                <a:schemeClr val="tx1"/>
+              </a:solidFill>
+              <a:effectLst/>
+              <a:latin typeface="+mn-lt"/>
+              <a:ea typeface="+mn-ea"/>
+              <a:cs typeface="+mn-cs"/>
+            </a:endParaRPr>
           </a:p>
         </p:txBody>
       </p:sp>
@@ -1127,7 +1380,7 @@
     </p:spTree>
     <p:extLst>
       <p:ext uri="{BB962C8B-B14F-4D97-AF65-F5344CB8AC3E}">
-        <p14:creationId xmlns:p14="http://schemas.microsoft.com/office/powerpoint/2010/main" val="2154350421"/>
+        <p14:creationId xmlns:p14="http://schemas.microsoft.com/office/powerpoint/2010/main" val="2593775833"/>
       </p:ext>
     </p:extLst>
   </p:cSld>
@@ -1138,6 +1391,355 @@
 </file>
 
 <file path=ppt/notesSlides/notesSlide12.xml><?xml version="1.0" encoding="utf-8"?>
+<p:notes xmlns:a="http://schemas.openxmlformats.org/drawingml/2006/main" xmlns:r="http://schemas.openxmlformats.org/officeDocument/2006/relationships" xmlns:p="http://schemas.openxmlformats.org/presentationml/2006/main">
+  <p:cSld>
+    <p:spTree>
+      <p:nvGrpSpPr>
+        <p:cNvPr id="1" name=""/>
+        <p:cNvGrpSpPr/>
+        <p:nvPr/>
+      </p:nvGrpSpPr>
+      <p:grpSpPr>
+        <a:xfrm>
+          <a:off x="0" y="0"/>
+          <a:ext cx="0" cy="0"/>
+          <a:chOff x="0" y="0"/>
+          <a:chExt cx="0" cy="0"/>
+        </a:xfrm>
+      </p:grpSpPr>
+      <p:sp>
+        <p:nvSpPr>
+          <p:cNvPr id="2" name="Slide Image Placeholder 1"/>
+          <p:cNvSpPr>
+            <a:spLocks noGrp="1" noRot="1" noChangeAspect="1"/>
+          </p:cNvSpPr>
+          <p:nvPr>
+            <p:ph type="sldImg"/>
+          </p:nvPr>
+        </p:nvSpPr>
+        <p:spPr/>
+      </p:sp>
+      <p:sp>
+        <p:nvSpPr>
+          <p:cNvPr id="3" name="Notes Placeholder 2"/>
+          <p:cNvSpPr>
+            <a:spLocks noGrp="1"/>
+          </p:cNvSpPr>
+          <p:nvPr>
+            <p:ph type="body" idx="1"/>
+          </p:nvPr>
+        </p:nvSpPr>
+        <p:spPr/>
+        <p:txBody>
+          <a:bodyPr/>
+          <a:lstStyle/>
+          <a:p>
+            <a:r>
+              <a:rPr lang="en-US" sz="1200" b="0" i="0" kern="1200" dirty="0">
+                <a:solidFill>
+                  <a:schemeClr val="tx1"/>
+                </a:solidFill>
+                <a:effectLst/>
+                <a:latin typeface="+mn-lt"/>
+                <a:ea typeface="+mn-ea"/>
+                <a:cs typeface="+mn-cs"/>
+              </a:rPr>
+              <a:t>1:30</a:t>
+            </a:r>
+          </a:p>
+          <a:p>
+            <a:endParaRPr lang="en-US" sz="1200" b="0" i="0" kern="1200" dirty="0">
+              <a:solidFill>
+                <a:schemeClr val="tx1"/>
+              </a:solidFill>
+              <a:effectLst/>
+              <a:latin typeface="+mn-lt"/>
+              <a:ea typeface="+mn-ea"/>
+              <a:cs typeface="+mn-cs"/>
+            </a:endParaRPr>
+          </a:p>
+          <a:p>
+            <a:r>
+              <a:rPr lang="en-US" sz="1200" b="0" i="0" kern="1200" dirty="0">
+                <a:solidFill>
+                  <a:schemeClr val="tx1"/>
+                </a:solidFill>
+                <a:effectLst/>
+                <a:latin typeface="+mn-lt"/>
+                <a:ea typeface="+mn-ea"/>
+                <a:cs typeface="+mn-cs"/>
+              </a:rPr>
+              <a:t>“immutable” is the antonym of “mutable,” meaning “unchanging or unable to change.” </a:t>
+            </a:r>
+          </a:p>
+          <a:p>
+            <a:r>
+              <a:rPr lang="en-US" sz="1200" b="0" i="0" kern="1200" dirty="0">
+                <a:solidFill>
+                  <a:schemeClr val="tx1"/>
+                </a:solidFill>
+                <a:effectLst/>
+                <a:latin typeface="+mn-lt"/>
+                <a:ea typeface="+mn-ea"/>
+                <a:cs typeface="+mn-cs"/>
+              </a:rPr>
+              <a:t>Immutable infrastructure is infrastructure that, once deployed, cannot be modified. </a:t>
+            </a:r>
+          </a:p>
+          <a:p>
+            <a:r>
+              <a:rPr lang="en-US" sz="1200" b="0" i="0" kern="1200" dirty="0">
+                <a:solidFill>
+                  <a:schemeClr val="tx1"/>
+                </a:solidFill>
+                <a:effectLst/>
+                <a:latin typeface="+mn-lt"/>
+                <a:ea typeface="+mn-ea"/>
+                <a:cs typeface="+mn-cs"/>
+              </a:rPr>
+              <a:t>It allows you to test your infrastructure or your applications under the new </a:t>
+            </a:r>
+            <a:r>
+              <a:rPr lang="en-US" sz="1200" b="0" i="0" kern="1200" dirty="0" err="1">
+                <a:solidFill>
+                  <a:schemeClr val="tx1"/>
+                </a:solidFill>
+                <a:effectLst/>
+                <a:latin typeface="+mn-lt"/>
+                <a:ea typeface="+mn-ea"/>
+                <a:cs typeface="+mn-cs"/>
+              </a:rPr>
+              <a:t>infrastetucture</a:t>
+            </a:r>
+            <a:r>
+              <a:rPr lang="en-US" sz="1200" b="0" i="0" kern="1200" dirty="0">
+                <a:solidFill>
+                  <a:schemeClr val="tx1"/>
+                </a:solidFill>
+                <a:effectLst/>
+                <a:latin typeface="+mn-lt"/>
+                <a:ea typeface="+mn-ea"/>
+                <a:cs typeface="+mn-cs"/>
+              </a:rPr>
+              <a:t> before you opens it up for the users.</a:t>
+            </a:r>
+          </a:p>
+          <a:p>
+            <a:r>
+              <a:rPr lang="en-US" sz="1200" b="0" i="0" kern="1200" dirty="0">
+                <a:solidFill>
+                  <a:schemeClr val="tx1"/>
+                </a:solidFill>
+                <a:effectLst/>
+                <a:latin typeface="+mn-lt"/>
+                <a:ea typeface="+mn-ea"/>
+                <a:cs typeface="+mn-cs"/>
+              </a:rPr>
+              <a:t>It allows you to do a canary testing, when you send small percentage of you traffic to the new version, </a:t>
+            </a:r>
+            <a:r>
+              <a:rPr lang="en-US" sz="1200" b="0" i="0" kern="1200" dirty="0" err="1">
+                <a:solidFill>
+                  <a:schemeClr val="tx1"/>
+                </a:solidFill>
+                <a:effectLst/>
+                <a:latin typeface="+mn-lt"/>
+                <a:ea typeface="+mn-ea"/>
+                <a:cs typeface="+mn-cs"/>
+              </a:rPr>
+              <a:t>observ</a:t>
+            </a:r>
+            <a:r>
+              <a:rPr lang="en-US" sz="1200" b="0" i="0" kern="1200" dirty="0">
+                <a:solidFill>
+                  <a:schemeClr val="tx1"/>
+                </a:solidFill>
+                <a:effectLst/>
+                <a:latin typeface="+mn-lt"/>
+                <a:ea typeface="+mn-ea"/>
+                <a:cs typeface="+mn-cs"/>
+              </a:rPr>
+              <a:t> the behavior and when everything is good, switch all traffic. </a:t>
+            </a:r>
+          </a:p>
+          <a:p>
+            <a:r>
+              <a:rPr lang="en-US" sz="1200" b="0" i="0" kern="1200" dirty="0">
+                <a:solidFill>
+                  <a:schemeClr val="tx1"/>
+                </a:solidFill>
+                <a:effectLst/>
+                <a:latin typeface="+mn-lt"/>
+                <a:ea typeface="+mn-ea"/>
+                <a:cs typeface="+mn-cs"/>
+              </a:rPr>
+              <a:t>If new version doesn’t work well, you still have the old one available and you can switch your traffic back to the old infra.</a:t>
+            </a:r>
+          </a:p>
+          <a:p>
+            <a:r>
+              <a:rPr lang="en-US" sz="1200" b="0" i="0" kern="1200" dirty="0">
+                <a:solidFill>
+                  <a:schemeClr val="tx1"/>
+                </a:solidFill>
+                <a:effectLst/>
+                <a:latin typeface="+mn-lt"/>
+                <a:ea typeface="+mn-ea"/>
+                <a:cs typeface="+mn-cs"/>
+              </a:rPr>
+              <a:t>Since we never update the infrastructure, configuration </a:t>
+            </a:r>
+            <a:r>
+              <a:rPr lang="en-US" sz="1200" b="0" i="0" kern="1200" dirty="0" err="1">
+                <a:solidFill>
+                  <a:schemeClr val="tx1"/>
+                </a:solidFill>
+                <a:effectLst/>
+                <a:latin typeface="+mn-lt"/>
+                <a:ea typeface="+mn-ea"/>
+                <a:cs typeface="+mn-cs"/>
+              </a:rPr>
+              <a:t>drinf</a:t>
+            </a:r>
+            <a:r>
+              <a:rPr lang="en-US" sz="1200" b="0" i="0" kern="1200" dirty="0">
+                <a:solidFill>
+                  <a:schemeClr val="tx1"/>
+                </a:solidFill>
+                <a:effectLst/>
+                <a:latin typeface="+mn-lt"/>
+                <a:ea typeface="+mn-ea"/>
+                <a:cs typeface="+mn-cs"/>
+              </a:rPr>
+              <a:t> technically not possible.</a:t>
+            </a:r>
+          </a:p>
+          <a:p>
+            <a:endParaRPr lang="en-US" sz="1200" b="0" i="0" kern="1200" dirty="0">
+              <a:solidFill>
+                <a:schemeClr val="tx1"/>
+              </a:solidFill>
+              <a:effectLst/>
+              <a:latin typeface="+mn-lt"/>
+              <a:ea typeface="+mn-ea"/>
+              <a:cs typeface="+mn-cs"/>
+            </a:endParaRPr>
+          </a:p>
+          <a:p>
+            <a:r>
+              <a:rPr lang="en-US" sz="1200" b="0" i="0" kern="1200" dirty="0">
+                <a:solidFill>
+                  <a:schemeClr val="tx1"/>
+                </a:solidFill>
+                <a:effectLst/>
+                <a:latin typeface="+mn-lt"/>
+                <a:ea typeface="+mn-ea"/>
+                <a:cs typeface="+mn-cs"/>
+              </a:rPr>
+              <a:t>But it </a:t>
+            </a:r>
+            <a:r>
+              <a:rPr lang="en-US" sz="1200" b="0" i="0" kern="1200" dirty="0" err="1">
+                <a:solidFill>
+                  <a:schemeClr val="tx1"/>
+                </a:solidFill>
+                <a:effectLst/>
+                <a:latin typeface="+mn-lt"/>
+                <a:ea typeface="+mn-ea"/>
+                <a:cs typeface="+mn-cs"/>
+              </a:rPr>
+              <a:t>doesnt</a:t>
+            </a:r>
+            <a:r>
+              <a:rPr lang="en-US" sz="1200" b="0" i="0" kern="1200" dirty="0">
+                <a:solidFill>
+                  <a:schemeClr val="tx1"/>
+                </a:solidFill>
+                <a:effectLst/>
+                <a:latin typeface="+mn-lt"/>
+                <a:ea typeface="+mn-ea"/>
+                <a:cs typeface="+mn-cs"/>
+              </a:rPr>
+              <a:t> come for free. The cost is complexity. During the transition period. you will have </a:t>
+            </a:r>
+            <a:r>
+              <a:rPr lang="en-US" sz="1200" b="0" i="0" kern="1200" dirty="0" err="1">
+                <a:solidFill>
+                  <a:schemeClr val="tx1"/>
+                </a:solidFill>
+                <a:effectLst/>
+                <a:latin typeface="+mn-lt"/>
+                <a:ea typeface="+mn-ea"/>
+                <a:cs typeface="+mn-cs"/>
+              </a:rPr>
+              <a:t>twise</a:t>
+            </a:r>
+            <a:r>
+              <a:rPr lang="en-US" sz="1200" b="0" i="0" kern="1200" dirty="0">
+                <a:solidFill>
+                  <a:schemeClr val="tx1"/>
+                </a:solidFill>
+                <a:effectLst/>
+                <a:latin typeface="+mn-lt"/>
+                <a:ea typeface="+mn-ea"/>
+                <a:cs typeface="+mn-cs"/>
+              </a:rPr>
+              <a:t> more infrastructure components to maintain and monitor.</a:t>
+            </a:r>
+          </a:p>
+          <a:p>
+            <a:r>
+              <a:rPr lang="en-US" sz="1200" b="0" i="0" kern="1200" dirty="0">
+                <a:solidFill>
+                  <a:schemeClr val="tx1"/>
+                </a:solidFill>
+                <a:effectLst/>
+                <a:latin typeface="+mn-lt"/>
+                <a:ea typeface="+mn-ea"/>
+                <a:cs typeface="+mn-cs"/>
+              </a:rPr>
+              <a:t>It requires heavy investment into automation. Provisioning, post-provisioning configuration and application deployment – everything should be fully automated.</a:t>
+            </a:r>
+          </a:p>
+        </p:txBody>
+      </p:sp>
+      <p:sp>
+        <p:nvSpPr>
+          <p:cNvPr id="4" name="Slide Number Placeholder 3"/>
+          <p:cNvSpPr>
+            <a:spLocks noGrp="1"/>
+          </p:cNvSpPr>
+          <p:nvPr>
+            <p:ph type="sldNum" sz="quarter" idx="5"/>
+          </p:nvPr>
+        </p:nvSpPr>
+        <p:spPr/>
+        <p:txBody>
+          <a:bodyPr/>
+          <a:lstStyle/>
+          <a:p>
+            <a:fld id="{732F9D6F-CB08-48FB-827A-1E8A35B02598}" type="slidenum">
+              <a:rPr lang="nb-NO" smtClean="0"/>
+              <a:t>12</a:t>
+            </a:fld>
+            <a:endParaRPr lang="nb-NO"/>
+          </a:p>
+        </p:txBody>
+      </p:sp>
+    </p:spTree>
+    <p:extLst>
+      <p:ext uri="{BB962C8B-B14F-4D97-AF65-F5344CB8AC3E}">
+        <p14:creationId xmlns:p14="http://schemas.microsoft.com/office/powerpoint/2010/main" val="764766337"/>
+      </p:ext>
+    </p:extLst>
+  </p:cSld>
+  <p:clrMapOvr>
+    <a:masterClrMapping/>
+  </p:clrMapOvr>
+</p:notes>
+</file>
+
+<file path=ppt/notesSlides/notesSlide13.xml><?xml version="1.0" encoding="utf-8"?>
 <p:notes xmlns:a="http://schemas.openxmlformats.org/drawingml/2006/main" xmlns:r="http://schemas.openxmlformats.org/officeDocument/2006/relationships" xmlns:p="http://schemas.openxmlformats.org/presentationml/2006/main">
   <p:cSld>
     <p:spTree>
@@ -1187,347 +1789,9 @@
           <a:lstStyle/>
           <a:p>
             <a:r>
-              <a:rPr lang="en-US" sz="1200" b="0" i="0" kern="1200" dirty="0">
-                <a:solidFill>
-                  <a:schemeClr val="tx1"/>
-                </a:solidFill>
-                <a:effectLst/>
-                <a:latin typeface="+mn-lt"/>
-                <a:ea typeface="+mn-ea"/>
-                <a:cs typeface="+mn-cs"/>
-              </a:rPr>
-              <a:t>2:30</a:t>
-            </a:r>
-          </a:p>
-          <a:p>
-            <a:endParaRPr lang="en-US" sz="1200" b="0" i="0" kern="1200" dirty="0">
-              <a:solidFill>
-                <a:schemeClr val="tx1"/>
-              </a:solidFill>
-              <a:effectLst/>
-              <a:latin typeface="+mn-lt"/>
-              <a:ea typeface="+mn-ea"/>
-              <a:cs typeface="+mn-cs"/>
-            </a:endParaRPr>
-          </a:p>
-          <a:p>
-            <a:r>
-              <a:rPr lang="en-US" sz="1200" b="0" i="0" kern="1200" dirty="0">
-                <a:solidFill>
-                  <a:schemeClr val="tx1"/>
-                </a:solidFill>
-                <a:effectLst/>
-                <a:latin typeface="+mn-lt"/>
-                <a:ea typeface="+mn-ea"/>
-                <a:cs typeface="+mn-cs"/>
-              </a:rPr>
-              <a:t>Let’s define what mutable infrastructure is.</a:t>
-            </a:r>
-          </a:p>
-          <a:p>
-            <a:endParaRPr lang="en-US" sz="1200" b="0" i="0" kern="1200" dirty="0">
-              <a:solidFill>
-                <a:schemeClr val="tx1"/>
-              </a:solidFill>
-              <a:effectLst/>
-              <a:latin typeface="+mn-lt"/>
-              <a:ea typeface="+mn-ea"/>
-              <a:cs typeface="+mn-cs"/>
-            </a:endParaRPr>
-          </a:p>
-          <a:p>
-            <a:r>
-              <a:rPr lang="en-US" sz="1200" b="0" i="0" kern="1200" dirty="0">
-                <a:solidFill>
-                  <a:schemeClr val="tx1"/>
-                </a:solidFill>
-                <a:effectLst/>
-                <a:latin typeface="+mn-lt"/>
-                <a:ea typeface="+mn-ea"/>
-                <a:cs typeface="+mn-cs"/>
-              </a:rPr>
-              <a:t>Mutable means that infrastructure that is capable of being modified in place on regular basis. </a:t>
-            </a:r>
-          </a:p>
-          <a:p>
-            <a:r>
-              <a:rPr lang="en-US" sz="1200" b="0" i="0" kern="1200" dirty="0">
-                <a:solidFill>
-                  <a:schemeClr val="tx1"/>
-                </a:solidFill>
-                <a:effectLst/>
-                <a:latin typeface="+mn-lt"/>
-                <a:ea typeface="+mn-ea"/>
-                <a:cs typeface="+mn-cs"/>
-              </a:rPr>
-              <a:t>In our example, when we upgraded AKS from version 1.15.10 to 1.16.7 we mutated existing AKS cluster instance. </a:t>
-            </a:r>
-          </a:p>
-          <a:p>
-            <a:r>
-              <a:rPr lang="en-US" sz="1200" b="0" i="0" kern="1200" dirty="0">
-                <a:solidFill>
-                  <a:schemeClr val="tx1"/>
-                </a:solidFill>
-                <a:effectLst/>
-                <a:latin typeface="+mn-lt"/>
-                <a:ea typeface="+mn-ea"/>
-                <a:cs typeface="+mn-cs"/>
-              </a:rPr>
-              <a:t>The same was with </a:t>
-            </a:r>
-            <a:r>
-              <a:rPr lang="en-US" sz="1200" b="0" i="0" kern="1200" dirty="0" err="1">
-                <a:solidFill>
-                  <a:schemeClr val="tx1"/>
-                </a:solidFill>
-                <a:effectLst/>
-                <a:latin typeface="+mn-lt"/>
-                <a:ea typeface="+mn-ea"/>
-                <a:cs typeface="+mn-cs"/>
-              </a:rPr>
-              <a:t>vnet</a:t>
-            </a:r>
-            <a:r>
-              <a:rPr lang="en-US" sz="1200" b="0" i="0" kern="1200" dirty="0">
-                <a:solidFill>
-                  <a:schemeClr val="tx1"/>
-                </a:solidFill>
-                <a:effectLst/>
-                <a:latin typeface="+mn-lt"/>
-                <a:ea typeface="+mn-ea"/>
-                <a:cs typeface="+mn-cs"/>
-              </a:rPr>
-              <a:t>. When we added new subnets to </a:t>
-            </a:r>
-            <a:r>
-              <a:rPr lang="en-US" sz="1200" b="0" i="0" kern="1200" dirty="0" err="1">
-                <a:solidFill>
-                  <a:schemeClr val="tx1"/>
-                </a:solidFill>
-                <a:effectLst/>
-                <a:latin typeface="+mn-lt"/>
-                <a:ea typeface="+mn-ea"/>
-                <a:cs typeface="+mn-cs"/>
-              </a:rPr>
-              <a:t>vnet</a:t>
-            </a:r>
-            <a:r>
-              <a:rPr lang="en-US" sz="1200" b="0" i="0" kern="1200" dirty="0">
-                <a:solidFill>
-                  <a:schemeClr val="tx1"/>
-                </a:solidFill>
-                <a:effectLst/>
-                <a:latin typeface="+mn-lt"/>
-                <a:ea typeface="+mn-ea"/>
-                <a:cs typeface="+mn-cs"/>
-              </a:rPr>
-              <a:t>, we changed the same instance of </a:t>
-            </a:r>
-            <a:r>
-              <a:rPr lang="en-US" sz="1200" b="0" i="0" kern="1200" dirty="0" err="1">
-                <a:solidFill>
-                  <a:schemeClr val="tx1"/>
-                </a:solidFill>
-                <a:effectLst/>
-                <a:latin typeface="+mn-lt"/>
-                <a:ea typeface="+mn-ea"/>
-                <a:cs typeface="+mn-cs"/>
-              </a:rPr>
-              <a:t>vnet</a:t>
-            </a:r>
-            <a:r>
-              <a:rPr lang="en-US" sz="1200" b="0" i="0" kern="1200" dirty="0">
-                <a:solidFill>
-                  <a:schemeClr val="tx1"/>
-                </a:solidFill>
-                <a:effectLst/>
-                <a:latin typeface="+mn-lt"/>
-                <a:ea typeface="+mn-ea"/>
-                <a:cs typeface="+mn-cs"/>
-              </a:rPr>
-              <a:t> in place. </a:t>
-            </a:r>
-          </a:p>
-          <a:p>
-            <a:endParaRPr lang="en-US" sz="1200" b="0" i="0" kern="1200" dirty="0">
-              <a:solidFill>
-                <a:schemeClr val="tx1"/>
-              </a:solidFill>
-              <a:effectLst/>
-              <a:latin typeface="+mn-lt"/>
-              <a:ea typeface="+mn-ea"/>
-              <a:cs typeface="+mn-cs"/>
-            </a:endParaRPr>
-          </a:p>
-          <a:p>
-            <a:r>
-              <a:rPr lang="en-US" sz="1200" b="0" i="0" kern="1200" dirty="0">
-                <a:solidFill>
-                  <a:schemeClr val="tx1"/>
-                </a:solidFill>
-                <a:effectLst/>
-                <a:latin typeface="+mn-lt"/>
-                <a:ea typeface="+mn-ea"/>
-                <a:cs typeface="+mn-cs"/>
-              </a:rPr>
-              <a:t>What are the pros and cons of mutable infra?</a:t>
-            </a:r>
-          </a:p>
-          <a:p>
-            <a:endParaRPr lang="en-US" sz="1200" b="0" i="0" kern="1200" dirty="0">
-              <a:solidFill>
-                <a:schemeClr val="tx1"/>
-              </a:solidFill>
-              <a:effectLst/>
-              <a:latin typeface="+mn-lt"/>
-              <a:ea typeface="+mn-ea"/>
-              <a:cs typeface="+mn-cs"/>
-            </a:endParaRPr>
-          </a:p>
-          <a:p>
-            <a:r>
-              <a:rPr lang="en-US" sz="1200" b="0" i="0" kern="1200" dirty="0">
-                <a:solidFill>
-                  <a:schemeClr val="tx1"/>
-                </a:solidFill>
-                <a:effectLst/>
-                <a:latin typeface="+mn-lt"/>
-                <a:ea typeface="+mn-ea"/>
-                <a:cs typeface="+mn-cs"/>
-              </a:rPr>
-              <a:t>Pros: </a:t>
-            </a:r>
-          </a:p>
-          <a:p>
-            <a:r>
-              <a:rPr lang="en-US" sz="1200" b="0" i="0" kern="1200" dirty="0">
-                <a:solidFill>
-                  <a:schemeClr val="tx1"/>
-                </a:solidFill>
-                <a:effectLst/>
-                <a:latin typeface="+mn-lt"/>
-                <a:ea typeface="+mn-ea"/>
-                <a:cs typeface="+mn-cs"/>
-              </a:rPr>
-              <a:t>It’s simple. You provision it once and you changing it. </a:t>
-            </a:r>
-          </a:p>
-          <a:p>
-            <a:r>
-              <a:rPr lang="en-US" sz="1200" b="0" i="0" kern="1200" dirty="0">
-                <a:solidFill>
-                  <a:schemeClr val="tx1"/>
-                </a:solidFill>
-                <a:effectLst/>
-                <a:latin typeface="+mn-lt"/>
-                <a:ea typeface="+mn-ea"/>
-                <a:cs typeface="+mn-cs"/>
-              </a:rPr>
-              <a:t>It’s fast to apply changes. Update AGW takes 20 min, provision  new instance takes 45 min</a:t>
-            </a:r>
-          </a:p>
-          <a:p>
-            <a:endParaRPr lang="en-US" sz="1200" b="0" i="0" kern="1200" dirty="0">
-              <a:solidFill>
-                <a:schemeClr val="tx1"/>
-              </a:solidFill>
-              <a:effectLst/>
-              <a:latin typeface="+mn-lt"/>
-              <a:ea typeface="+mn-ea"/>
-              <a:cs typeface="+mn-cs"/>
-            </a:endParaRPr>
-          </a:p>
-          <a:p>
-            <a:r>
-              <a:rPr lang="en-US" sz="1200" b="0" i="0" kern="1200" dirty="0">
-                <a:solidFill>
-                  <a:schemeClr val="tx1"/>
-                </a:solidFill>
-                <a:effectLst/>
-                <a:latin typeface="+mn-lt"/>
-                <a:ea typeface="+mn-ea"/>
-                <a:cs typeface="+mn-cs"/>
-              </a:rPr>
-              <a:t>Cons:</a:t>
-            </a:r>
-          </a:p>
-          <a:p>
-            <a:r>
-              <a:rPr lang="en-US" sz="1200" b="0" i="0" kern="1200" dirty="0">
-                <a:solidFill>
-                  <a:schemeClr val="tx1"/>
-                </a:solidFill>
-                <a:effectLst/>
-                <a:latin typeface="+mn-lt"/>
-                <a:ea typeface="+mn-ea"/>
-                <a:cs typeface="+mn-cs"/>
-              </a:rPr>
-              <a:t>Configurational drift – we all know when infrastructure is changing in place, it’s very easy to do some shortcuts and apply changes from the portal and that leads to chaos.</a:t>
-            </a:r>
-          </a:p>
-          <a:p>
-            <a:r>
-              <a:rPr lang="en-US" sz="1200" b="0" i="0" kern="1200" dirty="0">
-                <a:solidFill>
-                  <a:schemeClr val="tx1"/>
-                </a:solidFill>
-                <a:effectLst/>
-                <a:latin typeface="+mn-lt"/>
-                <a:ea typeface="+mn-ea"/>
-                <a:cs typeface="+mn-cs"/>
-              </a:rPr>
-              <a:t>There is a chance that upgrade will fail and then you can be out of business</a:t>
-            </a:r>
-          </a:p>
-          <a:p>
-            <a:r>
-              <a:rPr lang="en-US" sz="1200" b="0" i="0" kern="1200" dirty="0">
-                <a:solidFill>
-                  <a:schemeClr val="tx1"/>
-                </a:solidFill>
-                <a:effectLst/>
-                <a:latin typeface="+mn-lt"/>
-                <a:ea typeface="+mn-ea"/>
-                <a:cs typeface="+mn-cs"/>
-              </a:rPr>
-              <a:t>It’s not possible to rollback upgrade, for instance if you upgrade AKS to version 1.16.7 and then found that something doesn’t work, you can’t </a:t>
-            </a:r>
-            <a:r>
-              <a:rPr lang="en-US" sz="1200" b="0" i="0" kern="1200" dirty="0" err="1">
-                <a:solidFill>
-                  <a:schemeClr val="tx1"/>
-                </a:solidFill>
-                <a:effectLst/>
-                <a:latin typeface="+mn-lt"/>
-                <a:ea typeface="+mn-ea"/>
-                <a:cs typeface="+mn-cs"/>
-              </a:rPr>
-              <a:t>rolleback</a:t>
-            </a:r>
-            <a:r>
-              <a:rPr lang="en-US" sz="1200" b="0" i="0" kern="1200" dirty="0">
-                <a:solidFill>
-                  <a:schemeClr val="tx1"/>
-                </a:solidFill>
-                <a:effectLst/>
-                <a:latin typeface="+mn-lt"/>
-                <a:ea typeface="+mn-ea"/>
-                <a:cs typeface="+mn-cs"/>
-              </a:rPr>
-              <a:t> to 1.15.10. You have to re-provision new cluster.</a:t>
-            </a:r>
-          </a:p>
-          <a:p>
-            <a:endParaRPr lang="en-US" sz="1200" b="0" i="0" kern="1200" dirty="0">
-              <a:solidFill>
-                <a:schemeClr val="tx1"/>
-              </a:solidFill>
-              <a:effectLst/>
-              <a:latin typeface="+mn-lt"/>
-              <a:ea typeface="+mn-ea"/>
-              <a:cs typeface="+mn-cs"/>
-            </a:endParaRPr>
+              <a:rPr lang="nb-NO" dirty="0"/>
+              <a:t>2 min</a:t>
+            </a:r>
           </a:p>
         </p:txBody>
       </p:sp>
@@ -1548,7 +1812,7 @@
           <a:p>
             <a:fld id="{732F9D6F-CB08-48FB-827A-1E8A35B02598}" type="slidenum">
               <a:rPr lang="nb-NO" smtClean="0"/>
-              <a:t>12</a:t>
+              <a:t>13</a:t>
             </a:fld>
             <a:endParaRPr lang="nb-NO"/>
           </a:p>
@@ -1557,356 +1821,7 @@
     </p:spTree>
     <p:extLst>
       <p:ext uri="{BB962C8B-B14F-4D97-AF65-F5344CB8AC3E}">
-        <p14:creationId xmlns:p14="http://schemas.microsoft.com/office/powerpoint/2010/main" val="2593775833"/>
-      </p:ext>
-    </p:extLst>
-  </p:cSld>
-  <p:clrMapOvr>
-    <a:masterClrMapping/>
-  </p:clrMapOvr>
-</p:notes>
-</file>
-
-<file path=ppt/notesSlides/notesSlide13.xml><?xml version="1.0" encoding="utf-8"?>
-<p:notes xmlns:a="http://schemas.openxmlformats.org/drawingml/2006/main" xmlns:r="http://schemas.openxmlformats.org/officeDocument/2006/relationships" xmlns:p="http://schemas.openxmlformats.org/presentationml/2006/main">
-  <p:cSld>
-    <p:spTree>
-      <p:nvGrpSpPr>
-        <p:cNvPr id="1" name=""/>
-        <p:cNvGrpSpPr/>
-        <p:nvPr/>
-      </p:nvGrpSpPr>
-      <p:grpSpPr>
-        <a:xfrm>
-          <a:off x="0" y="0"/>
-          <a:ext cx="0" cy="0"/>
-          <a:chOff x="0" y="0"/>
-          <a:chExt cx="0" cy="0"/>
-        </a:xfrm>
-      </p:grpSpPr>
-      <p:sp>
-        <p:nvSpPr>
-          <p:cNvPr id="2" name="Slide Image Placeholder 1"/>
-          <p:cNvSpPr>
-            <a:spLocks noGrp="1" noRot="1" noChangeAspect="1"/>
-          </p:cNvSpPr>
-          <p:nvPr>
-            <p:ph type="sldImg"/>
-          </p:nvPr>
-        </p:nvSpPr>
-        <p:spPr/>
-      </p:sp>
-      <p:sp>
-        <p:nvSpPr>
-          <p:cNvPr id="3" name="Notes Placeholder 2"/>
-          <p:cNvSpPr>
-            <a:spLocks noGrp="1"/>
-          </p:cNvSpPr>
-          <p:nvPr>
-            <p:ph type="body" idx="1"/>
-          </p:nvPr>
-        </p:nvSpPr>
-        <p:spPr/>
-        <p:txBody>
-          <a:bodyPr/>
-          <a:lstStyle/>
-          <a:p>
-            <a:r>
-              <a:rPr lang="en-US" sz="1200" b="0" i="0" kern="1200" dirty="0">
-                <a:solidFill>
-                  <a:schemeClr val="tx1"/>
-                </a:solidFill>
-                <a:effectLst/>
-                <a:latin typeface="+mn-lt"/>
-                <a:ea typeface="+mn-ea"/>
-                <a:cs typeface="+mn-cs"/>
-              </a:rPr>
-              <a:t>1:30</a:t>
-            </a:r>
-          </a:p>
-          <a:p>
-            <a:endParaRPr lang="en-US" sz="1200" b="0" i="0" kern="1200" dirty="0">
-              <a:solidFill>
-                <a:schemeClr val="tx1"/>
-              </a:solidFill>
-              <a:effectLst/>
-              <a:latin typeface="+mn-lt"/>
-              <a:ea typeface="+mn-ea"/>
-              <a:cs typeface="+mn-cs"/>
-            </a:endParaRPr>
-          </a:p>
-          <a:p>
-            <a:r>
-              <a:rPr lang="en-US" sz="1200" b="0" i="0" kern="1200" dirty="0">
-                <a:solidFill>
-                  <a:schemeClr val="tx1"/>
-                </a:solidFill>
-                <a:effectLst/>
-                <a:latin typeface="+mn-lt"/>
-                <a:ea typeface="+mn-ea"/>
-                <a:cs typeface="+mn-cs"/>
-              </a:rPr>
-              <a:t>“immutable” is the antonym of “mutable,” meaning “unchanging or unable to change.” </a:t>
-            </a:r>
-          </a:p>
-          <a:p>
-            <a:r>
-              <a:rPr lang="en-US" sz="1200" b="0" i="0" kern="1200" dirty="0">
-                <a:solidFill>
-                  <a:schemeClr val="tx1"/>
-                </a:solidFill>
-                <a:effectLst/>
-                <a:latin typeface="+mn-lt"/>
-                <a:ea typeface="+mn-ea"/>
-                <a:cs typeface="+mn-cs"/>
-              </a:rPr>
-              <a:t>Immutable infrastructure is infrastructure that, once deployed, cannot be modified. </a:t>
-            </a:r>
-          </a:p>
-          <a:p>
-            <a:r>
-              <a:rPr lang="en-US" sz="1200" b="0" i="0" kern="1200" dirty="0">
-                <a:solidFill>
-                  <a:schemeClr val="tx1"/>
-                </a:solidFill>
-                <a:effectLst/>
-                <a:latin typeface="+mn-lt"/>
-                <a:ea typeface="+mn-ea"/>
-                <a:cs typeface="+mn-cs"/>
-              </a:rPr>
-              <a:t>It allows you to test your infrastructure or your applications under the new </a:t>
-            </a:r>
-            <a:r>
-              <a:rPr lang="en-US" sz="1200" b="0" i="0" kern="1200" dirty="0" err="1">
-                <a:solidFill>
-                  <a:schemeClr val="tx1"/>
-                </a:solidFill>
-                <a:effectLst/>
-                <a:latin typeface="+mn-lt"/>
-                <a:ea typeface="+mn-ea"/>
-                <a:cs typeface="+mn-cs"/>
-              </a:rPr>
-              <a:t>infrastetucture</a:t>
-            </a:r>
-            <a:r>
-              <a:rPr lang="en-US" sz="1200" b="0" i="0" kern="1200" dirty="0">
-                <a:solidFill>
-                  <a:schemeClr val="tx1"/>
-                </a:solidFill>
-                <a:effectLst/>
-                <a:latin typeface="+mn-lt"/>
-                <a:ea typeface="+mn-ea"/>
-                <a:cs typeface="+mn-cs"/>
-              </a:rPr>
-              <a:t> before you opens it up for the users.</a:t>
-            </a:r>
-          </a:p>
-          <a:p>
-            <a:r>
-              <a:rPr lang="en-US" sz="1200" b="0" i="0" kern="1200" dirty="0">
-                <a:solidFill>
-                  <a:schemeClr val="tx1"/>
-                </a:solidFill>
-                <a:effectLst/>
-                <a:latin typeface="+mn-lt"/>
-                <a:ea typeface="+mn-ea"/>
-                <a:cs typeface="+mn-cs"/>
-              </a:rPr>
-              <a:t>It allows you to do a canary testing, when you send small percentage of you traffic to the new version, </a:t>
-            </a:r>
-            <a:r>
-              <a:rPr lang="en-US" sz="1200" b="0" i="0" kern="1200" dirty="0" err="1">
-                <a:solidFill>
-                  <a:schemeClr val="tx1"/>
-                </a:solidFill>
-                <a:effectLst/>
-                <a:latin typeface="+mn-lt"/>
-                <a:ea typeface="+mn-ea"/>
-                <a:cs typeface="+mn-cs"/>
-              </a:rPr>
-              <a:t>observ</a:t>
-            </a:r>
-            <a:r>
-              <a:rPr lang="en-US" sz="1200" b="0" i="0" kern="1200" dirty="0">
-                <a:solidFill>
-                  <a:schemeClr val="tx1"/>
-                </a:solidFill>
-                <a:effectLst/>
-                <a:latin typeface="+mn-lt"/>
-                <a:ea typeface="+mn-ea"/>
-                <a:cs typeface="+mn-cs"/>
-              </a:rPr>
-              <a:t> the behavior and when everything is good, switch all traffic. </a:t>
-            </a:r>
-          </a:p>
-          <a:p>
-            <a:r>
-              <a:rPr lang="en-US" sz="1200" b="0" i="0" kern="1200" dirty="0">
-                <a:solidFill>
-                  <a:schemeClr val="tx1"/>
-                </a:solidFill>
-                <a:effectLst/>
-                <a:latin typeface="+mn-lt"/>
-                <a:ea typeface="+mn-ea"/>
-                <a:cs typeface="+mn-cs"/>
-              </a:rPr>
-              <a:t>If new version doesn’t work well, you still have the old one available and you can switch your traffic back to the old infra.</a:t>
-            </a:r>
-          </a:p>
-          <a:p>
-            <a:r>
-              <a:rPr lang="en-US" sz="1200" b="0" i="0" kern="1200" dirty="0">
-                <a:solidFill>
-                  <a:schemeClr val="tx1"/>
-                </a:solidFill>
-                <a:effectLst/>
-                <a:latin typeface="+mn-lt"/>
-                <a:ea typeface="+mn-ea"/>
-                <a:cs typeface="+mn-cs"/>
-              </a:rPr>
-              <a:t>Since we never update the infrastructure, configuration </a:t>
-            </a:r>
-            <a:r>
-              <a:rPr lang="en-US" sz="1200" b="0" i="0" kern="1200" dirty="0" err="1">
-                <a:solidFill>
-                  <a:schemeClr val="tx1"/>
-                </a:solidFill>
-                <a:effectLst/>
-                <a:latin typeface="+mn-lt"/>
-                <a:ea typeface="+mn-ea"/>
-                <a:cs typeface="+mn-cs"/>
-              </a:rPr>
-              <a:t>drinf</a:t>
-            </a:r>
-            <a:r>
-              <a:rPr lang="en-US" sz="1200" b="0" i="0" kern="1200" dirty="0">
-                <a:solidFill>
-                  <a:schemeClr val="tx1"/>
-                </a:solidFill>
-                <a:effectLst/>
-                <a:latin typeface="+mn-lt"/>
-                <a:ea typeface="+mn-ea"/>
-                <a:cs typeface="+mn-cs"/>
-              </a:rPr>
-              <a:t> technically not possible.</a:t>
-            </a:r>
-          </a:p>
-          <a:p>
-            <a:endParaRPr lang="en-US" sz="1200" b="0" i="0" kern="1200" dirty="0">
-              <a:solidFill>
-                <a:schemeClr val="tx1"/>
-              </a:solidFill>
-              <a:effectLst/>
-              <a:latin typeface="+mn-lt"/>
-              <a:ea typeface="+mn-ea"/>
-              <a:cs typeface="+mn-cs"/>
-            </a:endParaRPr>
-          </a:p>
-          <a:p>
-            <a:r>
-              <a:rPr lang="en-US" sz="1200" b="0" i="0" kern="1200" dirty="0">
-                <a:solidFill>
-                  <a:schemeClr val="tx1"/>
-                </a:solidFill>
-                <a:effectLst/>
-                <a:latin typeface="+mn-lt"/>
-                <a:ea typeface="+mn-ea"/>
-                <a:cs typeface="+mn-cs"/>
-              </a:rPr>
-              <a:t>But it </a:t>
-            </a:r>
-            <a:r>
-              <a:rPr lang="en-US" sz="1200" b="0" i="0" kern="1200" dirty="0" err="1">
-                <a:solidFill>
-                  <a:schemeClr val="tx1"/>
-                </a:solidFill>
-                <a:effectLst/>
-                <a:latin typeface="+mn-lt"/>
-                <a:ea typeface="+mn-ea"/>
-                <a:cs typeface="+mn-cs"/>
-              </a:rPr>
-              <a:t>doesnt</a:t>
-            </a:r>
-            <a:r>
-              <a:rPr lang="en-US" sz="1200" b="0" i="0" kern="1200" dirty="0">
-                <a:solidFill>
-                  <a:schemeClr val="tx1"/>
-                </a:solidFill>
-                <a:effectLst/>
-                <a:latin typeface="+mn-lt"/>
-                <a:ea typeface="+mn-ea"/>
-                <a:cs typeface="+mn-cs"/>
-              </a:rPr>
-              <a:t> come for free. The cost is complexity. During the transition period. you will have </a:t>
-            </a:r>
-            <a:r>
-              <a:rPr lang="en-US" sz="1200" b="0" i="0" kern="1200" dirty="0" err="1">
-                <a:solidFill>
-                  <a:schemeClr val="tx1"/>
-                </a:solidFill>
-                <a:effectLst/>
-                <a:latin typeface="+mn-lt"/>
-                <a:ea typeface="+mn-ea"/>
-                <a:cs typeface="+mn-cs"/>
-              </a:rPr>
-              <a:t>twise</a:t>
-            </a:r>
-            <a:r>
-              <a:rPr lang="en-US" sz="1200" b="0" i="0" kern="1200" dirty="0">
-                <a:solidFill>
-                  <a:schemeClr val="tx1"/>
-                </a:solidFill>
-                <a:effectLst/>
-                <a:latin typeface="+mn-lt"/>
-                <a:ea typeface="+mn-ea"/>
-                <a:cs typeface="+mn-cs"/>
-              </a:rPr>
-              <a:t> more infrastructure components to maintain and monitor.</a:t>
-            </a:r>
-          </a:p>
-          <a:p>
-            <a:r>
-              <a:rPr lang="en-US" sz="1200" b="0" i="0" kern="1200" dirty="0">
-                <a:solidFill>
-                  <a:schemeClr val="tx1"/>
-                </a:solidFill>
-                <a:effectLst/>
-                <a:latin typeface="+mn-lt"/>
-                <a:ea typeface="+mn-ea"/>
-                <a:cs typeface="+mn-cs"/>
-              </a:rPr>
-              <a:t>It requires heavy investment into automation. Provisioning, post-provisioning configuration and application deployment – everything should be fully automated.</a:t>
-            </a:r>
-          </a:p>
-        </p:txBody>
-      </p:sp>
-      <p:sp>
-        <p:nvSpPr>
-          <p:cNvPr id="4" name="Slide Number Placeholder 3"/>
-          <p:cNvSpPr>
-            <a:spLocks noGrp="1"/>
-          </p:cNvSpPr>
-          <p:nvPr>
-            <p:ph type="sldNum" sz="quarter" idx="5"/>
-          </p:nvPr>
-        </p:nvSpPr>
-        <p:spPr/>
-        <p:txBody>
-          <a:bodyPr/>
-          <a:lstStyle/>
-          <a:p>
-            <a:fld id="{732F9D6F-CB08-48FB-827A-1E8A35B02598}" type="slidenum">
-              <a:rPr lang="nb-NO" smtClean="0"/>
-              <a:t>13</a:t>
-            </a:fld>
-            <a:endParaRPr lang="nb-NO"/>
-          </a:p>
-        </p:txBody>
-      </p:sp>
-    </p:spTree>
-    <p:extLst>
-      <p:ext uri="{BB962C8B-B14F-4D97-AF65-F5344CB8AC3E}">
-        <p14:creationId xmlns:p14="http://schemas.microsoft.com/office/powerpoint/2010/main" val="764766337"/>
+        <p14:creationId xmlns:p14="http://schemas.microsoft.com/office/powerpoint/2010/main" val="3966792359"/>
       </p:ext>
     </p:extLst>
   </p:cSld>
@@ -1967,8 +1882,11 @@
           <a:p>
             <a:r>
               <a:rPr lang="nb-NO" dirty="0"/>
-              <a:t>2 min</a:t>
-            </a:r>
+              <a:t>1 min</a:t>
+            </a:r>
+          </a:p>
+          <a:p>
+            <a:endParaRPr lang="nb-NO" dirty="0"/>
           </a:p>
         </p:txBody>
       </p:sp>
@@ -1998,7 +1916,7 @@
     </p:spTree>
     <p:extLst>
       <p:ext uri="{BB962C8B-B14F-4D97-AF65-F5344CB8AC3E}">
-        <p14:creationId xmlns:p14="http://schemas.microsoft.com/office/powerpoint/2010/main" val="3966792359"/>
+        <p14:creationId xmlns:p14="http://schemas.microsoft.com/office/powerpoint/2010/main" val="4083956721"/>
       </p:ext>
     </p:extLst>
   </p:cSld>
@@ -2058,12 +1976,147 @@
           <a:lstStyle/>
           <a:p>
             <a:r>
-              <a:rPr lang="nb-NO" dirty="0"/>
-              <a:t>1 min</a:t>
+              <a:rPr lang="en-US" sz="1200" b="0" i="0" u="sng" strike="noStrike" kern="1200" cap="none" spc="0" baseline="0" dirty="0">
+                <a:solidFill>
+                  <a:srgbClr val="000000"/>
+                </a:solidFill>
+                <a:effectLst/>
+                <a:uFillTx/>
+                <a:latin typeface="+mn-lt"/>
+                <a:hlinkClick r:id="rId3"/>
+              </a:rPr>
+              <a:t>Front Door</a:t>
+            </a:r>
+            <a:r>
+              <a:rPr lang="en-US" sz="1200" b="0" i="0" u="none" strike="noStrike" kern="1200" cap="none" spc="0" baseline="0" dirty="0">
+                <a:solidFill>
+                  <a:srgbClr val="000000"/>
+                </a:solidFill>
+                <a:effectLst/>
+                <a:uFillTx/>
+                <a:latin typeface="+mn-lt"/>
+              </a:rPr>
+              <a:t> is an application delivery network that provides global load balancing and site acceleration service for web applications. It offers Layer 7 capabilities for your application like SSL offload, path-based routing, fast failover, caching, etc. to improve performance and high-availability of your applications.</a:t>
+            </a:r>
+          </a:p>
+          <a:p>
+            <a:endParaRPr lang="en-US" sz="1200" b="0" i="0" u="none" strike="noStrike" kern="1200" cap="none" spc="0" baseline="0" dirty="0">
+              <a:solidFill>
+                <a:srgbClr val="000000"/>
+              </a:solidFill>
+              <a:effectLst/>
+              <a:uFillTx/>
+              <a:latin typeface="+mn-lt"/>
+            </a:endParaRPr>
+          </a:p>
+          <a:p>
+            <a:r>
+              <a:rPr lang="en-US" sz="1200" b="0" i="0" u="sng" strike="noStrike" kern="1200" cap="none" spc="0" baseline="0" dirty="0">
+                <a:solidFill>
+                  <a:srgbClr val="000000"/>
+                </a:solidFill>
+                <a:effectLst/>
+                <a:uFillTx/>
+                <a:latin typeface="+mn-lt"/>
+                <a:hlinkClick r:id="rId4"/>
+              </a:rPr>
+              <a:t>Traffic Manager</a:t>
+            </a:r>
+            <a:r>
+              <a:rPr lang="en-US" sz="1200" b="0" i="0" u="none" strike="noStrike" kern="1200" cap="none" spc="0" baseline="0" dirty="0">
+                <a:solidFill>
+                  <a:srgbClr val="000000"/>
+                </a:solidFill>
+                <a:effectLst/>
+                <a:uFillTx/>
+                <a:latin typeface="+mn-lt"/>
+              </a:rPr>
+              <a:t> is a DNS-based traffic load balancer that enables you to distribute traffic optimally to services across global Azure regions, while providing high availability and responsiveness. Because Traffic Manager is a DNS-based load-balancing service, it load balances only at the domain level. For that reason, it can't fail over as quickly as Front Door, because of common challenges around DNS caching and systems not honoring DNS TTLs.</a:t>
+            </a:r>
+          </a:p>
+          <a:p>
+            <a:endParaRPr lang="en-US" sz="1200" b="0" i="0" u="none" strike="noStrike" kern="1200" cap="none" spc="0" baseline="0" dirty="0">
+              <a:solidFill>
+                <a:srgbClr val="000000"/>
+              </a:solidFill>
+              <a:effectLst/>
+              <a:uFillTx/>
+              <a:latin typeface="+mn-lt"/>
+            </a:endParaRPr>
+          </a:p>
+          <a:p>
+            <a:r>
+              <a:rPr lang="en-US" sz="1200" b="0" i="0" u="sng" strike="noStrike" kern="1200" cap="none" spc="0" baseline="0" dirty="0">
+                <a:solidFill>
+                  <a:srgbClr val="000000"/>
+                </a:solidFill>
+                <a:effectLst/>
+                <a:uFillTx/>
+                <a:latin typeface="+mn-lt"/>
+                <a:hlinkClick r:id="rId5"/>
+              </a:rPr>
+              <a:t>Application Gateway</a:t>
+            </a:r>
+            <a:r>
+              <a:rPr lang="en-US" sz="1200" b="0" i="0" u="none" strike="noStrike" kern="1200" cap="none" spc="0" baseline="0" dirty="0">
+                <a:solidFill>
+                  <a:srgbClr val="000000"/>
+                </a:solidFill>
+                <a:effectLst/>
+                <a:uFillTx/>
+                <a:latin typeface="+mn-lt"/>
+              </a:rPr>
+              <a:t> provides application delivery controller (ADC) as a service, offering various Layer 7 load-balancing capabilities. Use it to optimize web farm productivity by offloading CPU-intensive SSL termination to the gateway.</a:t>
+            </a:r>
+          </a:p>
+          <a:p>
+            <a:endParaRPr lang="en-US" sz="1200" b="0" i="0" u="none" strike="noStrike" kern="1200" cap="none" spc="0" baseline="0" dirty="0">
+              <a:solidFill>
+                <a:srgbClr val="000000"/>
+              </a:solidFill>
+              <a:effectLst/>
+              <a:uFillTx/>
+              <a:latin typeface="+mn-lt"/>
+            </a:endParaRPr>
+          </a:p>
+          <a:p>
+            <a:r>
+              <a:rPr lang="en-US" sz="1200" b="0" i="0" u="sng" strike="noStrike" kern="1200" cap="none" spc="0" baseline="0" dirty="0">
+                <a:solidFill>
+                  <a:srgbClr val="000000"/>
+                </a:solidFill>
+                <a:effectLst/>
+                <a:uFillTx/>
+                <a:latin typeface="+mn-lt"/>
+                <a:hlinkClick r:id="rId6"/>
+              </a:rPr>
+              <a:t>Azure Load Balancer</a:t>
+            </a:r>
+            <a:r>
+              <a:rPr lang="en-US" sz="1200" b="0" i="0" u="none" strike="noStrike" kern="1200" cap="none" spc="0" baseline="0" dirty="0">
+                <a:solidFill>
+                  <a:srgbClr val="000000"/>
+                </a:solidFill>
+                <a:effectLst/>
+                <a:uFillTx/>
+                <a:latin typeface="+mn-lt"/>
+              </a:rPr>
+              <a:t> is a high-performance, low-latency Layer 4 load-balancing service (inbound and outbound) for all UDP and TCP protocols. It is built to handle millions of requests per second while ensuring your solution is highly available. Azure Load Balancer is zone-redundant, ensuring high availability across Availability Zones.</a:t>
             </a:r>
           </a:p>
           <a:p>
             <a:endParaRPr lang="nb-NO" dirty="0"/>
+          </a:p>
+          <a:p>
+            <a:endParaRPr lang="en-US" sz="1200" b="0" i="0" kern="1200" dirty="0">
+              <a:solidFill>
+                <a:schemeClr val="tx1"/>
+              </a:solidFill>
+              <a:effectLst/>
+              <a:latin typeface="+mn-lt"/>
+              <a:ea typeface="+mn-ea"/>
+              <a:cs typeface="+mn-cs"/>
+            </a:endParaRPr>
           </a:p>
         </p:txBody>
       </p:sp>
@@ -2093,7 +2146,7 @@
     </p:spTree>
     <p:extLst>
       <p:ext uri="{BB962C8B-B14F-4D97-AF65-F5344CB8AC3E}">
-        <p14:creationId xmlns:p14="http://schemas.microsoft.com/office/powerpoint/2010/main" val="4083956721"/>
+        <p14:creationId xmlns:p14="http://schemas.microsoft.com/office/powerpoint/2010/main" val="251478440"/>
       </p:ext>
     </p:extLst>
   </p:cSld>
@@ -2152,139 +2205,6 @@
           <a:bodyPr/>
           <a:lstStyle/>
           <a:p>
-            <a:r>
-              <a:rPr lang="en-US" sz="1200" b="0" i="0" u="sng" strike="noStrike" kern="1200" cap="none" spc="0" baseline="0" dirty="0">
-                <a:solidFill>
-                  <a:srgbClr val="000000"/>
-                </a:solidFill>
-                <a:effectLst/>
-                <a:uFillTx/>
-                <a:latin typeface="+mn-lt"/>
-                <a:hlinkClick r:id="rId3"/>
-              </a:rPr>
-              <a:t>Front Door</a:t>
-            </a:r>
-            <a:r>
-              <a:rPr lang="en-US" sz="1200" b="0" i="0" u="none" strike="noStrike" kern="1200" cap="none" spc="0" baseline="0" dirty="0">
-                <a:solidFill>
-                  <a:srgbClr val="000000"/>
-                </a:solidFill>
-                <a:effectLst/>
-                <a:uFillTx/>
-                <a:latin typeface="+mn-lt"/>
-              </a:rPr>
-              <a:t> is an application delivery network that provides global load balancing and site acceleration service for web applications. It offers Layer 7 capabilities for your application like SSL offload, path-based routing, fast failover, caching, etc. to improve performance and high-availability of your applications.</a:t>
-            </a:r>
-          </a:p>
-          <a:p>
-            <a:endParaRPr lang="en-US" sz="1200" b="0" i="0" u="none" strike="noStrike" kern="1200" cap="none" spc="0" baseline="0" dirty="0">
-              <a:solidFill>
-                <a:srgbClr val="000000"/>
-              </a:solidFill>
-              <a:effectLst/>
-              <a:uFillTx/>
-              <a:latin typeface="+mn-lt"/>
-            </a:endParaRPr>
-          </a:p>
-          <a:p>
-            <a:r>
-              <a:rPr lang="en-US" sz="1200" b="0" i="0" u="sng" strike="noStrike" kern="1200" cap="none" spc="0" baseline="0" dirty="0">
-                <a:solidFill>
-                  <a:srgbClr val="000000"/>
-                </a:solidFill>
-                <a:effectLst/>
-                <a:uFillTx/>
-                <a:latin typeface="+mn-lt"/>
-                <a:hlinkClick r:id="rId4"/>
-              </a:rPr>
-              <a:t>Traffic Manager</a:t>
-            </a:r>
-            <a:r>
-              <a:rPr lang="en-US" sz="1200" b="0" i="0" u="none" strike="noStrike" kern="1200" cap="none" spc="0" baseline="0" dirty="0">
-                <a:solidFill>
-                  <a:srgbClr val="000000"/>
-                </a:solidFill>
-                <a:effectLst/>
-                <a:uFillTx/>
-                <a:latin typeface="+mn-lt"/>
-              </a:rPr>
-              <a:t> is a DNS-based traffic load balancer that enables you to distribute traffic optimally to services across global Azure regions, while providing high availability and responsiveness. Because Traffic Manager is a DNS-based load-balancing service, it load balances only at the domain level. For that reason, it can't fail over as quickly as Front Door, because of common challenges around DNS caching and systems not honoring DNS TTLs.</a:t>
-            </a:r>
-          </a:p>
-          <a:p>
-            <a:endParaRPr lang="en-US" sz="1200" b="0" i="0" u="none" strike="noStrike" kern="1200" cap="none" spc="0" baseline="0" dirty="0">
-              <a:solidFill>
-                <a:srgbClr val="000000"/>
-              </a:solidFill>
-              <a:effectLst/>
-              <a:uFillTx/>
-              <a:latin typeface="+mn-lt"/>
-            </a:endParaRPr>
-          </a:p>
-          <a:p>
-            <a:r>
-              <a:rPr lang="en-US" sz="1200" b="0" i="0" u="sng" strike="noStrike" kern="1200" cap="none" spc="0" baseline="0" dirty="0">
-                <a:solidFill>
-                  <a:srgbClr val="000000"/>
-                </a:solidFill>
-                <a:effectLst/>
-                <a:uFillTx/>
-                <a:latin typeface="+mn-lt"/>
-                <a:hlinkClick r:id="rId5"/>
-              </a:rPr>
-              <a:t>Application Gateway</a:t>
-            </a:r>
-            <a:r>
-              <a:rPr lang="en-US" sz="1200" b="0" i="0" u="none" strike="noStrike" kern="1200" cap="none" spc="0" baseline="0" dirty="0">
-                <a:solidFill>
-                  <a:srgbClr val="000000"/>
-                </a:solidFill>
-                <a:effectLst/>
-                <a:uFillTx/>
-                <a:latin typeface="+mn-lt"/>
-              </a:rPr>
-              <a:t> provides application delivery controller (ADC) as a service, offering various Layer 7 load-balancing capabilities. Use it to optimize web farm productivity by offloading CPU-intensive SSL termination to the gateway.</a:t>
-            </a:r>
-          </a:p>
-          <a:p>
-            <a:endParaRPr lang="en-US" sz="1200" b="0" i="0" u="none" strike="noStrike" kern="1200" cap="none" spc="0" baseline="0" dirty="0">
-              <a:solidFill>
-                <a:srgbClr val="000000"/>
-              </a:solidFill>
-              <a:effectLst/>
-              <a:uFillTx/>
-              <a:latin typeface="+mn-lt"/>
-            </a:endParaRPr>
-          </a:p>
-          <a:p>
-            <a:r>
-              <a:rPr lang="en-US" sz="1200" b="0" i="0" u="sng" strike="noStrike" kern="1200" cap="none" spc="0" baseline="0" dirty="0">
-                <a:solidFill>
-                  <a:srgbClr val="000000"/>
-                </a:solidFill>
-                <a:effectLst/>
-                <a:uFillTx/>
-                <a:latin typeface="+mn-lt"/>
-                <a:hlinkClick r:id="rId6"/>
-              </a:rPr>
-              <a:t>Azure Load Balancer</a:t>
-            </a:r>
-            <a:r>
-              <a:rPr lang="en-US" sz="1200" b="0" i="0" u="none" strike="noStrike" kern="1200" cap="none" spc="0" baseline="0" dirty="0">
-                <a:solidFill>
-                  <a:srgbClr val="000000"/>
-                </a:solidFill>
-                <a:effectLst/>
-                <a:uFillTx/>
-                <a:latin typeface="+mn-lt"/>
-              </a:rPr>
-              <a:t> is a high-performance, low-latency Layer 4 load-balancing service (inbound and outbound) for all UDP and TCP protocols. It is built to handle millions of requests per second while ensuring your solution is highly available. Azure Load Balancer is zone-redundant, ensuring high availability across Availability Zones.</a:t>
-            </a:r>
-          </a:p>
-          <a:p>
-            <a:endParaRPr lang="nb-NO" dirty="0"/>
-          </a:p>
-          <a:p>
             <a:endParaRPr lang="en-US" sz="1200" b="0" i="0" kern="1200" dirty="0">
               <a:solidFill>
                 <a:schemeClr val="tx1"/>
@@ -2323,7 +2243,7 @@
     </p:spTree>
     <p:extLst>
       <p:ext uri="{BB962C8B-B14F-4D97-AF65-F5344CB8AC3E}">
-        <p14:creationId xmlns:p14="http://schemas.microsoft.com/office/powerpoint/2010/main" val="251478440"/>
+        <p14:creationId xmlns:p14="http://schemas.microsoft.com/office/powerpoint/2010/main" val="3951382453"/>
       </p:ext>
     </p:extLst>
   </p:cSld>
@@ -2334,103 +2254,6 @@
 </file>
 
 <file path=ppt/notesSlides/notesSlide17.xml><?xml version="1.0" encoding="utf-8"?>
-<p:notes xmlns:a="http://schemas.openxmlformats.org/drawingml/2006/main" xmlns:r="http://schemas.openxmlformats.org/officeDocument/2006/relationships" xmlns:p="http://schemas.openxmlformats.org/presentationml/2006/main">
-  <p:cSld>
-    <p:spTree>
-      <p:nvGrpSpPr>
-        <p:cNvPr id="1" name=""/>
-        <p:cNvGrpSpPr/>
-        <p:nvPr/>
-      </p:nvGrpSpPr>
-      <p:grpSpPr>
-        <a:xfrm>
-          <a:off x="0" y="0"/>
-          <a:ext cx="0" cy="0"/>
-          <a:chOff x="0" y="0"/>
-          <a:chExt cx="0" cy="0"/>
-        </a:xfrm>
-      </p:grpSpPr>
-      <p:sp>
-        <p:nvSpPr>
-          <p:cNvPr id="2" name="Slide Image Placeholder 1"/>
-          <p:cNvSpPr>
-            <a:spLocks noGrp="1" noRot="1" noChangeAspect="1"/>
-          </p:cNvSpPr>
-          <p:nvPr>
-            <p:ph type="sldImg"/>
-          </p:nvPr>
-        </p:nvSpPr>
-        <p:spPr>
-          <a:xfrm>
-            <a:off x="381000" y="685800"/>
-            <a:ext cx="6096000" cy="3429000"/>
-          </a:xfrm>
-        </p:spPr>
-      </p:sp>
-      <p:sp>
-        <p:nvSpPr>
-          <p:cNvPr id="3" name="Notes Placeholder 2"/>
-          <p:cNvSpPr>
-            <a:spLocks noGrp="1"/>
-          </p:cNvSpPr>
-          <p:nvPr>
-            <p:ph type="body" idx="1"/>
-          </p:nvPr>
-        </p:nvSpPr>
-        <p:spPr/>
-        <p:txBody>
-          <a:bodyPr/>
-          <a:lstStyle/>
-          <a:p>
-            <a:endParaRPr lang="en-US" sz="1200" b="0" i="0" kern="1200" dirty="0">
-              <a:solidFill>
-                <a:schemeClr val="tx1"/>
-              </a:solidFill>
-              <a:effectLst/>
-              <a:latin typeface="+mn-lt"/>
-              <a:ea typeface="+mn-ea"/>
-              <a:cs typeface="+mn-cs"/>
-            </a:endParaRPr>
-          </a:p>
-        </p:txBody>
-      </p:sp>
-      <p:sp>
-        <p:nvSpPr>
-          <p:cNvPr id="4" name="Slide Number Placeholder 3"/>
-          <p:cNvSpPr>
-            <a:spLocks noGrp="1"/>
-          </p:cNvSpPr>
-          <p:nvPr>
-            <p:ph type="sldNum" sz="quarter" idx="5"/>
-          </p:nvPr>
-        </p:nvSpPr>
-        <p:spPr/>
-        <p:txBody>
-          <a:bodyPr/>
-          <a:lstStyle/>
-          <a:p>
-            <a:fld id="{732F9D6F-CB08-48FB-827A-1E8A35B02598}" type="slidenum">
-              <a:rPr lang="nb-NO" smtClean="0"/>
-              <a:t>17</a:t>
-            </a:fld>
-            <a:endParaRPr lang="nb-NO"/>
-          </a:p>
-        </p:txBody>
-      </p:sp>
-    </p:spTree>
-    <p:extLst>
-      <p:ext uri="{BB962C8B-B14F-4D97-AF65-F5344CB8AC3E}">
-        <p14:creationId xmlns:p14="http://schemas.microsoft.com/office/powerpoint/2010/main" val="3951382453"/>
-      </p:ext>
-    </p:extLst>
-  </p:cSld>
-  <p:clrMapOvr>
-    <a:masterClrMapping/>
-  </p:clrMapOvr>
-</p:notes>
-</file>
-
-<file path=ppt/notesSlides/notesSlide18.xml><?xml version="1.0" encoding="utf-8"?>
 <p:notes xmlns:a="http://schemas.openxmlformats.org/drawingml/2006/main" xmlns:r="http://schemas.openxmlformats.org/officeDocument/2006/relationships" xmlns:p="http://schemas.openxmlformats.org/presentationml/2006/main" showMasterSp="0" showMasterPhAnim="0">
   <p:cSld>
     <p:spTree>
@@ -2534,7 +2357,7 @@
 </p:notes>
 </file>
 
-<file path=ppt/notesSlides/notesSlide19.xml><?xml version="1.0" encoding="utf-8"?>
+<file path=ppt/notesSlides/notesSlide18.xml><?xml version="1.0" encoding="utf-8"?>
 <p:notes xmlns:a="http://schemas.openxmlformats.org/drawingml/2006/main" xmlns:r="http://schemas.openxmlformats.org/officeDocument/2006/relationships" xmlns:p="http://schemas.openxmlformats.org/presentationml/2006/main">
   <p:cSld>
     <p:spTree>
@@ -2738,6 +2561,236 @@
               <a:ea typeface="+mn-ea"/>
               <a:cs typeface="+mn-cs"/>
             </a:endParaRPr>
+          </a:p>
+          <a:p>
+            <a:endParaRPr lang="en-US" sz="1200" b="0" i="0" kern="1200" dirty="0">
+              <a:solidFill>
+                <a:schemeClr val="tx1"/>
+              </a:solidFill>
+              <a:effectLst/>
+              <a:latin typeface="+mn-lt"/>
+              <a:ea typeface="+mn-ea"/>
+              <a:cs typeface="+mn-cs"/>
+            </a:endParaRPr>
+          </a:p>
+        </p:txBody>
+      </p:sp>
+      <p:sp>
+        <p:nvSpPr>
+          <p:cNvPr id="4" name="Slide Number Placeholder 3"/>
+          <p:cNvSpPr>
+            <a:spLocks noGrp="1"/>
+          </p:cNvSpPr>
+          <p:nvPr>
+            <p:ph type="sldNum" sz="quarter" idx="5"/>
+          </p:nvPr>
+        </p:nvSpPr>
+        <p:spPr/>
+        <p:txBody>
+          <a:bodyPr/>
+          <a:lstStyle/>
+          <a:p>
+            <a:fld id="{732F9D6F-CB08-48FB-827A-1E8A35B02598}" type="slidenum">
+              <a:rPr lang="nb-NO" smtClean="0"/>
+              <a:t>22</a:t>
+            </a:fld>
+            <a:endParaRPr lang="nb-NO"/>
+          </a:p>
+        </p:txBody>
+      </p:sp>
+    </p:spTree>
+    <p:extLst>
+      <p:ext uri="{BB962C8B-B14F-4D97-AF65-F5344CB8AC3E}">
+        <p14:creationId xmlns:p14="http://schemas.microsoft.com/office/powerpoint/2010/main" val="298537641"/>
+      </p:ext>
+    </p:extLst>
+  </p:cSld>
+  <p:clrMapOvr>
+    <a:masterClrMapping/>
+  </p:clrMapOvr>
+</p:notes>
+</file>
+
+<file path=ppt/notesSlides/notesSlide19.xml><?xml version="1.0" encoding="utf-8"?>
+<p:notes xmlns:a="http://schemas.openxmlformats.org/drawingml/2006/main" xmlns:r="http://schemas.openxmlformats.org/officeDocument/2006/relationships" xmlns:p="http://schemas.openxmlformats.org/presentationml/2006/main">
+  <p:cSld>
+    <p:spTree>
+      <p:nvGrpSpPr>
+        <p:cNvPr id="1" name=""/>
+        <p:cNvGrpSpPr/>
+        <p:nvPr/>
+      </p:nvGrpSpPr>
+      <p:grpSpPr>
+        <a:xfrm>
+          <a:off x="0" y="0"/>
+          <a:ext cx="0" cy="0"/>
+          <a:chOff x="0" y="0"/>
+          <a:chExt cx="0" cy="0"/>
+        </a:xfrm>
+      </p:grpSpPr>
+      <p:sp>
+        <p:nvSpPr>
+          <p:cNvPr id="2" name="Slide Image Placeholder 1"/>
+          <p:cNvSpPr>
+            <a:spLocks noGrp="1" noRot="1" noChangeAspect="1"/>
+          </p:cNvSpPr>
+          <p:nvPr>
+            <p:ph type="sldImg"/>
+          </p:nvPr>
+        </p:nvSpPr>
+        <p:spPr>
+          <a:xfrm>
+            <a:off x="381000" y="685800"/>
+            <a:ext cx="6096000" cy="3429000"/>
+          </a:xfrm>
+        </p:spPr>
+      </p:sp>
+      <p:sp>
+        <p:nvSpPr>
+          <p:cNvPr id="3" name="Notes Placeholder 2"/>
+          <p:cNvSpPr>
+            <a:spLocks noGrp="1"/>
+          </p:cNvSpPr>
+          <p:nvPr>
+            <p:ph type="body" idx="1"/>
+          </p:nvPr>
+        </p:nvSpPr>
+        <p:spPr/>
+        <p:txBody>
+          <a:bodyPr/>
+          <a:lstStyle/>
+          <a:p>
+            <a:r>
+              <a:rPr lang="en-US" sz="1200" b="0" i="0" u="sng" strike="noStrike" kern="1200" cap="none" spc="0" baseline="0" dirty="0">
+                <a:solidFill>
+                  <a:srgbClr val="000000"/>
+                </a:solidFill>
+                <a:effectLst/>
+                <a:uFillTx/>
+                <a:latin typeface="+mn-lt"/>
+                <a:hlinkClick r:id="rId3"/>
+              </a:rPr>
+              <a:t>Front Door</a:t>
+            </a:r>
+            <a:r>
+              <a:rPr lang="en-US" sz="1200" b="0" i="0" u="none" strike="noStrike" kern="1200" cap="none" spc="0" baseline="0" dirty="0">
+                <a:solidFill>
+                  <a:srgbClr val="000000"/>
+                </a:solidFill>
+                <a:effectLst/>
+                <a:uFillTx/>
+                <a:latin typeface="+mn-lt"/>
+              </a:rPr>
+              <a:t> is an application delivery network that provides global load balancing and site acceleration service for web applications. It offers Layer 7 capabilities for your application like SSL offload, path-based routing, fast failover, caching, etc. to improve performance and high-availability of your applications.</a:t>
+            </a:r>
+          </a:p>
+          <a:p>
+            <a:endParaRPr lang="en-US" sz="1200" b="0" i="0" u="none" strike="noStrike" kern="1200" cap="none" spc="0" baseline="0" dirty="0">
+              <a:solidFill>
+                <a:srgbClr val="000000"/>
+              </a:solidFill>
+              <a:effectLst/>
+              <a:uFillTx/>
+              <a:latin typeface="+mn-lt"/>
+            </a:endParaRPr>
+          </a:p>
+          <a:p>
+            <a:r>
+              <a:rPr lang="en-US" sz="1200" b="0" i="0" u="sng" strike="noStrike" kern="1200" cap="none" spc="0" baseline="0" dirty="0">
+                <a:solidFill>
+                  <a:srgbClr val="000000"/>
+                </a:solidFill>
+                <a:effectLst/>
+                <a:uFillTx/>
+                <a:latin typeface="+mn-lt"/>
+                <a:hlinkClick r:id="rId4"/>
+              </a:rPr>
+              <a:t>Traffic Manager</a:t>
+            </a:r>
+            <a:r>
+              <a:rPr lang="en-US" sz="1200" b="0" i="0" u="none" strike="noStrike" kern="1200" cap="none" spc="0" baseline="0" dirty="0">
+                <a:solidFill>
+                  <a:srgbClr val="000000"/>
+                </a:solidFill>
+                <a:effectLst/>
+                <a:uFillTx/>
+                <a:latin typeface="+mn-lt"/>
+              </a:rPr>
+              <a:t> is a DNS-based traffic load balancer that enables you to distribute traffic optimally to services across global Azure regions, while providing high availability and responsiveness. Because Traffic Manager is a DNS-based load-balancing service, it load balances only at the domain level. For that reason, it can't fail over as quickly as Front Door, because of common challenges around DNS caching and systems not honoring DNS TTLs.</a:t>
+            </a:r>
+          </a:p>
+          <a:p>
+            <a:endParaRPr lang="en-US" sz="1200" b="0" i="0" u="none" strike="noStrike" kern="1200" cap="none" spc="0" baseline="0" dirty="0">
+              <a:solidFill>
+                <a:srgbClr val="000000"/>
+              </a:solidFill>
+              <a:effectLst/>
+              <a:uFillTx/>
+              <a:latin typeface="+mn-lt"/>
+            </a:endParaRPr>
+          </a:p>
+          <a:p>
+            <a:r>
+              <a:rPr lang="en-US" sz="1200" b="0" i="0" u="sng" strike="noStrike" kern="1200" cap="none" spc="0" baseline="0" dirty="0">
+                <a:solidFill>
+                  <a:srgbClr val="000000"/>
+                </a:solidFill>
+                <a:effectLst/>
+                <a:uFillTx/>
+                <a:latin typeface="+mn-lt"/>
+                <a:hlinkClick r:id="rId5"/>
+              </a:rPr>
+              <a:t>Application Gateway</a:t>
+            </a:r>
+            <a:r>
+              <a:rPr lang="en-US" sz="1200" b="0" i="0" u="none" strike="noStrike" kern="1200" cap="none" spc="0" baseline="0" dirty="0">
+                <a:solidFill>
+                  <a:srgbClr val="000000"/>
+                </a:solidFill>
+                <a:effectLst/>
+                <a:uFillTx/>
+                <a:latin typeface="+mn-lt"/>
+              </a:rPr>
+              <a:t> provides application delivery controller (ADC) as a service, offering various Layer 7 load-balancing capabilities. Use it to optimize web farm productivity by offloading CPU-intensive SSL termination to the gateway.</a:t>
+            </a:r>
+          </a:p>
+          <a:p>
+            <a:endParaRPr lang="en-US" sz="1200" b="0" i="0" u="none" strike="noStrike" kern="1200" cap="none" spc="0" baseline="0" dirty="0">
+              <a:solidFill>
+                <a:srgbClr val="000000"/>
+              </a:solidFill>
+              <a:effectLst/>
+              <a:uFillTx/>
+              <a:latin typeface="+mn-lt"/>
+            </a:endParaRPr>
+          </a:p>
+          <a:p>
+            <a:r>
+              <a:rPr lang="en-US" sz="1200" b="0" i="0" u="sng" strike="noStrike" kern="1200" cap="none" spc="0" baseline="0" dirty="0">
+                <a:solidFill>
+                  <a:srgbClr val="000000"/>
+                </a:solidFill>
+                <a:effectLst/>
+                <a:uFillTx/>
+                <a:latin typeface="+mn-lt"/>
+                <a:hlinkClick r:id="rId6"/>
+              </a:rPr>
+              <a:t>Azure Load Balancer</a:t>
+            </a:r>
+            <a:r>
+              <a:rPr lang="en-US" sz="1200" b="0" i="0" u="none" strike="noStrike" kern="1200" cap="none" spc="0" baseline="0" dirty="0">
+                <a:solidFill>
+                  <a:srgbClr val="000000"/>
+                </a:solidFill>
+                <a:effectLst/>
+                <a:uFillTx/>
+                <a:latin typeface="+mn-lt"/>
+              </a:rPr>
+              <a:t> is a high-performance, low-latency Layer 4 load-balancing service (inbound and outbound) for all UDP and TCP protocols. It is built to handle millions of requests per second while ensuring your solution is highly available. Azure Load Balancer is zone-redundant, ensuring high availability across Availability Zones.</a:t>
+            </a:r>
+          </a:p>
+          <a:p>
+            <a:endParaRPr lang="nb-NO" dirty="0"/>
           </a:p>
           <a:p>
             <a:endParaRPr lang="en-US" sz="1200" b="0" i="0" kern="1200" dirty="0">
@@ -3112,7 +3165,7 @@
     </p:spTree>
     <p:extLst>
       <p:ext uri="{BB962C8B-B14F-4D97-AF65-F5344CB8AC3E}">
-        <p14:creationId xmlns:p14="http://schemas.microsoft.com/office/powerpoint/2010/main" val="298537641"/>
+        <p14:creationId xmlns:p14="http://schemas.microsoft.com/office/powerpoint/2010/main" val="954187999"/>
       </p:ext>
     </p:extLst>
   </p:cSld>
@@ -3334,236 +3387,6 @@
             <a:fld id="{732F9D6F-CB08-48FB-827A-1E8A35B02598}" type="slidenum">
               <a:rPr lang="nb-NO" smtClean="0"/>
               <a:t>25</a:t>
-            </a:fld>
-            <a:endParaRPr lang="nb-NO"/>
-          </a:p>
-        </p:txBody>
-      </p:sp>
-    </p:spTree>
-    <p:extLst>
-      <p:ext uri="{BB962C8B-B14F-4D97-AF65-F5344CB8AC3E}">
-        <p14:creationId xmlns:p14="http://schemas.microsoft.com/office/powerpoint/2010/main" val="954187999"/>
-      </p:ext>
-    </p:extLst>
-  </p:cSld>
-  <p:clrMapOvr>
-    <a:masterClrMapping/>
-  </p:clrMapOvr>
-</p:notes>
-</file>
-
-<file path=ppt/notesSlides/notesSlide22.xml><?xml version="1.0" encoding="utf-8"?>
-<p:notes xmlns:a="http://schemas.openxmlformats.org/drawingml/2006/main" xmlns:r="http://schemas.openxmlformats.org/officeDocument/2006/relationships" xmlns:p="http://schemas.openxmlformats.org/presentationml/2006/main">
-  <p:cSld>
-    <p:spTree>
-      <p:nvGrpSpPr>
-        <p:cNvPr id="1" name=""/>
-        <p:cNvGrpSpPr/>
-        <p:nvPr/>
-      </p:nvGrpSpPr>
-      <p:grpSpPr>
-        <a:xfrm>
-          <a:off x="0" y="0"/>
-          <a:ext cx="0" cy="0"/>
-          <a:chOff x="0" y="0"/>
-          <a:chExt cx="0" cy="0"/>
-        </a:xfrm>
-      </p:grpSpPr>
-      <p:sp>
-        <p:nvSpPr>
-          <p:cNvPr id="2" name="Slide Image Placeholder 1"/>
-          <p:cNvSpPr>
-            <a:spLocks noGrp="1" noRot="1" noChangeAspect="1"/>
-          </p:cNvSpPr>
-          <p:nvPr>
-            <p:ph type="sldImg"/>
-          </p:nvPr>
-        </p:nvSpPr>
-        <p:spPr>
-          <a:xfrm>
-            <a:off x="381000" y="685800"/>
-            <a:ext cx="6096000" cy="3429000"/>
-          </a:xfrm>
-        </p:spPr>
-      </p:sp>
-      <p:sp>
-        <p:nvSpPr>
-          <p:cNvPr id="3" name="Notes Placeholder 2"/>
-          <p:cNvSpPr>
-            <a:spLocks noGrp="1"/>
-          </p:cNvSpPr>
-          <p:nvPr>
-            <p:ph type="body" idx="1"/>
-          </p:nvPr>
-        </p:nvSpPr>
-        <p:spPr/>
-        <p:txBody>
-          <a:bodyPr/>
-          <a:lstStyle/>
-          <a:p>
-            <a:r>
-              <a:rPr lang="en-US" sz="1200" b="0" i="0" u="sng" strike="noStrike" kern="1200" cap="none" spc="0" baseline="0" dirty="0">
-                <a:solidFill>
-                  <a:srgbClr val="000000"/>
-                </a:solidFill>
-                <a:effectLst/>
-                <a:uFillTx/>
-                <a:latin typeface="+mn-lt"/>
-                <a:hlinkClick r:id="rId3"/>
-              </a:rPr>
-              <a:t>Front Door</a:t>
-            </a:r>
-            <a:r>
-              <a:rPr lang="en-US" sz="1200" b="0" i="0" u="none" strike="noStrike" kern="1200" cap="none" spc="0" baseline="0" dirty="0">
-                <a:solidFill>
-                  <a:srgbClr val="000000"/>
-                </a:solidFill>
-                <a:effectLst/>
-                <a:uFillTx/>
-                <a:latin typeface="+mn-lt"/>
-              </a:rPr>
-              <a:t> is an application delivery network that provides global load balancing and site acceleration service for web applications. It offers Layer 7 capabilities for your application like SSL offload, path-based routing, fast failover, caching, etc. to improve performance and high-availability of your applications.</a:t>
-            </a:r>
-          </a:p>
-          <a:p>
-            <a:endParaRPr lang="en-US" sz="1200" b="0" i="0" u="none" strike="noStrike" kern="1200" cap="none" spc="0" baseline="0" dirty="0">
-              <a:solidFill>
-                <a:srgbClr val="000000"/>
-              </a:solidFill>
-              <a:effectLst/>
-              <a:uFillTx/>
-              <a:latin typeface="+mn-lt"/>
-            </a:endParaRPr>
-          </a:p>
-          <a:p>
-            <a:r>
-              <a:rPr lang="en-US" sz="1200" b="0" i="0" u="sng" strike="noStrike" kern="1200" cap="none" spc="0" baseline="0" dirty="0">
-                <a:solidFill>
-                  <a:srgbClr val="000000"/>
-                </a:solidFill>
-                <a:effectLst/>
-                <a:uFillTx/>
-                <a:latin typeface="+mn-lt"/>
-                <a:hlinkClick r:id="rId4"/>
-              </a:rPr>
-              <a:t>Traffic Manager</a:t>
-            </a:r>
-            <a:r>
-              <a:rPr lang="en-US" sz="1200" b="0" i="0" u="none" strike="noStrike" kern="1200" cap="none" spc="0" baseline="0" dirty="0">
-                <a:solidFill>
-                  <a:srgbClr val="000000"/>
-                </a:solidFill>
-                <a:effectLst/>
-                <a:uFillTx/>
-                <a:latin typeface="+mn-lt"/>
-              </a:rPr>
-              <a:t> is a DNS-based traffic load balancer that enables you to distribute traffic optimally to services across global Azure regions, while providing high availability and responsiveness. Because Traffic Manager is a DNS-based load-balancing service, it load balances only at the domain level. For that reason, it can't fail over as quickly as Front Door, because of common challenges around DNS caching and systems not honoring DNS TTLs.</a:t>
-            </a:r>
-          </a:p>
-          <a:p>
-            <a:endParaRPr lang="en-US" sz="1200" b="0" i="0" u="none" strike="noStrike" kern="1200" cap="none" spc="0" baseline="0" dirty="0">
-              <a:solidFill>
-                <a:srgbClr val="000000"/>
-              </a:solidFill>
-              <a:effectLst/>
-              <a:uFillTx/>
-              <a:latin typeface="+mn-lt"/>
-            </a:endParaRPr>
-          </a:p>
-          <a:p>
-            <a:r>
-              <a:rPr lang="en-US" sz="1200" b="0" i="0" u="sng" strike="noStrike" kern="1200" cap="none" spc="0" baseline="0" dirty="0">
-                <a:solidFill>
-                  <a:srgbClr val="000000"/>
-                </a:solidFill>
-                <a:effectLst/>
-                <a:uFillTx/>
-                <a:latin typeface="+mn-lt"/>
-                <a:hlinkClick r:id="rId5"/>
-              </a:rPr>
-              <a:t>Application Gateway</a:t>
-            </a:r>
-            <a:r>
-              <a:rPr lang="en-US" sz="1200" b="0" i="0" u="none" strike="noStrike" kern="1200" cap="none" spc="0" baseline="0" dirty="0">
-                <a:solidFill>
-                  <a:srgbClr val="000000"/>
-                </a:solidFill>
-                <a:effectLst/>
-                <a:uFillTx/>
-                <a:latin typeface="+mn-lt"/>
-              </a:rPr>
-              <a:t> provides application delivery controller (ADC) as a service, offering various Layer 7 load-balancing capabilities. Use it to optimize web farm productivity by offloading CPU-intensive SSL termination to the gateway.</a:t>
-            </a:r>
-          </a:p>
-          <a:p>
-            <a:endParaRPr lang="en-US" sz="1200" b="0" i="0" u="none" strike="noStrike" kern="1200" cap="none" spc="0" baseline="0" dirty="0">
-              <a:solidFill>
-                <a:srgbClr val="000000"/>
-              </a:solidFill>
-              <a:effectLst/>
-              <a:uFillTx/>
-              <a:latin typeface="+mn-lt"/>
-            </a:endParaRPr>
-          </a:p>
-          <a:p>
-            <a:r>
-              <a:rPr lang="en-US" sz="1200" b="0" i="0" u="sng" strike="noStrike" kern="1200" cap="none" spc="0" baseline="0" dirty="0">
-                <a:solidFill>
-                  <a:srgbClr val="000000"/>
-                </a:solidFill>
-                <a:effectLst/>
-                <a:uFillTx/>
-                <a:latin typeface="+mn-lt"/>
-                <a:hlinkClick r:id="rId6"/>
-              </a:rPr>
-              <a:t>Azure Load Balancer</a:t>
-            </a:r>
-            <a:r>
-              <a:rPr lang="en-US" sz="1200" b="0" i="0" u="none" strike="noStrike" kern="1200" cap="none" spc="0" baseline="0" dirty="0">
-                <a:solidFill>
-                  <a:srgbClr val="000000"/>
-                </a:solidFill>
-                <a:effectLst/>
-                <a:uFillTx/>
-                <a:latin typeface="+mn-lt"/>
-              </a:rPr>
-              <a:t> is a high-performance, low-latency Layer 4 load-balancing service (inbound and outbound) for all UDP and TCP protocols. It is built to handle millions of requests per second while ensuring your solution is highly available. Azure Load Balancer is zone-redundant, ensuring high availability across Availability Zones.</a:t>
-            </a:r>
-          </a:p>
-          <a:p>
-            <a:endParaRPr lang="nb-NO" dirty="0"/>
-          </a:p>
-          <a:p>
-            <a:endParaRPr lang="en-US" sz="1200" b="0" i="0" kern="1200" dirty="0">
-              <a:solidFill>
-                <a:schemeClr val="tx1"/>
-              </a:solidFill>
-              <a:effectLst/>
-              <a:latin typeface="+mn-lt"/>
-              <a:ea typeface="+mn-ea"/>
-              <a:cs typeface="+mn-cs"/>
-            </a:endParaRPr>
-          </a:p>
-        </p:txBody>
-      </p:sp>
-      <p:sp>
-        <p:nvSpPr>
-          <p:cNvPr id="4" name="Slide Number Placeholder 3"/>
-          <p:cNvSpPr>
-            <a:spLocks noGrp="1"/>
-          </p:cNvSpPr>
-          <p:nvPr>
-            <p:ph type="sldNum" sz="quarter" idx="5"/>
-          </p:nvPr>
-        </p:nvSpPr>
-        <p:spPr/>
-        <p:txBody>
-          <a:bodyPr/>
-          <a:lstStyle/>
-          <a:p>
-            <a:fld id="{732F9D6F-CB08-48FB-827A-1E8A35B02598}" type="slidenum">
-              <a:rPr lang="nb-NO" smtClean="0"/>
-              <a:t>26</a:t>
             </a:fld>
             <a:endParaRPr lang="nb-NO"/>
           </a:p>
@@ -3905,11 +3728,11 @@
 </file>
 
 <file path=ppt/notesSlides/notesSlide6.xml><?xml version="1.0" encoding="utf-8"?>
-<p:notes xmlns:a="http://schemas.openxmlformats.org/drawingml/2006/main" xmlns:r="http://schemas.openxmlformats.org/officeDocument/2006/relationships" xmlns:p="http://schemas.openxmlformats.org/presentationml/2006/main" showMasterSp="0" showMasterPhAnim="0">
+<p:notes xmlns:a="http://schemas.openxmlformats.org/drawingml/2006/main" xmlns:r="http://schemas.openxmlformats.org/officeDocument/2006/relationships" xmlns:p="http://schemas.openxmlformats.org/presentationml/2006/main">
   <p:cSld>
     <p:spTree>
       <p:nvGrpSpPr>
-        <p:cNvPr id="1" name="Shape 50"/>
+        <p:cNvPr id="1" name=""/>
         <p:cNvGrpSpPr/>
         <p:nvPr/>
       </p:nvGrpSpPr>
@@ -3923,12 +3746,12 @@
       </p:grpSpPr>
       <p:sp>
         <p:nvSpPr>
-          <p:cNvPr id="51" name="Google Shape;51;p:notes"/>
+          <p:cNvPr id="2" name="Slide Image Placeholder 1"/>
           <p:cNvSpPr>
             <a:spLocks noGrp="1" noRot="1" noChangeAspect="1"/>
           </p:cNvSpPr>
           <p:nvPr>
-            <p:ph type="sldImg" idx="2"/>
+            <p:ph type="sldImg"/>
           </p:nvPr>
         </p:nvSpPr>
         <p:spPr>
@@ -3936,71 +3759,177 @@
             <a:off x="381000" y="685800"/>
             <a:ext cx="6096000" cy="3429000"/>
           </a:xfrm>
-          <a:custGeom>
-            <a:avLst/>
-            <a:gdLst/>
-            <a:ahLst/>
-            <a:cxnLst/>
-            <a:rect l="l" t="t" r="r" b="b"/>
-            <a:pathLst>
-              <a:path w="120000" h="120000" extrusionOk="0">
-                <a:moveTo>
-                  <a:pt x="0" y="0"/>
-                </a:moveTo>
-                <a:lnTo>
-                  <a:pt x="120000" y="0"/>
-                </a:lnTo>
-                <a:lnTo>
-                  <a:pt x="120000" y="120000"/>
-                </a:lnTo>
-                <a:lnTo>
-                  <a:pt x="0" y="120000"/>
-                </a:lnTo>
-                <a:close/>
-              </a:path>
-            </a:pathLst>
-          </a:custGeom>
         </p:spPr>
       </p:sp>
       <p:sp>
         <p:nvSpPr>
-          <p:cNvPr id="52" name="Google Shape;52;p:notes"/>
-          <p:cNvSpPr txBox="1">
+          <p:cNvPr id="3" name="Notes Placeholder 2"/>
+          <p:cNvSpPr>
             <a:spLocks noGrp="1"/>
           </p:cNvSpPr>
           <p:nvPr>
             <p:ph type="body" idx="1"/>
           </p:nvPr>
         </p:nvSpPr>
-        <p:spPr>
-          <a:xfrm>
-            <a:off x="685800" y="4343400"/>
-            <a:ext cx="5486400" cy="4114800"/>
-          </a:xfrm>
-          <a:prstGeom prst="rect">
-            <a:avLst/>
-          </a:prstGeom>
-        </p:spPr>
+        <p:spPr/>
         <p:txBody>
-          <a:bodyPr spcFirstLastPara="1" wrap="square" lIns="91425" tIns="91425" rIns="91425" bIns="91425" anchor="t" anchorCtr="0">
-            <a:noAutofit/>
-          </a:bodyPr>
+          <a:bodyPr/>
           <a:lstStyle/>
           <a:p>
-            <a:pPr marL="0" lvl="0" indent="0" algn="l" rtl="0">
-              <a:spcBef>
-                <a:spcPts val="0"/>
-              </a:spcBef>
-              <a:spcAft>
-                <a:spcPts val="0"/>
-              </a:spcAft>
-              <a:buNone/>
+            <a:r>
+              <a:rPr lang="nb-NO" dirty="0"/>
+              <a:t>9:00</a:t>
+            </a:r>
+          </a:p>
+          <a:p>
+            <a:endParaRPr lang="nb-NO" dirty="0"/>
+          </a:p>
+          <a:p>
+            <a:r>
+              <a:rPr lang="nb-NO" dirty="0"/>
+              <a:t>What is VCE? </a:t>
+            </a:r>
+          </a:p>
+          <a:p>
+            <a:r>
+              <a:rPr lang="nb-NO" dirty="0"/>
+              <a:t>VCE is a set of infrastructure components trieated as one unit.</a:t>
+            </a:r>
+          </a:p>
+          <a:p>
+            <a:r>
+              <a:rPr lang="nb-NO" dirty="0"/>
+              <a:t>It consists of private Vnet with predefined set of subnets and assosiated Network Security Groups. </a:t>
+            </a:r>
+          </a:p>
+          <a:p>
+            <a:r>
+              <a:rPr lang="nb-NO" dirty="0"/>
+              <a:t>It also contain a set of Vnet peerings with some other Vnets to integrate with other internal systems, for example, to send logs to the centralized log storage. </a:t>
+            </a:r>
+          </a:p>
+          <a:p>
+            <a:r>
+              <a:rPr lang="nb-NO" dirty="0"/>
+              <a:t>AKS, where as I already said, 90% of workload is runninng. AKS is deployed to private VNEt, and is not publically accessibly. </a:t>
+            </a:r>
+          </a:p>
+          <a:p>
+            <a:r>
+              <a:rPr lang="nb-NO" dirty="0"/>
+              <a:t>To expose APIs, Api Management is used. </a:t>
+            </a:r>
+          </a:p>
+          <a:p>
+            <a:r>
+              <a:rPr lang="en-US" sz="1200" b="0" i="0" kern="1200" dirty="0">
+                <a:solidFill>
+                  <a:schemeClr val="tx1"/>
+                </a:solidFill>
+                <a:effectLst/>
+                <a:latin typeface="+mn-lt"/>
+                <a:ea typeface="+mn-ea"/>
+                <a:cs typeface="+mn-cs"/>
+              </a:rPr>
+              <a:t>The API Management gateway is accessible only from within the virtual network. </a:t>
+            </a:r>
+            <a:endParaRPr lang="nb-NO" dirty="0"/>
+          </a:p>
+          <a:p>
+            <a:r>
+              <a:rPr lang="nb-NO" dirty="0"/>
+              <a:t>To securely expose </a:t>
+            </a:r>
+            <a:r>
+              <a:rPr lang="nb-NO" sz="1200" b="0" i="0" kern="1200" dirty="0">
+                <a:solidFill>
+                  <a:schemeClr val="tx1"/>
+                </a:solidFill>
+                <a:effectLst/>
+                <a:latin typeface="+mn-lt"/>
+                <a:ea typeface="+mn-ea"/>
+                <a:cs typeface="+mn-cs"/>
+              </a:rPr>
+              <a:t>Internet-facing public APIs we use Application Gateway</a:t>
+            </a:r>
+            <a:r>
+              <a:rPr lang="nb-NO" dirty="0"/>
+              <a:t>. APIM and AGW integration is well known pattern and it’s not in the scope of this session.</a:t>
+            </a:r>
+          </a:p>
+          <a:p>
+            <a:pPr marL="0" marR="0" lvl="0" indent="0" algn="l" defTabSz="914400" rtl="0" eaLnBrk="1" fontAlgn="auto" latinLnBrk="0" hangingPunct="1">
+              <a:lnSpc>
+                <a:spcPct val="100000"/>
+              </a:lnSpc>
+              <a:spcBef>
+                <a:spcPts val="0"/>
+              </a:spcBef>
+              <a:spcAft>
+                <a:spcPts val="0"/>
+              </a:spcAft>
+              <a:buClrTx/>
+              <a:buSzTx/>
+              <a:buFontTx/>
+              <a:buNone/>
+              <a:tabLst/>
+              <a:defRPr/>
             </a:pPr>
-            <a:endParaRPr/>
+            <a:r>
+              <a:rPr lang="nb-NO" dirty="0"/>
+              <a:t>And a lot of other components of course, Azure Moonitor (with App Insight and Log Analytics), key vaults for secrets, storage accounts, AKS manahed identities just to name a few.</a:t>
+            </a:r>
+          </a:p>
+          <a:p>
+            <a:endParaRPr lang="nb-NO" dirty="0"/>
+          </a:p>
+          <a:p>
+            <a:r>
+              <a:rPr lang="nb-NO" dirty="0"/>
+              <a:t>It’s very stripped view, but at the same time it gives us a sence of level of complexity we operate with.</a:t>
+            </a:r>
+          </a:p>
+          <a:p>
+            <a:r>
+              <a:rPr lang="en-US" dirty="0"/>
+              <a:t>Now let’s see with such a setup, what kind of operational tasks we may expect and what kind of challenges will it give us. </a:t>
+            </a:r>
+            <a:r>
+              <a:rPr lang="nb-NO" dirty="0"/>
+              <a:t> </a:t>
+            </a:r>
+          </a:p>
+        </p:txBody>
+      </p:sp>
+      <p:sp>
+        <p:nvSpPr>
+          <p:cNvPr id="4" name="Slide Number Placeholder 3"/>
+          <p:cNvSpPr>
+            <a:spLocks noGrp="1"/>
+          </p:cNvSpPr>
+          <p:nvPr>
+            <p:ph type="sldNum" sz="quarter" idx="5"/>
+          </p:nvPr>
+        </p:nvSpPr>
+        <p:spPr/>
+        <p:txBody>
+          <a:bodyPr/>
+          <a:lstStyle/>
+          <a:p>
+            <a:fld id="{732F9D6F-CB08-48FB-827A-1E8A35B02598}" type="slidenum">
+              <a:rPr lang="nb-NO" smtClean="0"/>
+              <a:t>6</a:t>
+            </a:fld>
+            <a:endParaRPr lang="nb-NO"/>
           </a:p>
         </p:txBody>
       </p:sp>
     </p:spTree>
+    <p:extLst>
+      <p:ext uri="{BB962C8B-B14F-4D97-AF65-F5344CB8AC3E}">
+        <p14:creationId xmlns:p14="http://schemas.microsoft.com/office/powerpoint/2010/main" val="1239558999"/>
+      </p:ext>
+    </p:extLst>
   </p:cSld>
   <p:clrMapOvr>
     <a:masterClrMapping/>
@@ -4057,88 +3986,6 @@
           <a:bodyPr/>
           <a:lstStyle/>
           <a:p>
-            <a:r>
-              <a:rPr lang="nb-NO" dirty="0"/>
-              <a:t>9:00</a:t>
-            </a:r>
-          </a:p>
-          <a:p>
-            <a:endParaRPr lang="nb-NO" dirty="0"/>
-          </a:p>
-          <a:p>
-            <a:r>
-              <a:rPr lang="nb-NO" dirty="0"/>
-              <a:t>What is VCE? </a:t>
-            </a:r>
-          </a:p>
-          <a:p>
-            <a:r>
-              <a:rPr lang="nb-NO" dirty="0"/>
-              <a:t>VCE is a set of infrastructure components trieated as one unit.</a:t>
-            </a:r>
-          </a:p>
-          <a:p>
-            <a:r>
-              <a:rPr lang="nb-NO" dirty="0"/>
-              <a:t>It consists of private Vnet with predefined set of subnets and assosiated Network Security Groups. </a:t>
-            </a:r>
-          </a:p>
-          <a:p>
-            <a:r>
-              <a:rPr lang="nb-NO" dirty="0"/>
-              <a:t>It also contain a set of Vnet peerings with some other Vnets to integrate with other internal systems, for example, to send logs to the centralized log storage. </a:t>
-            </a:r>
-          </a:p>
-          <a:p>
-            <a:r>
-              <a:rPr lang="nb-NO" dirty="0"/>
-              <a:t>AKS, where as I already said, 90% of workload is runninng. AKS is deployed to private VNEt, and is not publically accessibly. </a:t>
-            </a:r>
-          </a:p>
-          <a:p>
-            <a:r>
-              <a:rPr lang="nb-NO" dirty="0"/>
-              <a:t>To expose APIs, Api Management is used. </a:t>
-            </a:r>
-          </a:p>
-          <a:p>
-            <a:r>
-              <a:rPr lang="en-US" sz="1200" b="0" i="0" kern="1200" dirty="0">
-                <a:solidFill>
-                  <a:schemeClr val="tx1"/>
-                </a:solidFill>
-                <a:effectLst/>
-                <a:latin typeface="+mn-lt"/>
-                <a:ea typeface="+mn-ea"/>
-                <a:cs typeface="+mn-cs"/>
-              </a:rPr>
-              <a:t>The API Management gateway is accessible only from within the virtual network. </a:t>
-            </a:r>
-            <a:endParaRPr lang="nb-NO" dirty="0"/>
-          </a:p>
-          <a:p>
-            <a:r>
-              <a:rPr lang="nb-NO" dirty="0"/>
-              <a:t>To securely expose </a:t>
-            </a:r>
-            <a:r>
-              <a:rPr lang="nb-NO" sz="1200" b="0" i="0" kern="1200" dirty="0">
-                <a:solidFill>
-                  <a:schemeClr val="tx1"/>
-                </a:solidFill>
-                <a:effectLst/>
-                <a:latin typeface="+mn-lt"/>
-                <a:ea typeface="+mn-ea"/>
-                <a:cs typeface="+mn-cs"/>
-              </a:rPr>
-              <a:t>Internet-facing public APIs we use Application Gateway</a:t>
-            </a:r>
-            <a:r>
-              <a:rPr lang="nb-NO" dirty="0"/>
-              <a:t>. APIM and AGW integration is well known pattern and it’s not in the scope of this session.</a:t>
-            </a:r>
-          </a:p>
-          <a:p>
             <a:pPr marL="0" marR="0" lvl="0" indent="0" algn="l" defTabSz="914400" rtl="0" eaLnBrk="1" fontAlgn="auto" latinLnBrk="0" hangingPunct="1">
               <a:lnSpc>
                 <a:spcPct val="100000"/>
@@ -4158,27 +4005,249 @@
             </a:pPr>
             <a:r>
               <a:rPr lang="nb-NO" dirty="0"/>
-              <a:t>And a lot of other components of course, Azure Moonitor (with App Insight and Log Analytics), key vaults for secrets, storage accounts, AKS manahed identities just to name a few.</a:t>
-            </a:r>
-          </a:p>
-          <a:p>
+              <a:t>1:30</a:t>
+            </a:r>
+          </a:p>
+          <a:p>
+            <a:pPr marL="0" marR="0" lvl="0" indent="0" algn="l" defTabSz="914400" rtl="0" eaLnBrk="1" fontAlgn="auto" latinLnBrk="0" hangingPunct="1">
+              <a:lnSpc>
+                <a:spcPct val="100000"/>
+              </a:lnSpc>
+              <a:spcBef>
+                <a:spcPts val="0"/>
+              </a:spcBef>
+              <a:spcAft>
+                <a:spcPts val="0"/>
+              </a:spcAft>
+              <a:buClrTx/>
+              <a:buSzTx/>
+              <a:buFontTx/>
+              <a:buNone/>
+              <a:tabLst/>
+              <a:defRPr/>
+            </a:pPr>
+            <a:r>
+              <a:rPr lang="nb-NO" dirty="0"/>
+              <a:t>The VCE  journey started with DC/OS to AKS migration, when we provisioned AKS cluster, migrated all services, switched the traffic and the first version of VCE went life mid 2019. </a:t>
+            </a:r>
+          </a:p>
+          <a:p>
+            <a:pPr marL="0" marR="0" lvl="0" indent="0" algn="l" defTabSz="914400" rtl="0" eaLnBrk="1" fontAlgn="auto" latinLnBrk="0" hangingPunct="1">
+              <a:lnSpc>
+                <a:spcPct val="100000"/>
+              </a:lnSpc>
+              <a:spcBef>
+                <a:spcPts val="0"/>
+              </a:spcBef>
+              <a:spcAft>
+                <a:spcPts val="0"/>
+              </a:spcAft>
+              <a:buClrTx/>
+              <a:buSzTx/>
+              <a:buFontTx/>
+              <a:buNone/>
+              <a:tabLst/>
+              <a:defRPr/>
+            </a:pPr>
             <a:endParaRPr lang="nb-NO" dirty="0"/>
           </a:p>
           <a:p>
+            <a:pPr marL="0" marR="0" lvl="0" indent="0" algn="l" defTabSz="914400" rtl="0" eaLnBrk="1" fontAlgn="auto" latinLnBrk="0" hangingPunct="1">
+              <a:lnSpc>
+                <a:spcPct val="100000"/>
+              </a:lnSpc>
+              <a:spcBef>
+                <a:spcPts val="0"/>
+              </a:spcBef>
+              <a:spcAft>
+                <a:spcPts val="0"/>
+              </a:spcAft>
+              <a:buClrTx/>
+              <a:buSzTx/>
+              <a:buFontTx/>
+              <a:buNone/>
+              <a:tabLst/>
+              <a:defRPr/>
+            </a:pPr>
             <a:r>
               <a:rPr lang="nb-NO" dirty="0"/>
-              <a:t>It’s very stripped view, but at the same time it gives us a sence of level of complexity we operate with.</a:t>
-            </a:r>
-          </a:p>
-          <a:p>
-            <a:r>
-              <a:rPr lang="en-US" dirty="0"/>
-              <a:t>Now let’s see with such a setup, what kind of operational tasks we may expect and what kind of challenges will it give us. </a:t>
-            </a:r>
+              <a:t>One of the first thing you need to learn when working with AKS is the support model. AKS support model works the way that every time AKS product team releases a new major version, the support for some of the older versions is terminated. This way they help you keep your cluster up to date. That means that you should expect periodical AKS cluster upgrades to the newer version. </a:t>
+            </a:r>
+          </a:p>
+          <a:p>
+            <a:pPr marL="0" marR="0" lvl="0" indent="0" algn="l" defTabSz="914400" rtl="0" eaLnBrk="1" fontAlgn="auto" latinLnBrk="0" hangingPunct="1">
+              <a:lnSpc>
+                <a:spcPct val="100000"/>
+              </a:lnSpc>
+              <a:spcBef>
+                <a:spcPts val="0"/>
+              </a:spcBef>
+              <a:spcAft>
+                <a:spcPts val="0"/>
+              </a:spcAft>
+              <a:buClrTx/>
+              <a:buSzTx/>
+              <a:buFontTx/>
+              <a:buNone/>
+              <a:tabLst/>
+              <a:defRPr/>
+            </a:pPr>
+            <a:endParaRPr lang="nb-NO" dirty="0"/>
+          </a:p>
+          <a:p>
+            <a:pPr marL="0" marR="0" lvl="0" indent="0" algn="l" defTabSz="914400" rtl="0" eaLnBrk="1" fontAlgn="auto" latinLnBrk="0" hangingPunct="1">
+              <a:lnSpc>
+                <a:spcPct val="100000"/>
+              </a:lnSpc>
+              <a:spcBef>
+                <a:spcPts val="0"/>
+              </a:spcBef>
+              <a:spcAft>
+                <a:spcPts val="0"/>
+              </a:spcAft>
+              <a:buClrTx/>
+              <a:buSzTx/>
+              <a:buFontTx/>
+              <a:buNone/>
+              <a:tabLst/>
+              <a:defRPr/>
+            </a:pPr>
             <a:r>
               <a:rPr lang="nb-NO" dirty="0"/>
-              <a:t> </a:t>
-            </a:r>
+              <a:t>No excepion for us, and at some point we needed to upgrade our cluster to the next version.</a:t>
+            </a:r>
+          </a:p>
+          <a:p>
+            <a:pPr marL="0" marR="0" lvl="0" indent="0" algn="l" defTabSz="914400" rtl="0" eaLnBrk="1" fontAlgn="auto" latinLnBrk="0" hangingPunct="1">
+              <a:lnSpc>
+                <a:spcPct val="100000"/>
+              </a:lnSpc>
+              <a:spcBef>
+                <a:spcPts val="0"/>
+              </a:spcBef>
+              <a:spcAft>
+                <a:spcPts val="0"/>
+              </a:spcAft>
+              <a:buClrTx/>
+              <a:buSzTx/>
+              <a:buFontTx/>
+              <a:buNone/>
+              <a:tabLst/>
+              <a:defRPr/>
+            </a:pPr>
+            <a:r>
+              <a:rPr lang="nb-NO" dirty="0"/>
+              <a:t>Imagine that we are running AKS version 1.15.10 and we want to upgrade our cluster to version 1.16.7</a:t>
+            </a:r>
+          </a:p>
+          <a:p>
+            <a:pPr marL="0" marR="0" lvl="0" indent="0" algn="l" defTabSz="914400" rtl="0" eaLnBrk="1" fontAlgn="auto" latinLnBrk="0" hangingPunct="1">
+              <a:lnSpc>
+                <a:spcPct val="100000"/>
+              </a:lnSpc>
+              <a:spcBef>
+                <a:spcPts val="0"/>
+              </a:spcBef>
+              <a:spcAft>
+                <a:spcPts val="0"/>
+              </a:spcAft>
+              <a:buClrTx/>
+              <a:buSzTx/>
+              <a:buFontTx/>
+              <a:buNone/>
+              <a:tabLst/>
+              <a:defRPr/>
+            </a:pPr>
+            <a:endParaRPr lang="nb-NO" dirty="0"/>
+          </a:p>
+          <a:p>
+            <a:pPr marL="0" marR="0" lvl="0" indent="0" algn="l" defTabSz="914400" rtl="0" eaLnBrk="1" fontAlgn="auto" latinLnBrk="0" hangingPunct="1">
+              <a:lnSpc>
+                <a:spcPct val="100000"/>
+              </a:lnSpc>
+              <a:spcBef>
+                <a:spcPts val="0"/>
+              </a:spcBef>
+              <a:spcAft>
+                <a:spcPts val="0"/>
+              </a:spcAft>
+              <a:buClrTx/>
+              <a:buSzTx/>
+              <a:buFontTx/>
+              <a:buNone/>
+              <a:tabLst/>
+              <a:defRPr/>
+            </a:pPr>
+            <a:r>
+              <a:rPr lang="nb-NO" dirty="0"/>
+              <a:t>You can do it from the postal, run an az cli command or deploy ARM template  and  boom! 3 hours later your cluster is upgraded.</a:t>
+            </a:r>
+          </a:p>
+          <a:p>
+            <a:pPr marL="0" marR="0" lvl="0" indent="0" algn="l" defTabSz="914400" rtl="0" eaLnBrk="1" fontAlgn="auto" latinLnBrk="0" hangingPunct="1">
+              <a:lnSpc>
+                <a:spcPct val="100000"/>
+              </a:lnSpc>
+              <a:spcBef>
+                <a:spcPts val="0"/>
+              </a:spcBef>
+              <a:spcAft>
+                <a:spcPts val="0"/>
+              </a:spcAft>
+              <a:buClrTx/>
+              <a:buSzTx/>
+              <a:buFontTx/>
+              <a:buNone/>
+              <a:tabLst/>
+              <a:defRPr/>
+            </a:pPr>
+            <a:endParaRPr lang="nb-NO" dirty="0"/>
+          </a:p>
+          <a:p>
+            <a:pPr marL="0" marR="0" lvl="0" indent="0" algn="l" defTabSz="914400" rtl="0" eaLnBrk="1" fontAlgn="auto" latinLnBrk="0" hangingPunct="1">
+              <a:lnSpc>
+                <a:spcPct val="100000"/>
+              </a:lnSpc>
+              <a:spcBef>
+                <a:spcPts val="0"/>
+              </a:spcBef>
+              <a:spcAft>
+                <a:spcPts val="0"/>
+              </a:spcAft>
+              <a:buClrTx/>
+              <a:buSzTx/>
+              <a:buFontTx/>
+              <a:buNone/>
+              <a:tabLst/>
+              <a:defRPr/>
+            </a:pPr>
+            <a:r>
+              <a:rPr lang="nb-NO" dirty="0"/>
+              <a:t>Note, our cluster is still called aks-dev, irt’s still deployed to the same vnet and deployed to the same resource group with active production traffic </a:t>
+            </a:r>
+          </a:p>
+          <a:p>
+            <a:pPr marL="0" marR="0" lvl="0" indent="0" algn="l" defTabSz="914400" rtl="0" eaLnBrk="1" fontAlgn="auto" latinLnBrk="0" hangingPunct="1">
+              <a:lnSpc>
+                <a:spcPct val="100000"/>
+              </a:lnSpc>
+              <a:spcBef>
+                <a:spcPts val="0"/>
+              </a:spcBef>
+              <a:spcAft>
+                <a:spcPts val="0"/>
+              </a:spcAft>
+              <a:buClrTx/>
+              <a:buSzTx/>
+              <a:buFontTx/>
+              <a:buNone/>
+              <a:tabLst/>
+              <a:defRPr/>
+            </a:pPr>
+            <a:endParaRPr lang="nb-NO" dirty="0"/>
+          </a:p>
+          <a:p>
+            <a:endParaRPr lang="nb-NO" dirty="0"/>
           </a:p>
         </p:txBody>
       </p:sp>
@@ -4208,7 +4277,7 @@
     </p:spTree>
     <p:extLst>
       <p:ext uri="{BB962C8B-B14F-4D97-AF65-F5344CB8AC3E}">
-        <p14:creationId xmlns:p14="http://schemas.microsoft.com/office/powerpoint/2010/main" val="1239558999"/>
+        <p14:creationId xmlns:p14="http://schemas.microsoft.com/office/powerpoint/2010/main" val="4019011574"/>
       </p:ext>
     </p:extLst>
   </p:cSld>
@@ -4267,268 +4336,96 @@
           <a:bodyPr/>
           <a:lstStyle/>
           <a:p>
-            <a:pPr marL="0" marR="0" lvl="0" indent="0" algn="l" defTabSz="914400" rtl="0" eaLnBrk="1" fontAlgn="auto" latinLnBrk="0" hangingPunct="1">
-              <a:lnSpc>
-                <a:spcPct val="100000"/>
-              </a:lnSpc>
-              <a:spcBef>
-                <a:spcPts val="0"/>
-              </a:spcBef>
-              <a:spcAft>
-                <a:spcPts val="0"/>
-              </a:spcAft>
-              <a:buClrTx/>
-              <a:buSzTx/>
-              <a:buFontTx/>
-              <a:buNone/>
-              <a:tabLst/>
-              <a:defRPr/>
-            </a:pPr>
             <a:r>
               <a:rPr lang="nb-NO" dirty="0"/>
               <a:t>1:30</a:t>
             </a:r>
           </a:p>
           <a:p>
-            <a:pPr marL="0" marR="0" lvl="0" indent="0" algn="l" defTabSz="914400" rtl="0" eaLnBrk="1" fontAlgn="auto" latinLnBrk="0" hangingPunct="1">
-              <a:lnSpc>
-                <a:spcPct val="100000"/>
-              </a:lnSpc>
-              <a:spcBef>
-                <a:spcPts val="0"/>
-              </a:spcBef>
-              <a:spcAft>
-                <a:spcPts val="0"/>
-              </a:spcAft>
-              <a:buClrTx/>
-              <a:buSzTx/>
-              <a:buFontTx/>
-              <a:buNone/>
-              <a:tabLst/>
-              <a:defRPr/>
+            <a:endParaRPr lang="nb-NO" dirty="0"/>
+          </a:p>
+          <a:p>
+            <a:r>
+              <a:rPr lang="nb-NO" dirty="0"/>
+              <a:t>At some point we released that we did several wrong choices when we desiged our AKS cluster: </a:t>
+            </a:r>
+          </a:p>
+          <a:p>
+            <a:pPr marL="171450" indent="-171450">
+              <a:buFont typeface="Arial" panose="020B0604020202020204" pitchFamily="34" charset="0"/>
+              <a:buChar char="•"/>
             </a:pPr>
             <a:r>
               <a:rPr lang="nb-NO" dirty="0"/>
-              <a:t>The VCE  journey started with DC/OS to AKS migration, when we provisioned AKS cluster, migrated all services, switched the traffic and the first version of VCE went life mid 2019. </a:t>
-            </a:r>
-          </a:p>
-          <a:p>
-            <a:pPr marL="0" marR="0" lvl="0" indent="0" algn="l" defTabSz="914400" rtl="0" eaLnBrk="1" fontAlgn="auto" latinLnBrk="0" hangingPunct="1">
-              <a:lnSpc>
-                <a:spcPct val="100000"/>
-              </a:lnSpc>
-              <a:spcBef>
-                <a:spcPts val="0"/>
-              </a:spcBef>
-              <a:spcAft>
-                <a:spcPts val="0"/>
-              </a:spcAft>
-              <a:buClrTx/>
-              <a:buSzTx/>
-              <a:buFontTx/>
-              <a:buNone/>
-              <a:tabLst/>
-              <a:defRPr/>
+              <a:t>We selected basic networking model (we shoild of course use advanced)</a:t>
+            </a:r>
+          </a:p>
+          <a:p>
+            <a:pPr marL="171450" indent="-171450">
+              <a:buFont typeface="Arial" panose="020B0604020202020204" pitchFamily="34" charset="0"/>
+              <a:buChar char="•"/>
+            </a:pPr>
+            <a:r>
+              <a:rPr lang="nb-NO" dirty="0"/>
+              <a:t>We overprovisioned VM pool size</a:t>
+            </a:r>
+          </a:p>
+          <a:p>
+            <a:pPr marL="171450" indent="-171450">
+              <a:buFont typeface="Arial" panose="020B0604020202020204" pitchFamily="34" charset="0"/>
+              <a:buChar char="•"/>
+            </a:pPr>
+            <a:r>
+              <a:rPr lang="nb-NO" dirty="0"/>
+              <a:t>We used default OS disk size and that ccouses several networking issues</a:t>
+            </a:r>
+          </a:p>
+          <a:p>
+            <a:pPr marL="0" indent="0">
+              <a:buFont typeface="Arial" panose="020B0604020202020204" pitchFamily="34" charset="0"/>
+              <a:buNone/>
+            </a:pPr>
+            <a:r>
+              <a:rPr lang="nb-NO" dirty="0"/>
+              <a:t>All 3 changes require cluster re-provisioning, because at that time AKS did support multiple VM pools</a:t>
+            </a:r>
+          </a:p>
+          <a:p>
+            <a:pPr marL="0" indent="0">
+              <a:buFont typeface="Arial" panose="020B0604020202020204" pitchFamily="34" charset="0"/>
+              <a:buNone/>
+            </a:pPr>
+            <a:r>
+              <a:rPr lang="nb-NO" dirty="0"/>
+              <a:t>Several month later we realised that we need to reprovision new cluster. </a:t>
+            </a:r>
+          </a:p>
+          <a:p>
+            <a:pPr marL="0" indent="0">
+              <a:buFont typeface="Arial" panose="020B0604020202020204" pitchFamily="34" charset="0"/>
+              <a:buNone/>
+            </a:pPr>
+            <a:r>
+              <a:rPr lang="nb-NO" dirty="0"/>
+              <a:t>In order to do it, we need new subnet, we need to provisoon and configure new cluster, we need to deploy all services to the new cluster, do some initial testing and finally switch the traffic.</a:t>
+            </a:r>
+          </a:p>
+          <a:p>
+            <a:pPr marL="0" indent="0">
+              <a:buFont typeface="Arial" panose="020B0604020202020204" pitchFamily="34" charset="0"/>
+              <a:buNone/>
             </a:pPr>
             <a:endParaRPr lang="nb-NO" dirty="0"/>
           </a:p>
           <a:p>
-            <a:pPr marL="0" marR="0" lvl="0" indent="0" algn="l" defTabSz="914400" rtl="0" eaLnBrk="1" fontAlgn="auto" latinLnBrk="0" hangingPunct="1">
-              <a:lnSpc>
-                <a:spcPct val="100000"/>
-              </a:lnSpc>
-              <a:spcBef>
-                <a:spcPts val="0"/>
-              </a:spcBef>
-              <a:spcAft>
-                <a:spcPts val="0"/>
-              </a:spcAft>
-              <a:buClrTx/>
-              <a:buSzTx/>
-              <a:buFontTx/>
-              <a:buNone/>
-              <a:tabLst/>
-              <a:defRPr/>
+            <a:pPr marL="0" indent="0">
+              <a:buFont typeface="Arial" panose="020B0604020202020204" pitchFamily="34" charset="0"/>
+              <a:buNone/>
             </a:pPr>
             <a:r>
               <a:rPr lang="nb-NO" dirty="0"/>
-              <a:t>One of the first thing you need to learn when working with AKS is the support model. AKS support model works the way that every time AKS product team releases a new major version, the support for some of the older versions is terminated. This way they help you keep your cluster up to date. That means that you should expect periodical AKS cluster upgrades to the newer version. </a:t>
-            </a:r>
-          </a:p>
-          <a:p>
-            <a:pPr marL="0" marR="0" lvl="0" indent="0" algn="l" defTabSz="914400" rtl="0" eaLnBrk="1" fontAlgn="auto" latinLnBrk="0" hangingPunct="1">
-              <a:lnSpc>
-                <a:spcPct val="100000"/>
-              </a:lnSpc>
-              <a:spcBef>
-                <a:spcPts val="0"/>
-              </a:spcBef>
-              <a:spcAft>
-                <a:spcPts val="0"/>
-              </a:spcAft>
-              <a:buClrTx/>
-              <a:buSzTx/>
-              <a:buFontTx/>
-              <a:buNone/>
-              <a:tabLst/>
-              <a:defRPr/>
-            </a:pPr>
-            <a:endParaRPr lang="nb-NO" dirty="0"/>
-          </a:p>
-          <a:p>
-            <a:pPr marL="0" marR="0" lvl="0" indent="0" algn="l" defTabSz="914400" rtl="0" eaLnBrk="1" fontAlgn="auto" latinLnBrk="0" hangingPunct="1">
-              <a:lnSpc>
-                <a:spcPct val="100000"/>
-              </a:lnSpc>
-              <a:spcBef>
-                <a:spcPts val="0"/>
-              </a:spcBef>
-              <a:spcAft>
-                <a:spcPts val="0"/>
-              </a:spcAft>
-              <a:buClrTx/>
-              <a:buSzTx/>
-              <a:buFontTx/>
-              <a:buNone/>
-              <a:tabLst/>
-              <a:defRPr/>
-            </a:pPr>
-            <a:r>
-              <a:rPr lang="nb-NO" dirty="0"/>
-              <a:t>No excepion for us, and at some point we needed to upgrade our cluster to the next version.</a:t>
-            </a:r>
-          </a:p>
-          <a:p>
-            <a:pPr marL="0" marR="0" lvl="0" indent="0" algn="l" defTabSz="914400" rtl="0" eaLnBrk="1" fontAlgn="auto" latinLnBrk="0" hangingPunct="1">
-              <a:lnSpc>
-                <a:spcPct val="100000"/>
-              </a:lnSpc>
-              <a:spcBef>
-                <a:spcPts val="0"/>
-              </a:spcBef>
-              <a:spcAft>
-                <a:spcPts val="0"/>
-              </a:spcAft>
-              <a:buClrTx/>
-              <a:buSzTx/>
-              <a:buFontTx/>
-              <a:buNone/>
-              <a:tabLst/>
-              <a:defRPr/>
-            </a:pPr>
-            <a:r>
-              <a:rPr lang="nb-NO" dirty="0"/>
-              <a:t>Imagine that we are running AKS version 1.15.10 and we want to upgrade our cluster to version 1.16.7</a:t>
-            </a:r>
-          </a:p>
-          <a:p>
-            <a:pPr marL="0" marR="0" lvl="0" indent="0" algn="l" defTabSz="914400" rtl="0" eaLnBrk="1" fontAlgn="auto" latinLnBrk="0" hangingPunct="1">
-              <a:lnSpc>
-                <a:spcPct val="100000"/>
-              </a:lnSpc>
-              <a:spcBef>
-                <a:spcPts val="0"/>
-              </a:spcBef>
-              <a:spcAft>
-                <a:spcPts val="0"/>
-              </a:spcAft>
-              <a:buClrTx/>
-              <a:buSzTx/>
-              <a:buFontTx/>
-              <a:buNone/>
-              <a:tabLst/>
-              <a:defRPr/>
-            </a:pPr>
-            <a:endParaRPr lang="nb-NO" dirty="0"/>
-          </a:p>
-          <a:p>
-            <a:pPr marL="0" marR="0" lvl="0" indent="0" algn="l" defTabSz="914400" rtl="0" eaLnBrk="1" fontAlgn="auto" latinLnBrk="0" hangingPunct="1">
-              <a:lnSpc>
-                <a:spcPct val="100000"/>
-              </a:lnSpc>
-              <a:spcBef>
-                <a:spcPts val="0"/>
-              </a:spcBef>
-              <a:spcAft>
-                <a:spcPts val="0"/>
-              </a:spcAft>
-              <a:buClrTx/>
-              <a:buSzTx/>
-              <a:buFontTx/>
-              <a:buNone/>
-              <a:tabLst/>
-              <a:defRPr/>
-            </a:pPr>
-            <a:r>
-              <a:rPr lang="nb-NO" dirty="0"/>
-              <a:t>You can do it from the postal, run an az cli command or deploy ARM template  and  boom! 3 hours later your cluster is upgraded.</a:t>
-            </a:r>
-          </a:p>
-          <a:p>
-            <a:pPr marL="0" marR="0" lvl="0" indent="0" algn="l" defTabSz="914400" rtl="0" eaLnBrk="1" fontAlgn="auto" latinLnBrk="0" hangingPunct="1">
-              <a:lnSpc>
-                <a:spcPct val="100000"/>
-              </a:lnSpc>
-              <a:spcBef>
-                <a:spcPts val="0"/>
-              </a:spcBef>
-              <a:spcAft>
-                <a:spcPts val="0"/>
-              </a:spcAft>
-              <a:buClrTx/>
-              <a:buSzTx/>
-              <a:buFontTx/>
-              <a:buNone/>
-              <a:tabLst/>
-              <a:defRPr/>
-            </a:pPr>
-            <a:endParaRPr lang="nb-NO" dirty="0"/>
-          </a:p>
-          <a:p>
-            <a:pPr marL="0" marR="0" lvl="0" indent="0" algn="l" defTabSz="914400" rtl="0" eaLnBrk="1" fontAlgn="auto" latinLnBrk="0" hangingPunct="1">
-              <a:lnSpc>
-                <a:spcPct val="100000"/>
-              </a:lnSpc>
-              <a:spcBef>
-                <a:spcPts val="0"/>
-              </a:spcBef>
-              <a:spcAft>
-                <a:spcPts val="0"/>
-              </a:spcAft>
-              <a:buClrTx/>
-              <a:buSzTx/>
-              <a:buFontTx/>
-              <a:buNone/>
-              <a:tabLst/>
-              <a:defRPr/>
-            </a:pPr>
-            <a:r>
-              <a:rPr lang="nb-NO" dirty="0"/>
-              <a:t>Note, our cluster is still called aks-dev, irt’s still deployed to the same vnet and deployed to the same resource group with active production traffic </a:t>
-            </a:r>
-          </a:p>
-          <a:p>
-            <a:pPr marL="0" marR="0" lvl="0" indent="0" algn="l" defTabSz="914400" rtl="0" eaLnBrk="1" fontAlgn="auto" latinLnBrk="0" hangingPunct="1">
-              <a:lnSpc>
-                <a:spcPct val="100000"/>
-              </a:lnSpc>
-              <a:spcBef>
-                <a:spcPts val="0"/>
-              </a:spcBef>
-              <a:spcAft>
-                <a:spcPts val="0"/>
-              </a:spcAft>
-              <a:buClrTx/>
-              <a:buSzTx/>
-              <a:buFontTx/>
-              <a:buNone/>
-              <a:tabLst/>
-              <a:defRPr/>
-            </a:pPr>
-            <a:endParaRPr lang="nb-NO" dirty="0"/>
-          </a:p>
-          <a:p>
-            <a:endParaRPr lang="nb-NO" dirty="0"/>
+              <a:t>Note. Even though, this time we provisioned new cluster, it’s still deployed to the same vnet under the same resource group with active traffic </a:t>
+            </a:r>
           </a:p>
         </p:txBody>
       </p:sp>
@@ -4558,7 +4455,7 @@
     </p:spTree>
     <p:extLst>
       <p:ext uri="{BB962C8B-B14F-4D97-AF65-F5344CB8AC3E}">
-        <p14:creationId xmlns:p14="http://schemas.microsoft.com/office/powerpoint/2010/main" val="4019011574"/>
+        <p14:creationId xmlns:p14="http://schemas.microsoft.com/office/powerpoint/2010/main" val="3609660299"/>
       </p:ext>
     </p:extLst>
   </p:cSld>
@@ -4628,84 +4525,82 @@
           <a:p>
             <a:r>
               <a:rPr lang="nb-NO" dirty="0"/>
-              <a:t>At some point we released that we did several wrong choices when we desiged our AKS cluster: </a:t>
-            </a:r>
-          </a:p>
-          <a:p>
-            <a:pPr marL="171450" indent="-171450">
-              <a:buFont typeface="Arial" panose="020B0604020202020204" pitchFamily="34" charset="0"/>
-              <a:buChar char="•"/>
+              <a:t>Sortly after VCE v1 went life, Application Gateway v2 was at GA. </a:t>
+            </a:r>
+          </a:p>
+          <a:p>
+            <a:r>
+              <a:rPr lang="nb-NO" dirty="0"/>
+              <a:t>First of all, they improved performance (updates take 6 min vs 20 min in v1), </a:t>
+            </a:r>
+          </a:p>
+          <a:p>
+            <a:pPr marL="0" marR="0" lvl="0" indent="0" algn="l" defTabSz="914400" rtl="0" eaLnBrk="1" fontAlgn="auto" latinLnBrk="0" hangingPunct="1">
+              <a:lnSpc>
+                <a:spcPct val="100000"/>
+              </a:lnSpc>
+              <a:spcBef>
+                <a:spcPts val="0"/>
+              </a:spcBef>
+              <a:spcAft>
+                <a:spcPts val="0"/>
+              </a:spcAft>
+              <a:buClrTx/>
+              <a:buSzTx/>
+              <a:buFontTx/>
+              <a:buNone/>
+              <a:tabLst/>
+              <a:defRPr/>
             </a:pPr>
             <a:r>
               <a:rPr lang="nb-NO" dirty="0"/>
-              <a:t>We selected basic networking model (we shoild of course use advanced)</a:t>
-            </a:r>
-          </a:p>
-          <a:p>
-            <a:pPr marL="171450" indent="-171450">
-              <a:buFont typeface="Arial" panose="020B0604020202020204" pitchFamily="34" charset="0"/>
-              <a:buChar char="•"/>
-            </a:pPr>
+              <a:t>and AGW v2 contains quite a few very practical features: like </a:t>
+            </a:r>
+            <a:r>
+              <a:rPr lang="nb-NO" sz="1200" b="0" i="0" kern="1200" dirty="0">
+                <a:solidFill>
+                  <a:schemeClr val="tx1"/>
+                </a:solidFill>
+                <a:effectLst/>
+                <a:latin typeface="+mn-lt"/>
+                <a:ea typeface="+mn-ea"/>
+                <a:cs typeface="+mn-cs"/>
+              </a:rPr>
+              <a:t>autoscaling, header rewrite, zone redundancy, and ability to read SSL certificate for httplisteners from the key-vault.</a:t>
+            </a:r>
+            <a:endParaRPr lang="nb-NO" dirty="0"/>
+          </a:p>
+          <a:p>
+            <a:endParaRPr lang="nb-NO" dirty="0"/>
+          </a:p>
+          <a:p>
             <a:r>
               <a:rPr lang="nb-NO" dirty="0"/>
-              <a:t>We overprovisioned VM pool size</a:t>
-            </a:r>
-          </a:p>
-          <a:p>
-            <a:pPr marL="171450" indent="-171450">
-              <a:buFont typeface="Arial" panose="020B0604020202020204" pitchFamily="34" charset="0"/>
-              <a:buChar char="•"/>
-            </a:pPr>
+              <a:t>So, we diecided that we want to upgrade AGW to v2. </a:t>
+            </a:r>
+          </a:p>
+          <a:p>
             <a:r>
               <a:rPr lang="nb-NO" dirty="0"/>
-              <a:t>We used default OS disk size and that ccouses several networking issues</a:t>
-            </a:r>
-          </a:p>
-          <a:p>
-            <a:pPr marL="0" indent="0">
-              <a:buFont typeface="Arial" panose="020B0604020202020204" pitchFamily="34" charset="0"/>
-              <a:buNone/>
-            </a:pPr>
+              <a:t>AGW v1 and v2 can’t be deployed to the same subnet, so we need to add new subnet.</a:t>
+            </a:r>
+          </a:p>
+          <a:p>
             <a:r>
               <a:rPr lang="nb-NO" dirty="0"/>
-              <a:t>All 3 changes require cluster re-provisioning, because at that time AKS did support multiple VM pools</a:t>
-            </a:r>
-          </a:p>
-          <a:p>
-            <a:pPr marL="0" indent="0">
-              <a:buFont typeface="Arial" panose="020B0604020202020204" pitchFamily="34" charset="0"/>
-              <a:buNone/>
-            </a:pPr>
+              <a:t>We provision new instance of AGW v2</a:t>
+            </a:r>
+          </a:p>
+          <a:p>
             <a:r>
               <a:rPr lang="nb-NO" dirty="0"/>
-              <a:t>Several month later we realised that we need to reprovision new cluster. </a:t>
-            </a:r>
-          </a:p>
-          <a:p>
-            <a:pPr marL="0" indent="0">
-              <a:buFont typeface="Arial" panose="020B0604020202020204" pitchFamily="34" charset="0"/>
-              <a:buNone/>
-            </a:pPr>
+              <a:t>And we redirect traffic to the new instance of AGW</a:t>
+            </a:r>
+          </a:p>
+          <a:p>
             <a:r>
               <a:rPr lang="nb-NO" dirty="0"/>
-              <a:t>In order to do it, we need new subnet, we need to provisoon and configure new cluster, we need to deploy all services to the new cluster, do some initial testing and finally switch the traffic.</a:t>
-            </a:r>
-          </a:p>
-          <a:p>
-            <a:pPr marL="0" indent="0">
-              <a:buFont typeface="Arial" panose="020B0604020202020204" pitchFamily="34" charset="0"/>
-              <a:buNone/>
-            </a:pPr>
-            <a:endParaRPr lang="nb-NO" dirty="0"/>
-          </a:p>
-          <a:p>
-            <a:pPr marL="0" indent="0">
-              <a:buFont typeface="Arial" panose="020B0604020202020204" pitchFamily="34" charset="0"/>
-              <a:buNone/>
-            </a:pPr>
-            <a:r>
-              <a:rPr lang="nb-NO" dirty="0"/>
-              <a:t>Note. Even though, this time we provisioned new cluster, it’s still deployed to the same vnet under the same resource group with active traffic </a:t>
+              <a:t>Note, this time we added new component to the existing changes are done at the same usergroup, same vnet with active production traffic </a:t>
             </a:r>
           </a:p>
         </p:txBody>
@@ -4736,7 +4631,7 @@
     </p:spTree>
     <p:extLst>
       <p:ext uri="{BB962C8B-B14F-4D97-AF65-F5344CB8AC3E}">
-        <p14:creationId xmlns:p14="http://schemas.microsoft.com/office/powerpoint/2010/main" val="3609660299"/>
+        <p14:creationId xmlns:p14="http://schemas.microsoft.com/office/powerpoint/2010/main" val="1082395075"/>
       </p:ext>
     </p:extLst>
   </p:cSld>
@@ -9741,7 +9636,19 @@
             <a:pPr lvl="0"/>
             <a:r>
               <a:rPr lang="nb-NO" dirty="0"/>
-              <a:t>Implement immutable infrastructure on Azure with ARM templates</a:t>
+              <a:t>Implement immutable infrastructure on Azure </a:t>
+            </a:r>
+            <a:r>
+              <a:rPr lang="nb-NO" dirty="0" err="1"/>
+              <a:t>with</a:t>
+            </a:r>
+            <a:r>
+              <a:rPr lang="nb-NO" dirty="0"/>
+              <a:t> </a:t>
+            </a:r>
+            <a:r>
+              <a:rPr lang="nb-NO" dirty="0" err="1"/>
+              <a:t>Pulumi</a:t>
             </a:r>
             <a:endParaRPr dirty="0"/>
           </a:p>
@@ -9811,7 +9718,7 @@
             </a:pPr>
             <a:r>
               <a:rPr lang="en" dirty="0"/>
-              <a:t>26.05.2020</a:t>
+              <a:t>27.10.2020</a:t>
             </a:r>
             <a:endParaRPr dirty="0"/>
           </a:p>
@@ -9870,1579 +9777,6 @@
 </file>
 
 <file path=ppt/slides/slide10.xml><?xml version="1.0" encoding="utf-8"?>
-<p:sld xmlns:a="http://schemas.openxmlformats.org/drawingml/2006/main" xmlns:r="http://schemas.openxmlformats.org/officeDocument/2006/relationships" xmlns:p="http://schemas.openxmlformats.org/presentationml/2006/main">
-  <p:cSld>
-    <p:spTree>
-      <p:nvGrpSpPr>
-        <p:cNvPr id="1" name=""/>
-        <p:cNvGrpSpPr/>
-        <p:nvPr/>
-      </p:nvGrpSpPr>
-      <p:grpSpPr>
-        <a:xfrm>
-          <a:off x="0" y="0"/>
-          <a:ext cx="0" cy="0"/>
-          <a:chOff x="0" y="0"/>
-          <a:chExt cx="0" cy="0"/>
-        </a:xfrm>
-      </p:grpSpPr>
-      <p:sp>
-        <p:nvSpPr>
-          <p:cNvPr id="2" name="Title 1">
-            <a:extLst>
-              <a:ext uri="{FF2B5EF4-FFF2-40B4-BE49-F238E27FC236}">
-                <a16:creationId xmlns:a16="http://schemas.microsoft.com/office/drawing/2014/main" id="{BC08FBDE-96B3-440A-A103-C81803782D7A}"/>
-              </a:ext>
-            </a:extLst>
-          </p:cNvPr>
-          <p:cNvSpPr>
-            <a:spLocks noGrp="1"/>
-          </p:cNvSpPr>
-          <p:nvPr>
-            <p:ph type="title"/>
-          </p:nvPr>
-        </p:nvSpPr>
-        <p:spPr/>
-        <p:txBody>
-          <a:bodyPr/>
-          <a:lstStyle/>
-          <a:p>
-            <a:r>
-              <a:rPr lang="en-US" dirty="0"/>
-              <a:t>[VCE v1] upgrade AGW to v2</a:t>
-            </a:r>
-            <a:endParaRPr lang="nb-NO" dirty="0"/>
-          </a:p>
-        </p:txBody>
-      </p:sp>
-      <p:sp>
-        <p:nvSpPr>
-          <p:cNvPr id="23" name="Content Placeholder 2">
-            <a:extLst>
-              <a:ext uri="{FF2B5EF4-FFF2-40B4-BE49-F238E27FC236}">
-                <a16:creationId xmlns:a16="http://schemas.microsoft.com/office/drawing/2014/main" id="{9F4AB6B9-AB4C-4175-AFF1-AFB7ED71C233}"/>
-              </a:ext>
-            </a:extLst>
-          </p:cNvPr>
-          <p:cNvSpPr>
-            <a:spLocks noGrp="1"/>
-          </p:cNvSpPr>
-          <p:nvPr>
-            <p:ph idx="1"/>
-          </p:nvPr>
-        </p:nvSpPr>
-        <p:spPr>
-          <a:xfrm>
-            <a:off x="3388729" y="1350000"/>
-            <a:ext cx="5000996" cy="372357"/>
-          </a:xfrm>
-        </p:spPr>
-        <p:txBody>
-          <a:bodyPr>
-            <a:normAutofit fontScale="70000" lnSpcReduction="20000"/>
-          </a:bodyPr>
-          <a:lstStyle/>
-          <a:p>
-            <a:pPr marL="0" indent="0">
-              <a:buNone/>
-            </a:pPr>
-            <a:r>
-              <a:rPr lang="nb-NO" dirty="0"/>
-              <a:t>add new agw-v2-net subnet</a:t>
-            </a:r>
-          </a:p>
-          <a:p>
-            <a:endParaRPr lang="en-US" dirty="0"/>
-          </a:p>
-          <a:p>
-            <a:pPr marL="0" indent="0">
-              <a:buNone/>
-            </a:pPr>
-            <a:endParaRPr lang="en-US" dirty="0"/>
-          </a:p>
-        </p:txBody>
-      </p:sp>
-      <p:sp>
-        <p:nvSpPr>
-          <p:cNvPr id="16" name="Content Placeholder 2">
-            <a:extLst>
-              <a:ext uri="{FF2B5EF4-FFF2-40B4-BE49-F238E27FC236}">
-                <a16:creationId xmlns:a16="http://schemas.microsoft.com/office/drawing/2014/main" id="{E2C5F0D4-0843-4A40-9C89-50ACB7708F0B}"/>
-              </a:ext>
-            </a:extLst>
-          </p:cNvPr>
-          <p:cNvSpPr txBox="1">
-            <a:spLocks/>
-          </p:cNvSpPr>
-          <p:nvPr/>
-        </p:nvSpPr>
-        <p:spPr>
-          <a:xfrm>
-            <a:off x="3388729" y="1804341"/>
-            <a:ext cx="5000996" cy="372357"/>
-          </a:xfrm>
-          <a:prstGeom prst="rect">
-            <a:avLst/>
-          </a:prstGeom>
-        </p:spPr>
-        <p:txBody>
-          <a:bodyPr vert="horz" lIns="68580" tIns="34290" rIns="68580" bIns="34290" rtlCol="0">
-            <a:normAutofit/>
-          </a:bodyPr>
-          <a:lstStyle>
-            <a:lvl1pPr marL="228600" indent="-228600" algn="l" defTabSz="914400" rtl="0" eaLnBrk="1" latinLnBrk="0" hangingPunct="1">
-              <a:lnSpc>
-                <a:spcPct val="90000"/>
-              </a:lnSpc>
-              <a:spcBef>
-                <a:spcPts val="1000"/>
-              </a:spcBef>
-              <a:buFont typeface="Arial" panose="020B0604020202020204" pitchFamily="34" charset="0"/>
-              <a:buChar char="•"/>
-              <a:defRPr sz="2800" kern="1200">
-                <a:solidFill>
-                  <a:schemeClr val="tx1"/>
-                </a:solidFill>
-                <a:latin typeface="+mn-lt"/>
-                <a:ea typeface="+mn-ea"/>
-                <a:cs typeface="+mn-cs"/>
-              </a:defRPr>
-            </a:lvl1pPr>
-            <a:lvl2pPr marL="685800" indent="-228600" algn="l" defTabSz="914400" rtl="0" eaLnBrk="1" latinLnBrk="0" hangingPunct="1">
-              <a:lnSpc>
-                <a:spcPct val="90000"/>
-              </a:lnSpc>
-              <a:spcBef>
-                <a:spcPts val="500"/>
-              </a:spcBef>
-              <a:buFont typeface="Arial" panose="020B0604020202020204" pitchFamily="34" charset="0"/>
-              <a:buChar char="•"/>
-              <a:defRPr sz="2400" kern="1200">
-                <a:solidFill>
-                  <a:schemeClr val="tx1"/>
-                </a:solidFill>
-                <a:latin typeface="+mn-lt"/>
-                <a:ea typeface="+mn-ea"/>
-                <a:cs typeface="+mn-cs"/>
-              </a:defRPr>
-            </a:lvl2pPr>
-            <a:lvl3pPr marL="1143000" indent="-228600" algn="l" defTabSz="914400" rtl="0" eaLnBrk="1" latinLnBrk="0" hangingPunct="1">
-              <a:lnSpc>
-                <a:spcPct val="90000"/>
-              </a:lnSpc>
-              <a:spcBef>
-                <a:spcPts val="500"/>
-              </a:spcBef>
-              <a:buFont typeface="Arial" panose="020B0604020202020204" pitchFamily="34" charset="0"/>
-              <a:buChar char="•"/>
-              <a:defRPr sz="2000" kern="1200">
-                <a:solidFill>
-                  <a:schemeClr val="tx1"/>
-                </a:solidFill>
-                <a:latin typeface="+mn-lt"/>
-                <a:ea typeface="+mn-ea"/>
-                <a:cs typeface="+mn-cs"/>
-              </a:defRPr>
-            </a:lvl3pPr>
-            <a:lvl4pPr marL="1600200" indent="-228600" algn="l" defTabSz="914400" rtl="0" eaLnBrk="1" latinLnBrk="0" hangingPunct="1">
-              <a:lnSpc>
-                <a:spcPct val="90000"/>
-              </a:lnSpc>
-              <a:spcBef>
-                <a:spcPts val="500"/>
-              </a:spcBef>
-              <a:buFont typeface="Arial" panose="020B0604020202020204" pitchFamily="34" charset="0"/>
-              <a:buChar char="•"/>
-              <a:defRPr sz="1800" kern="1200">
-                <a:solidFill>
-                  <a:schemeClr val="tx1"/>
-                </a:solidFill>
-                <a:latin typeface="+mn-lt"/>
-                <a:ea typeface="+mn-ea"/>
-                <a:cs typeface="+mn-cs"/>
-              </a:defRPr>
-            </a:lvl4pPr>
-            <a:lvl5pPr marL="2057400" indent="-228600" algn="l" defTabSz="914400" rtl="0" eaLnBrk="1" latinLnBrk="0" hangingPunct="1">
-              <a:lnSpc>
-                <a:spcPct val="90000"/>
-              </a:lnSpc>
-              <a:spcBef>
-                <a:spcPts val="500"/>
-              </a:spcBef>
-              <a:buFont typeface="Arial" panose="020B0604020202020204" pitchFamily="34" charset="0"/>
-              <a:buChar char="•"/>
-              <a:defRPr sz="1800" kern="1200">
-                <a:solidFill>
-                  <a:schemeClr val="tx1"/>
-                </a:solidFill>
-                <a:latin typeface="+mn-lt"/>
-                <a:ea typeface="+mn-ea"/>
-                <a:cs typeface="+mn-cs"/>
-              </a:defRPr>
-            </a:lvl5pPr>
-            <a:lvl6pPr marL="2514600" indent="-228600" algn="l" defTabSz="914400" rtl="0" eaLnBrk="1" latinLnBrk="0" hangingPunct="1">
-              <a:lnSpc>
-                <a:spcPct val="90000"/>
-              </a:lnSpc>
-              <a:spcBef>
-                <a:spcPts val="500"/>
-              </a:spcBef>
-              <a:buFont typeface="Arial" panose="020B0604020202020204" pitchFamily="34" charset="0"/>
-              <a:buChar char="•"/>
-              <a:defRPr sz="1800" kern="1200">
-                <a:solidFill>
-                  <a:schemeClr val="tx1"/>
-                </a:solidFill>
-                <a:latin typeface="+mn-lt"/>
-                <a:ea typeface="+mn-ea"/>
-                <a:cs typeface="+mn-cs"/>
-              </a:defRPr>
-            </a:lvl6pPr>
-            <a:lvl7pPr marL="2971800" indent="-228600" algn="l" defTabSz="914400" rtl="0" eaLnBrk="1" latinLnBrk="0" hangingPunct="1">
-              <a:lnSpc>
-                <a:spcPct val="90000"/>
-              </a:lnSpc>
-              <a:spcBef>
-                <a:spcPts val="500"/>
-              </a:spcBef>
-              <a:buFont typeface="Arial" panose="020B0604020202020204" pitchFamily="34" charset="0"/>
-              <a:buChar char="•"/>
-              <a:defRPr sz="1800" kern="1200">
-                <a:solidFill>
-                  <a:schemeClr val="tx1"/>
-                </a:solidFill>
-                <a:latin typeface="+mn-lt"/>
-                <a:ea typeface="+mn-ea"/>
-                <a:cs typeface="+mn-cs"/>
-              </a:defRPr>
-            </a:lvl7pPr>
-            <a:lvl8pPr marL="3429000" indent="-228600" algn="l" defTabSz="914400" rtl="0" eaLnBrk="1" latinLnBrk="0" hangingPunct="1">
-              <a:lnSpc>
-                <a:spcPct val="90000"/>
-              </a:lnSpc>
-              <a:spcBef>
-                <a:spcPts val="500"/>
-              </a:spcBef>
-              <a:buFont typeface="Arial" panose="020B0604020202020204" pitchFamily="34" charset="0"/>
-              <a:buChar char="•"/>
-              <a:defRPr sz="1800" kern="1200">
-                <a:solidFill>
-                  <a:schemeClr val="tx1"/>
-                </a:solidFill>
-                <a:latin typeface="+mn-lt"/>
-                <a:ea typeface="+mn-ea"/>
-                <a:cs typeface="+mn-cs"/>
-              </a:defRPr>
-            </a:lvl8pPr>
-            <a:lvl9pPr marL="3886200" indent="-228600" algn="l" defTabSz="914400" rtl="0" eaLnBrk="1" latinLnBrk="0" hangingPunct="1">
-              <a:lnSpc>
-                <a:spcPct val="90000"/>
-              </a:lnSpc>
-              <a:spcBef>
-                <a:spcPts val="500"/>
-              </a:spcBef>
-              <a:buFont typeface="Arial" panose="020B0604020202020204" pitchFamily="34" charset="0"/>
-              <a:buChar char="•"/>
-              <a:defRPr sz="1800" kern="1200">
-                <a:solidFill>
-                  <a:schemeClr val="tx1"/>
-                </a:solidFill>
-                <a:latin typeface="+mn-lt"/>
-                <a:ea typeface="+mn-ea"/>
-                <a:cs typeface="+mn-cs"/>
-              </a:defRPr>
-            </a:lvl9pPr>
-          </a:lstStyle>
-          <a:p>
-            <a:pPr marL="0" indent="0">
-              <a:buNone/>
-            </a:pPr>
-            <a:r>
-              <a:rPr lang="nb-NO" sz="2100" dirty="0"/>
-              <a:t>provision new instance of AGW v2</a:t>
-            </a:r>
-            <a:endParaRPr lang="en-US" sz="2100" dirty="0"/>
-          </a:p>
-          <a:p>
-            <a:pPr marL="0" indent="0">
-              <a:buNone/>
-            </a:pPr>
-            <a:endParaRPr lang="en-US" sz="2100" dirty="0"/>
-          </a:p>
-        </p:txBody>
-      </p:sp>
-      <p:sp>
-        <p:nvSpPr>
-          <p:cNvPr id="17" name="Content Placeholder 2">
-            <a:extLst>
-              <a:ext uri="{FF2B5EF4-FFF2-40B4-BE49-F238E27FC236}">
-                <a16:creationId xmlns:a16="http://schemas.microsoft.com/office/drawing/2014/main" id="{9B44C3CF-DD57-48C7-82BB-9E5ADA87A76A}"/>
-              </a:ext>
-            </a:extLst>
-          </p:cNvPr>
-          <p:cNvSpPr txBox="1">
-            <a:spLocks/>
-          </p:cNvSpPr>
-          <p:nvPr/>
-        </p:nvSpPr>
-        <p:spPr>
-          <a:xfrm>
-            <a:off x="3388729" y="2780624"/>
-            <a:ext cx="5000996" cy="372357"/>
-          </a:xfrm>
-          <a:prstGeom prst="rect">
-            <a:avLst/>
-          </a:prstGeom>
-        </p:spPr>
-        <p:txBody>
-          <a:bodyPr vert="horz" lIns="68580" tIns="34290" rIns="68580" bIns="34290" rtlCol="0">
-            <a:normAutofit/>
-          </a:bodyPr>
-          <a:lstStyle>
-            <a:lvl1pPr marL="228600" indent="-228600" algn="l" defTabSz="914400" rtl="0" eaLnBrk="1" latinLnBrk="0" hangingPunct="1">
-              <a:lnSpc>
-                <a:spcPct val="90000"/>
-              </a:lnSpc>
-              <a:spcBef>
-                <a:spcPts val="1000"/>
-              </a:spcBef>
-              <a:buFont typeface="Arial" panose="020B0604020202020204" pitchFamily="34" charset="0"/>
-              <a:buChar char="•"/>
-              <a:defRPr sz="2800" kern="1200">
-                <a:solidFill>
-                  <a:schemeClr val="tx1"/>
-                </a:solidFill>
-                <a:latin typeface="+mn-lt"/>
-                <a:ea typeface="+mn-ea"/>
-                <a:cs typeface="+mn-cs"/>
-              </a:defRPr>
-            </a:lvl1pPr>
-            <a:lvl2pPr marL="685800" indent="-228600" algn="l" defTabSz="914400" rtl="0" eaLnBrk="1" latinLnBrk="0" hangingPunct="1">
-              <a:lnSpc>
-                <a:spcPct val="90000"/>
-              </a:lnSpc>
-              <a:spcBef>
-                <a:spcPts val="500"/>
-              </a:spcBef>
-              <a:buFont typeface="Arial" panose="020B0604020202020204" pitchFamily="34" charset="0"/>
-              <a:buChar char="•"/>
-              <a:defRPr sz="2400" kern="1200">
-                <a:solidFill>
-                  <a:schemeClr val="tx1"/>
-                </a:solidFill>
-                <a:latin typeface="+mn-lt"/>
-                <a:ea typeface="+mn-ea"/>
-                <a:cs typeface="+mn-cs"/>
-              </a:defRPr>
-            </a:lvl2pPr>
-            <a:lvl3pPr marL="1143000" indent="-228600" algn="l" defTabSz="914400" rtl="0" eaLnBrk="1" latinLnBrk="0" hangingPunct="1">
-              <a:lnSpc>
-                <a:spcPct val="90000"/>
-              </a:lnSpc>
-              <a:spcBef>
-                <a:spcPts val="500"/>
-              </a:spcBef>
-              <a:buFont typeface="Arial" panose="020B0604020202020204" pitchFamily="34" charset="0"/>
-              <a:buChar char="•"/>
-              <a:defRPr sz="2000" kern="1200">
-                <a:solidFill>
-                  <a:schemeClr val="tx1"/>
-                </a:solidFill>
-                <a:latin typeface="+mn-lt"/>
-                <a:ea typeface="+mn-ea"/>
-                <a:cs typeface="+mn-cs"/>
-              </a:defRPr>
-            </a:lvl3pPr>
-            <a:lvl4pPr marL="1600200" indent="-228600" algn="l" defTabSz="914400" rtl="0" eaLnBrk="1" latinLnBrk="0" hangingPunct="1">
-              <a:lnSpc>
-                <a:spcPct val="90000"/>
-              </a:lnSpc>
-              <a:spcBef>
-                <a:spcPts val="500"/>
-              </a:spcBef>
-              <a:buFont typeface="Arial" panose="020B0604020202020204" pitchFamily="34" charset="0"/>
-              <a:buChar char="•"/>
-              <a:defRPr sz="1800" kern="1200">
-                <a:solidFill>
-                  <a:schemeClr val="tx1"/>
-                </a:solidFill>
-                <a:latin typeface="+mn-lt"/>
-                <a:ea typeface="+mn-ea"/>
-                <a:cs typeface="+mn-cs"/>
-              </a:defRPr>
-            </a:lvl4pPr>
-            <a:lvl5pPr marL="2057400" indent="-228600" algn="l" defTabSz="914400" rtl="0" eaLnBrk="1" latinLnBrk="0" hangingPunct="1">
-              <a:lnSpc>
-                <a:spcPct val="90000"/>
-              </a:lnSpc>
-              <a:spcBef>
-                <a:spcPts val="500"/>
-              </a:spcBef>
-              <a:buFont typeface="Arial" panose="020B0604020202020204" pitchFamily="34" charset="0"/>
-              <a:buChar char="•"/>
-              <a:defRPr sz="1800" kern="1200">
-                <a:solidFill>
-                  <a:schemeClr val="tx1"/>
-                </a:solidFill>
-                <a:latin typeface="+mn-lt"/>
-                <a:ea typeface="+mn-ea"/>
-                <a:cs typeface="+mn-cs"/>
-              </a:defRPr>
-            </a:lvl5pPr>
-            <a:lvl6pPr marL="2514600" indent="-228600" algn="l" defTabSz="914400" rtl="0" eaLnBrk="1" latinLnBrk="0" hangingPunct="1">
-              <a:lnSpc>
-                <a:spcPct val="90000"/>
-              </a:lnSpc>
-              <a:spcBef>
-                <a:spcPts val="500"/>
-              </a:spcBef>
-              <a:buFont typeface="Arial" panose="020B0604020202020204" pitchFamily="34" charset="0"/>
-              <a:buChar char="•"/>
-              <a:defRPr sz="1800" kern="1200">
-                <a:solidFill>
-                  <a:schemeClr val="tx1"/>
-                </a:solidFill>
-                <a:latin typeface="+mn-lt"/>
-                <a:ea typeface="+mn-ea"/>
-                <a:cs typeface="+mn-cs"/>
-              </a:defRPr>
-            </a:lvl6pPr>
-            <a:lvl7pPr marL="2971800" indent="-228600" algn="l" defTabSz="914400" rtl="0" eaLnBrk="1" latinLnBrk="0" hangingPunct="1">
-              <a:lnSpc>
-                <a:spcPct val="90000"/>
-              </a:lnSpc>
-              <a:spcBef>
-                <a:spcPts val="500"/>
-              </a:spcBef>
-              <a:buFont typeface="Arial" panose="020B0604020202020204" pitchFamily="34" charset="0"/>
-              <a:buChar char="•"/>
-              <a:defRPr sz="1800" kern="1200">
-                <a:solidFill>
-                  <a:schemeClr val="tx1"/>
-                </a:solidFill>
-                <a:latin typeface="+mn-lt"/>
-                <a:ea typeface="+mn-ea"/>
-                <a:cs typeface="+mn-cs"/>
-              </a:defRPr>
-            </a:lvl7pPr>
-            <a:lvl8pPr marL="3429000" indent="-228600" algn="l" defTabSz="914400" rtl="0" eaLnBrk="1" latinLnBrk="0" hangingPunct="1">
-              <a:lnSpc>
-                <a:spcPct val="90000"/>
-              </a:lnSpc>
-              <a:spcBef>
-                <a:spcPts val="500"/>
-              </a:spcBef>
-              <a:buFont typeface="Arial" panose="020B0604020202020204" pitchFamily="34" charset="0"/>
-              <a:buChar char="•"/>
-              <a:defRPr sz="1800" kern="1200">
-                <a:solidFill>
-                  <a:schemeClr val="tx1"/>
-                </a:solidFill>
-                <a:latin typeface="+mn-lt"/>
-                <a:ea typeface="+mn-ea"/>
-                <a:cs typeface="+mn-cs"/>
-              </a:defRPr>
-            </a:lvl8pPr>
-            <a:lvl9pPr marL="3886200" indent="-228600" algn="l" defTabSz="914400" rtl="0" eaLnBrk="1" latinLnBrk="0" hangingPunct="1">
-              <a:lnSpc>
-                <a:spcPct val="90000"/>
-              </a:lnSpc>
-              <a:spcBef>
-                <a:spcPts val="500"/>
-              </a:spcBef>
-              <a:buFont typeface="Arial" panose="020B0604020202020204" pitchFamily="34" charset="0"/>
-              <a:buChar char="•"/>
-              <a:defRPr sz="1800" kern="1200">
-                <a:solidFill>
-                  <a:schemeClr val="tx1"/>
-                </a:solidFill>
-                <a:latin typeface="+mn-lt"/>
-                <a:ea typeface="+mn-ea"/>
-                <a:cs typeface="+mn-cs"/>
-              </a:defRPr>
-            </a:lvl9pPr>
-          </a:lstStyle>
-          <a:p>
-            <a:pPr marL="0" indent="0">
-              <a:buNone/>
-            </a:pPr>
-            <a:r>
-              <a:rPr lang="nb-NO" sz="2100" dirty="0"/>
-              <a:t>send traffic to AGW v2</a:t>
-            </a:r>
-            <a:endParaRPr lang="en-US" sz="2100" dirty="0"/>
-          </a:p>
-          <a:p>
-            <a:pPr marL="0" indent="0">
-              <a:buNone/>
-            </a:pPr>
-            <a:endParaRPr lang="en-US" sz="2100" dirty="0"/>
-          </a:p>
-        </p:txBody>
-      </p:sp>
-      <p:pic>
-        <p:nvPicPr>
-          <p:cNvPr id="8" name="Picture 7">
-            <a:extLst>
-              <a:ext uri="{FF2B5EF4-FFF2-40B4-BE49-F238E27FC236}">
-                <a16:creationId xmlns:a16="http://schemas.microsoft.com/office/drawing/2014/main" id="{55B3E901-B295-4C0D-B788-6DC1D457BC35}"/>
-              </a:ext>
-            </a:extLst>
-          </p:cNvPr>
-          <p:cNvPicPr>
-            <a:picLocks noChangeAspect="1"/>
-          </p:cNvPicPr>
-          <p:nvPr/>
-        </p:nvPicPr>
-        <p:blipFill>
-          <a:blip r:embed="rId3"/>
-          <a:stretch>
-            <a:fillRect/>
-          </a:stretch>
-        </p:blipFill>
-        <p:spPr>
-          <a:xfrm>
-            <a:off x="540000" y="1350000"/>
-            <a:ext cx="2449238" cy="3445976"/>
-          </a:xfrm>
-          <a:prstGeom prst="rect">
-            <a:avLst/>
-          </a:prstGeom>
-        </p:spPr>
-      </p:pic>
-      <p:pic>
-        <p:nvPicPr>
-          <p:cNvPr id="11" name="Picture 10">
-            <a:extLst>
-              <a:ext uri="{FF2B5EF4-FFF2-40B4-BE49-F238E27FC236}">
-                <a16:creationId xmlns:a16="http://schemas.microsoft.com/office/drawing/2014/main" id="{971DF813-D963-4CA0-90B2-4ACAD9A0DADE}"/>
-              </a:ext>
-            </a:extLst>
-          </p:cNvPr>
-          <p:cNvPicPr>
-            <a:picLocks noChangeAspect="1"/>
-          </p:cNvPicPr>
-          <p:nvPr/>
-        </p:nvPicPr>
-        <p:blipFill>
-          <a:blip r:embed="rId4"/>
-          <a:stretch>
-            <a:fillRect/>
-          </a:stretch>
-        </p:blipFill>
-        <p:spPr>
-          <a:xfrm>
-            <a:off x="540000" y="1350000"/>
-            <a:ext cx="2449238" cy="3445976"/>
-          </a:xfrm>
-          <a:prstGeom prst="rect">
-            <a:avLst/>
-          </a:prstGeom>
-        </p:spPr>
-      </p:pic>
-      <p:pic>
-        <p:nvPicPr>
-          <p:cNvPr id="13" name="Picture 12">
-            <a:extLst>
-              <a:ext uri="{FF2B5EF4-FFF2-40B4-BE49-F238E27FC236}">
-                <a16:creationId xmlns:a16="http://schemas.microsoft.com/office/drawing/2014/main" id="{160B0AD6-7163-44E1-8769-BC873417FCBD}"/>
-              </a:ext>
-            </a:extLst>
-          </p:cNvPr>
-          <p:cNvPicPr>
-            <a:picLocks noChangeAspect="1"/>
-          </p:cNvPicPr>
-          <p:nvPr/>
-        </p:nvPicPr>
-        <p:blipFill>
-          <a:blip r:embed="rId5">
-            <a:extLst>
-              <a:ext uri="{28A0092B-C50C-407E-A947-70E740481C1C}">
-                <a14:useLocalDpi xmlns:a14="http://schemas.microsoft.com/office/drawing/2010/main" val="0"/>
-              </a:ext>
-            </a:extLst>
-          </a:blip>
-          <a:stretch>
-            <a:fillRect/>
-          </a:stretch>
-        </p:blipFill>
-        <p:spPr>
-          <a:xfrm>
-            <a:off x="8468409" y="4584699"/>
-            <a:ext cx="431800" cy="431800"/>
-          </a:xfrm>
-          <a:prstGeom prst="rect">
-            <a:avLst/>
-          </a:prstGeom>
-        </p:spPr>
-      </p:pic>
-      <p:pic>
-        <p:nvPicPr>
-          <p:cNvPr id="15" name="Picture 14" descr="A picture containing table&#10;&#10;Description automatically generated">
-            <a:extLst>
-              <a:ext uri="{FF2B5EF4-FFF2-40B4-BE49-F238E27FC236}">
-                <a16:creationId xmlns:a16="http://schemas.microsoft.com/office/drawing/2014/main" id="{B3C64FA6-CD55-4A6A-9CD0-80DEABDA1E3E}"/>
-              </a:ext>
-            </a:extLst>
-          </p:cNvPr>
-          <p:cNvPicPr>
-            <a:picLocks noChangeAspect="1"/>
-          </p:cNvPicPr>
-          <p:nvPr/>
-        </p:nvPicPr>
-        <p:blipFill>
-          <a:blip r:embed="rId6">
-            <a:extLst>
-              <a:ext uri="{28A0092B-C50C-407E-A947-70E740481C1C}">
-                <a14:useLocalDpi xmlns:a14="http://schemas.microsoft.com/office/drawing/2010/main" val="0"/>
-              </a:ext>
-            </a:extLst>
-          </a:blip>
-          <a:stretch>
-            <a:fillRect/>
-          </a:stretch>
-        </p:blipFill>
-        <p:spPr>
-          <a:xfrm>
-            <a:off x="218163" y="4584499"/>
-            <a:ext cx="308572" cy="432000"/>
-          </a:xfrm>
-          <a:prstGeom prst="rect">
-            <a:avLst/>
-          </a:prstGeom>
-        </p:spPr>
-      </p:pic>
-      <p:sp>
-        <p:nvSpPr>
-          <p:cNvPr id="19" name="TextBox 18">
-            <a:extLst>
-              <a:ext uri="{FF2B5EF4-FFF2-40B4-BE49-F238E27FC236}">
-                <a16:creationId xmlns:a16="http://schemas.microsoft.com/office/drawing/2014/main" id="{6D806505-85E9-41E7-B303-022C93DBA02F}"/>
-              </a:ext>
-            </a:extLst>
-          </p:cNvPr>
-          <p:cNvSpPr txBox="1"/>
-          <p:nvPr/>
-        </p:nvSpPr>
-        <p:spPr>
-          <a:xfrm>
-            <a:off x="1835785" y="1032009"/>
-            <a:ext cx="962123" cy="253916"/>
-          </a:xfrm>
-          <a:prstGeom prst="rect">
-            <a:avLst/>
-          </a:prstGeom>
-          <a:noFill/>
-        </p:spPr>
-        <p:txBody>
-          <a:bodyPr wrap="none" rtlCol="0">
-            <a:spAutoFit/>
-          </a:bodyPr>
-          <a:lstStyle/>
-          <a:p>
-            <a:r>
-              <a:rPr lang="nb-NO" sz="1050" dirty="0"/>
-              <a:t>Active Traffic</a:t>
-            </a:r>
-          </a:p>
-        </p:txBody>
-      </p:sp>
-      <p:pic>
-        <p:nvPicPr>
-          <p:cNvPr id="21" name="Picture 20">
-            <a:extLst>
-              <a:ext uri="{FF2B5EF4-FFF2-40B4-BE49-F238E27FC236}">
-                <a16:creationId xmlns:a16="http://schemas.microsoft.com/office/drawing/2014/main" id="{4038D504-1E6D-4C19-BCF0-BAF8A34BF02A}"/>
-              </a:ext>
-            </a:extLst>
-          </p:cNvPr>
-          <p:cNvPicPr>
-            <a:picLocks noChangeAspect="1"/>
-          </p:cNvPicPr>
-          <p:nvPr/>
-        </p:nvPicPr>
-        <p:blipFill>
-          <a:blip r:embed="rId7"/>
-          <a:stretch>
-            <a:fillRect/>
-          </a:stretch>
-        </p:blipFill>
-        <p:spPr>
-          <a:xfrm>
-            <a:off x="526734" y="1350000"/>
-            <a:ext cx="2462504" cy="3462950"/>
-          </a:xfrm>
-          <a:prstGeom prst="rect">
-            <a:avLst/>
-          </a:prstGeom>
-        </p:spPr>
-      </p:pic>
-      <p:pic>
-        <p:nvPicPr>
-          <p:cNvPr id="20" name="Picture 19">
-            <a:extLst>
-              <a:ext uri="{FF2B5EF4-FFF2-40B4-BE49-F238E27FC236}">
-                <a16:creationId xmlns:a16="http://schemas.microsoft.com/office/drawing/2014/main" id="{A8022384-E8F1-4183-92C8-CCE87A06DDA5}"/>
-              </a:ext>
-            </a:extLst>
-          </p:cNvPr>
-          <p:cNvPicPr>
-            <a:picLocks noChangeAspect="1"/>
-          </p:cNvPicPr>
-          <p:nvPr/>
-        </p:nvPicPr>
-        <p:blipFill>
-          <a:blip r:embed="rId8"/>
-          <a:stretch>
-            <a:fillRect/>
-          </a:stretch>
-        </p:blipFill>
-        <p:spPr>
-          <a:xfrm>
-            <a:off x="526734" y="1349998"/>
-            <a:ext cx="2462504" cy="3462950"/>
-          </a:xfrm>
-          <a:prstGeom prst="rect">
-            <a:avLst/>
-          </a:prstGeom>
-        </p:spPr>
-      </p:pic>
-      <p:sp>
-        <p:nvSpPr>
-          <p:cNvPr id="24" name="Content Placeholder 2">
-            <a:extLst>
-              <a:ext uri="{FF2B5EF4-FFF2-40B4-BE49-F238E27FC236}">
-                <a16:creationId xmlns:a16="http://schemas.microsoft.com/office/drawing/2014/main" id="{F1724B1D-A3D6-4A93-A883-8AD3A31EB5AC}"/>
-              </a:ext>
-            </a:extLst>
-          </p:cNvPr>
-          <p:cNvSpPr txBox="1">
-            <a:spLocks/>
-          </p:cNvSpPr>
-          <p:nvPr/>
-        </p:nvSpPr>
-        <p:spPr>
-          <a:xfrm>
-            <a:off x="3388728" y="2292482"/>
-            <a:ext cx="5000996" cy="372357"/>
-          </a:xfrm>
-          <a:prstGeom prst="rect">
-            <a:avLst/>
-          </a:prstGeom>
-        </p:spPr>
-        <p:txBody>
-          <a:bodyPr vert="horz" lIns="68580" tIns="34290" rIns="68580" bIns="34290" rtlCol="0">
-            <a:normAutofit/>
-          </a:bodyPr>
-          <a:lstStyle>
-            <a:lvl1pPr marL="228600" indent="-228600" algn="l" defTabSz="914400" rtl="0" eaLnBrk="1" latinLnBrk="0" hangingPunct="1">
-              <a:lnSpc>
-                <a:spcPct val="90000"/>
-              </a:lnSpc>
-              <a:spcBef>
-                <a:spcPts val="1000"/>
-              </a:spcBef>
-              <a:buFont typeface="Arial" panose="020B0604020202020204" pitchFamily="34" charset="0"/>
-              <a:buChar char="•"/>
-              <a:defRPr sz="2800" kern="1200">
-                <a:solidFill>
-                  <a:schemeClr val="tx1"/>
-                </a:solidFill>
-                <a:latin typeface="+mn-lt"/>
-                <a:ea typeface="+mn-ea"/>
-                <a:cs typeface="+mn-cs"/>
-              </a:defRPr>
-            </a:lvl1pPr>
-            <a:lvl2pPr marL="685800" indent="-228600" algn="l" defTabSz="914400" rtl="0" eaLnBrk="1" latinLnBrk="0" hangingPunct="1">
-              <a:lnSpc>
-                <a:spcPct val="90000"/>
-              </a:lnSpc>
-              <a:spcBef>
-                <a:spcPts val="500"/>
-              </a:spcBef>
-              <a:buFont typeface="Arial" panose="020B0604020202020204" pitchFamily="34" charset="0"/>
-              <a:buChar char="•"/>
-              <a:defRPr sz="2400" kern="1200">
-                <a:solidFill>
-                  <a:schemeClr val="tx1"/>
-                </a:solidFill>
-                <a:latin typeface="+mn-lt"/>
-                <a:ea typeface="+mn-ea"/>
-                <a:cs typeface="+mn-cs"/>
-              </a:defRPr>
-            </a:lvl2pPr>
-            <a:lvl3pPr marL="1143000" indent="-228600" algn="l" defTabSz="914400" rtl="0" eaLnBrk="1" latinLnBrk="0" hangingPunct="1">
-              <a:lnSpc>
-                <a:spcPct val="90000"/>
-              </a:lnSpc>
-              <a:spcBef>
-                <a:spcPts val="500"/>
-              </a:spcBef>
-              <a:buFont typeface="Arial" panose="020B0604020202020204" pitchFamily="34" charset="0"/>
-              <a:buChar char="•"/>
-              <a:defRPr sz="2000" kern="1200">
-                <a:solidFill>
-                  <a:schemeClr val="tx1"/>
-                </a:solidFill>
-                <a:latin typeface="+mn-lt"/>
-                <a:ea typeface="+mn-ea"/>
-                <a:cs typeface="+mn-cs"/>
-              </a:defRPr>
-            </a:lvl3pPr>
-            <a:lvl4pPr marL="1600200" indent="-228600" algn="l" defTabSz="914400" rtl="0" eaLnBrk="1" latinLnBrk="0" hangingPunct="1">
-              <a:lnSpc>
-                <a:spcPct val="90000"/>
-              </a:lnSpc>
-              <a:spcBef>
-                <a:spcPts val="500"/>
-              </a:spcBef>
-              <a:buFont typeface="Arial" panose="020B0604020202020204" pitchFamily="34" charset="0"/>
-              <a:buChar char="•"/>
-              <a:defRPr sz="1800" kern="1200">
-                <a:solidFill>
-                  <a:schemeClr val="tx1"/>
-                </a:solidFill>
-                <a:latin typeface="+mn-lt"/>
-                <a:ea typeface="+mn-ea"/>
-                <a:cs typeface="+mn-cs"/>
-              </a:defRPr>
-            </a:lvl4pPr>
-            <a:lvl5pPr marL="2057400" indent="-228600" algn="l" defTabSz="914400" rtl="0" eaLnBrk="1" latinLnBrk="0" hangingPunct="1">
-              <a:lnSpc>
-                <a:spcPct val="90000"/>
-              </a:lnSpc>
-              <a:spcBef>
-                <a:spcPts val="500"/>
-              </a:spcBef>
-              <a:buFont typeface="Arial" panose="020B0604020202020204" pitchFamily="34" charset="0"/>
-              <a:buChar char="•"/>
-              <a:defRPr sz="1800" kern="1200">
-                <a:solidFill>
-                  <a:schemeClr val="tx1"/>
-                </a:solidFill>
-                <a:latin typeface="+mn-lt"/>
-                <a:ea typeface="+mn-ea"/>
-                <a:cs typeface="+mn-cs"/>
-              </a:defRPr>
-            </a:lvl5pPr>
-            <a:lvl6pPr marL="2514600" indent="-228600" algn="l" defTabSz="914400" rtl="0" eaLnBrk="1" latinLnBrk="0" hangingPunct="1">
-              <a:lnSpc>
-                <a:spcPct val="90000"/>
-              </a:lnSpc>
-              <a:spcBef>
-                <a:spcPts val="500"/>
-              </a:spcBef>
-              <a:buFont typeface="Arial" panose="020B0604020202020204" pitchFamily="34" charset="0"/>
-              <a:buChar char="•"/>
-              <a:defRPr sz="1800" kern="1200">
-                <a:solidFill>
-                  <a:schemeClr val="tx1"/>
-                </a:solidFill>
-                <a:latin typeface="+mn-lt"/>
-                <a:ea typeface="+mn-ea"/>
-                <a:cs typeface="+mn-cs"/>
-              </a:defRPr>
-            </a:lvl6pPr>
-            <a:lvl7pPr marL="2971800" indent="-228600" algn="l" defTabSz="914400" rtl="0" eaLnBrk="1" latinLnBrk="0" hangingPunct="1">
-              <a:lnSpc>
-                <a:spcPct val="90000"/>
-              </a:lnSpc>
-              <a:spcBef>
-                <a:spcPts val="500"/>
-              </a:spcBef>
-              <a:buFont typeface="Arial" panose="020B0604020202020204" pitchFamily="34" charset="0"/>
-              <a:buChar char="•"/>
-              <a:defRPr sz="1800" kern="1200">
-                <a:solidFill>
-                  <a:schemeClr val="tx1"/>
-                </a:solidFill>
-                <a:latin typeface="+mn-lt"/>
-                <a:ea typeface="+mn-ea"/>
-                <a:cs typeface="+mn-cs"/>
-              </a:defRPr>
-            </a:lvl7pPr>
-            <a:lvl8pPr marL="3429000" indent="-228600" algn="l" defTabSz="914400" rtl="0" eaLnBrk="1" latinLnBrk="0" hangingPunct="1">
-              <a:lnSpc>
-                <a:spcPct val="90000"/>
-              </a:lnSpc>
-              <a:spcBef>
-                <a:spcPts val="500"/>
-              </a:spcBef>
-              <a:buFont typeface="Arial" panose="020B0604020202020204" pitchFamily="34" charset="0"/>
-              <a:buChar char="•"/>
-              <a:defRPr sz="1800" kern="1200">
-                <a:solidFill>
-                  <a:schemeClr val="tx1"/>
-                </a:solidFill>
-                <a:latin typeface="+mn-lt"/>
-                <a:ea typeface="+mn-ea"/>
-                <a:cs typeface="+mn-cs"/>
-              </a:defRPr>
-            </a:lvl8pPr>
-            <a:lvl9pPr marL="3886200" indent="-228600" algn="l" defTabSz="914400" rtl="0" eaLnBrk="1" latinLnBrk="0" hangingPunct="1">
-              <a:lnSpc>
-                <a:spcPct val="90000"/>
-              </a:lnSpc>
-              <a:spcBef>
-                <a:spcPts val="500"/>
-              </a:spcBef>
-              <a:buFont typeface="Arial" panose="020B0604020202020204" pitchFamily="34" charset="0"/>
-              <a:buChar char="•"/>
-              <a:defRPr sz="1800" kern="1200">
-                <a:solidFill>
-                  <a:schemeClr val="tx1"/>
-                </a:solidFill>
-                <a:latin typeface="+mn-lt"/>
-                <a:ea typeface="+mn-ea"/>
-                <a:cs typeface="+mn-cs"/>
-              </a:defRPr>
-            </a:lvl9pPr>
-          </a:lstStyle>
-          <a:p>
-            <a:pPr marL="0" indent="0">
-              <a:buNone/>
-            </a:pPr>
-            <a:r>
-              <a:rPr lang="nb-NO" sz="2100" dirty="0"/>
-              <a:t>test</a:t>
-            </a:r>
-            <a:endParaRPr lang="en-US" sz="2100" dirty="0"/>
-          </a:p>
-          <a:p>
-            <a:pPr marL="0" indent="0">
-              <a:buNone/>
-            </a:pPr>
-            <a:endParaRPr lang="en-US" sz="2100" dirty="0"/>
-          </a:p>
-        </p:txBody>
-      </p:sp>
-      <p:pic>
-        <p:nvPicPr>
-          <p:cNvPr id="22" name="Picture 21">
-            <a:extLst>
-              <a:ext uri="{FF2B5EF4-FFF2-40B4-BE49-F238E27FC236}">
-                <a16:creationId xmlns:a16="http://schemas.microsoft.com/office/drawing/2014/main" id="{794EC5E4-C6B9-40B4-9418-9EE0ACBEC43B}"/>
-              </a:ext>
-            </a:extLst>
-          </p:cNvPr>
-          <p:cNvPicPr>
-            <a:picLocks noChangeAspect="1"/>
-          </p:cNvPicPr>
-          <p:nvPr/>
-        </p:nvPicPr>
-        <p:blipFill>
-          <a:blip r:embed="rId9"/>
-          <a:stretch>
-            <a:fillRect/>
-          </a:stretch>
-        </p:blipFill>
-        <p:spPr>
-          <a:xfrm>
-            <a:off x="526734" y="1349996"/>
-            <a:ext cx="2462504" cy="3462950"/>
-          </a:xfrm>
-          <a:prstGeom prst="rect">
-            <a:avLst/>
-          </a:prstGeom>
-        </p:spPr>
-      </p:pic>
-      <p:sp>
-        <p:nvSpPr>
-          <p:cNvPr id="25" name="Content Placeholder 2">
-            <a:extLst>
-              <a:ext uri="{FF2B5EF4-FFF2-40B4-BE49-F238E27FC236}">
-                <a16:creationId xmlns:a16="http://schemas.microsoft.com/office/drawing/2014/main" id="{966DAC16-B1BA-4443-9DE5-56DB2726B35F}"/>
-              </a:ext>
-            </a:extLst>
-          </p:cNvPr>
-          <p:cNvSpPr txBox="1">
-            <a:spLocks/>
-          </p:cNvSpPr>
-          <p:nvPr/>
-        </p:nvSpPr>
-        <p:spPr>
-          <a:xfrm>
-            <a:off x="3388727" y="3268766"/>
-            <a:ext cx="5000996" cy="372357"/>
-          </a:xfrm>
-          <a:prstGeom prst="rect">
-            <a:avLst/>
-          </a:prstGeom>
-        </p:spPr>
-        <p:txBody>
-          <a:bodyPr vert="horz" lIns="68580" tIns="34290" rIns="68580" bIns="34290" rtlCol="0">
-            <a:normAutofit/>
-          </a:bodyPr>
-          <a:lstStyle>
-            <a:lvl1pPr marL="228600" indent="-228600" algn="l" defTabSz="914400" rtl="0" eaLnBrk="1" latinLnBrk="0" hangingPunct="1">
-              <a:lnSpc>
-                <a:spcPct val="90000"/>
-              </a:lnSpc>
-              <a:spcBef>
-                <a:spcPts val="1000"/>
-              </a:spcBef>
-              <a:buFont typeface="Arial" panose="020B0604020202020204" pitchFamily="34" charset="0"/>
-              <a:buChar char="•"/>
-              <a:defRPr sz="2800" kern="1200">
-                <a:solidFill>
-                  <a:schemeClr val="tx1"/>
-                </a:solidFill>
-                <a:latin typeface="+mn-lt"/>
-                <a:ea typeface="+mn-ea"/>
-                <a:cs typeface="+mn-cs"/>
-              </a:defRPr>
-            </a:lvl1pPr>
-            <a:lvl2pPr marL="685800" indent="-228600" algn="l" defTabSz="914400" rtl="0" eaLnBrk="1" latinLnBrk="0" hangingPunct="1">
-              <a:lnSpc>
-                <a:spcPct val="90000"/>
-              </a:lnSpc>
-              <a:spcBef>
-                <a:spcPts val="500"/>
-              </a:spcBef>
-              <a:buFont typeface="Arial" panose="020B0604020202020204" pitchFamily="34" charset="0"/>
-              <a:buChar char="•"/>
-              <a:defRPr sz="2400" kern="1200">
-                <a:solidFill>
-                  <a:schemeClr val="tx1"/>
-                </a:solidFill>
-                <a:latin typeface="+mn-lt"/>
-                <a:ea typeface="+mn-ea"/>
-                <a:cs typeface="+mn-cs"/>
-              </a:defRPr>
-            </a:lvl2pPr>
-            <a:lvl3pPr marL="1143000" indent="-228600" algn="l" defTabSz="914400" rtl="0" eaLnBrk="1" latinLnBrk="0" hangingPunct="1">
-              <a:lnSpc>
-                <a:spcPct val="90000"/>
-              </a:lnSpc>
-              <a:spcBef>
-                <a:spcPts val="500"/>
-              </a:spcBef>
-              <a:buFont typeface="Arial" panose="020B0604020202020204" pitchFamily="34" charset="0"/>
-              <a:buChar char="•"/>
-              <a:defRPr sz="2000" kern="1200">
-                <a:solidFill>
-                  <a:schemeClr val="tx1"/>
-                </a:solidFill>
-                <a:latin typeface="+mn-lt"/>
-                <a:ea typeface="+mn-ea"/>
-                <a:cs typeface="+mn-cs"/>
-              </a:defRPr>
-            </a:lvl3pPr>
-            <a:lvl4pPr marL="1600200" indent="-228600" algn="l" defTabSz="914400" rtl="0" eaLnBrk="1" latinLnBrk="0" hangingPunct="1">
-              <a:lnSpc>
-                <a:spcPct val="90000"/>
-              </a:lnSpc>
-              <a:spcBef>
-                <a:spcPts val="500"/>
-              </a:spcBef>
-              <a:buFont typeface="Arial" panose="020B0604020202020204" pitchFamily="34" charset="0"/>
-              <a:buChar char="•"/>
-              <a:defRPr sz="1800" kern="1200">
-                <a:solidFill>
-                  <a:schemeClr val="tx1"/>
-                </a:solidFill>
-                <a:latin typeface="+mn-lt"/>
-                <a:ea typeface="+mn-ea"/>
-                <a:cs typeface="+mn-cs"/>
-              </a:defRPr>
-            </a:lvl4pPr>
-            <a:lvl5pPr marL="2057400" indent="-228600" algn="l" defTabSz="914400" rtl="0" eaLnBrk="1" latinLnBrk="0" hangingPunct="1">
-              <a:lnSpc>
-                <a:spcPct val="90000"/>
-              </a:lnSpc>
-              <a:spcBef>
-                <a:spcPts val="500"/>
-              </a:spcBef>
-              <a:buFont typeface="Arial" panose="020B0604020202020204" pitchFamily="34" charset="0"/>
-              <a:buChar char="•"/>
-              <a:defRPr sz="1800" kern="1200">
-                <a:solidFill>
-                  <a:schemeClr val="tx1"/>
-                </a:solidFill>
-                <a:latin typeface="+mn-lt"/>
-                <a:ea typeface="+mn-ea"/>
-                <a:cs typeface="+mn-cs"/>
-              </a:defRPr>
-            </a:lvl5pPr>
-            <a:lvl6pPr marL="2514600" indent="-228600" algn="l" defTabSz="914400" rtl="0" eaLnBrk="1" latinLnBrk="0" hangingPunct="1">
-              <a:lnSpc>
-                <a:spcPct val="90000"/>
-              </a:lnSpc>
-              <a:spcBef>
-                <a:spcPts val="500"/>
-              </a:spcBef>
-              <a:buFont typeface="Arial" panose="020B0604020202020204" pitchFamily="34" charset="0"/>
-              <a:buChar char="•"/>
-              <a:defRPr sz="1800" kern="1200">
-                <a:solidFill>
-                  <a:schemeClr val="tx1"/>
-                </a:solidFill>
-                <a:latin typeface="+mn-lt"/>
-                <a:ea typeface="+mn-ea"/>
-                <a:cs typeface="+mn-cs"/>
-              </a:defRPr>
-            </a:lvl6pPr>
-            <a:lvl7pPr marL="2971800" indent="-228600" algn="l" defTabSz="914400" rtl="0" eaLnBrk="1" latinLnBrk="0" hangingPunct="1">
-              <a:lnSpc>
-                <a:spcPct val="90000"/>
-              </a:lnSpc>
-              <a:spcBef>
-                <a:spcPts val="500"/>
-              </a:spcBef>
-              <a:buFont typeface="Arial" panose="020B0604020202020204" pitchFamily="34" charset="0"/>
-              <a:buChar char="•"/>
-              <a:defRPr sz="1800" kern="1200">
-                <a:solidFill>
-                  <a:schemeClr val="tx1"/>
-                </a:solidFill>
-                <a:latin typeface="+mn-lt"/>
-                <a:ea typeface="+mn-ea"/>
-                <a:cs typeface="+mn-cs"/>
-              </a:defRPr>
-            </a:lvl7pPr>
-            <a:lvl8pPr marL="3429000" indent="-228600" algn="l" defTabSz="914400" rtl="0" eaLnBrk="1" latinLnBrk="0" hangingPunct="1">
-              <a:lnSpc>
-                <a:spcPct val="90000"/>
-              </a:lnSpc>
-              <a:spcBef>
-                <a:spcPts val="500"/>
-              </a:spcBef>
-              <a:buFont typeface="Arial" panose="020B0604020202020204" pitchFamily="34" charset="0"/>
-              <a:buChar char="•"/>
-              <a:defRPr sz="1800" kern="1200">
-                <a:solidFill>
-                  <a:schemeClr val="tx1"/>
-                </a:solidFill>
-                <a:latin typeface="+mn-lt"/>
-                <a:ea typeface="+mn-ea"/>
-                <a:cs typeface="+mn-cs"/>
-              </a:defRPr>
-            </a:lvl8pPr>
-            <a:lvl9pPr marL="3886200" indent="-228600" algn="l" defTabSz="914400" rtl="0" eaLnBrk="1" latinLnBrk="0" hangingPunct="1">
-              <a:lnSpc>
-                <a:spcPct val="90000"/>
-              </a:lnSpc>
-              <a:spcBef>
-                <a:spcPts val="500"/>
-              </a:spcBef>
-              <a:buFont typeface="Arial" panose="020B0604020202020204" pitchFamily="34" charset="0"/>
-              <a:buChar char="•"/>
-              <a:defRPr sz="1800" kern="1200">
-                <a:solidFill>
-                  <a:schemeClr val="tx1"/>
-                </a:solidFill>
-                <a:latin typeface="+mn-lt"/>
-                <a:ea typeface="+mn-ea"/>
-                <a:cs typeface="+mn-cs"/>
-              </a:defRPr>
-            </a:lvl9pPr>
-          </a:lstStyle>
-          <a:p>
-            <a:pPr marL="0" indent="0">
-              <a:buNone/>
-            </a:pPr>
-            <a:r>
-              <a:rPr lang="nb-NO" sz="2100" dirty="0"/>
-              <a:t>cleanup</a:t>
-            </a:r>
-            <a:endParaRPr lang="en-US" sz="2100" dirty="0"/>
-          </a:p>
-          <a:p>
-            <a:pPr marL="0" indent="0">
-              <a:buNone/>
-            </a:pPr>
-            <a:endParaRPr lang="en-US" sz="2100" dirty="0"/>
-          </a:p>
-        </p:txBody>
-      </p:sp>
-    </p:spTree>
-    <p:extLst>
-      <p:ext uri="{BB962C8B-B14F-4D97-AF65-F5344CB8AC3E}">
-        <p14:creationId xmlns:p14="http://schemas.microsoft.com/office/powerpoint/2010/main" val="3135101398"/>
-      </p:ext>
-    </p:extLst>
-  </p:cSld>
-  <p:clrMapOvr>
-    <a:masterClrMapping/>
-  </p:clrMapOvr>
-  <p:timing>
-    <p:tnLst>
-      <p:par>
-        <p:cTn id="1" dur="indefinite" restart="never" nodeType="tmRoot">
-          <p:childTnLst>
-            <p:seq concurrent="1" nextAc="seek">
-              <p:cTn id="2" dur="indefinite" nodeType="mainSeq">
-                <p:childTnLst>
-                  <p:par>
-                    <p:cTn id="3" fill="hold">
-                      <p:stCondLst>
-                        <p:cond delay="indefinite"/>
-                      </p:stCondLst>
-                      <p:childTnLst>
-                        <p:par>
-                          <p:cTn id="4" fill="hold">
-                            <p:stCondLst>
-                              <p:cond delay="0"/>
-                            </p:stCondLst>
-                            <p:childTnLst>
-                              <p:par>
-                                <p:cTn id="5" presetID="1" presetClass="entr" presetSubtype="0" fill="hold" grpId="0" nodeType="clickEffect">
-                                  <p:stCondLst>
-                                    <p:cond delay="0"/>
-                                  </p:stCondLst>
-                                  <p:childTnLst>
-                                    <p:set>
-                                      <p:cBhvr>
-                                        <p:cTn id="6" dur="1" fill="hold">
-                                          <p:stCondLst>
-                                            <p:cond delay="0"/>
-                                          </p:stCondLst>
-                                        </p:cTn>
-                                        <p:tgtEl>
-                                          <p:spTgt spid="23">
-                                            <p:txEl>
-                                              <p:pRg st="0" end="0"/>
-                                            </p:txEl>
-                                          </p:spTgt>
-                                        </p:tgtEl>
-                                        <p:attrNameLst>
-                                          <p:attrName>style.visibility</p:attrName>
-                                        </p:attrNameLst>
-                                      </p:cBhvr>
-                                      <p:to>
-                                        <p:strVal val="visible"/>
-                                      </p:to>
-                                    </p:set>
-                                  </p:childTnLst>
-                                </p:cTn>
-                              </p:par>
-                              <p:par>
-                                <p:cTn id="7" presetID="1" presetClass="entr" presetSubtype="0" fill="hold" nodeType="withEffect">
-                                  <p:stCondLst>
-                                    <p:cond delay="0"/>
-                                  </p:stCondLst>
-                                  <p:childTnLst>
-                                    <p:set>
-                                      <p:cBhvr>
-                                        <p:cTn id="8" dur="1" fill="hold">
-                                          <p:stCondLst>
-                                            <p:cond delay="0"/>
-                                          </p:stCondLst>
-                                        </p:cTn>
-                                        <p:tgtEl>
-                                          <p:spTgt spid="11"/>
-                                        </p:tgtEl>
-                                        <p:attrNameLst>
-                                          <p:attrName>style.visibility</p:attrName>
-                                        </p:attrNameLst>
-                                      </p:cBhvr>
-                                      <p:to>
-                                        <p:strVal val="visible"/>
-                                      </p:to>
-                                    </p:set>
-                                  </p:childTnLst>
-                                </p:cTn>
-                              </p:par>
-                            </p:childTnLst>
-                          </p:cTn>
-                        </p:par>
-                      </p:childTnLst>
-                    </p:cTn>
-                  </p:par>
-                  <p:par>
-                    <p:cTn id="9" fill="hold">
-                      <p:stCondLst>
-                        <p:cond delay="indefinite"/>
-                      </p:stCondLst>
-                      <p:childTnLst>
-                        <p:par>
-                          <p:cTn id="10" fill="hold">
-                            <p:stCondLst>
-                              <p:cond delay="0"/>
-                            </p:stCondLst>
-                            <p:childTnLst>
-                              <p:par>
-                                <p:cTn id="11" presetID="1" presetClass="entr" presetSubtype="0" fill="hold" grpId="0" nodeType="clickEffect">
-                                  <p:stCondLst>
-                                    <p:cond delay="0"/>
-                                  </p:stCondLst>
-                                  <p:childTnLst>
-                                    <p:set>
-                                      <p:cBhvr>
-                                        <p:cTn id="12" dur="1" fill="hold">
-                                          <p:stCondLst>
-                                            <p:cond delay="0"/>
-                                          </p:stCondLst>
-                                        </p:cTn>
-                                        <p:tgtEl>
-                                          <p:spTgt spid="16"/>
-                                        </p:tgtEl>
-                                        <p:attrNameLst>
-                                          <p:attrName>style.visibility</p:attrName>
-                                        </p:attrNameLst>
-                                      </p:cBhvr>
-                                      <p:to>
-                                        <p:strVal val="visible"/>
-                                      </p:to>
-                                    </p:set>
-                                  </p:childTnLst>
-                                </p:cTn>
-                              </p:par>
-                              <p:par>
-                                <p:cTn id="13" presetID="1" presetClass="entr" presetSubtype="0" fill="hold" nodeType="withEffect">
-                                  <p:stCondLst>
-                                    <p:cond delay="0"/>
-                                  </p:stCondLst>
-                                  <p:childTnLst>
-                                    <p:set>
-                                      <p:cBhvr>
-                                        <p:cTn id="14" dur="1" fill="hold">
-                                          <p:stCondLst>
-                                            <p:cond delay="0"/>
-                                          </p:stCondLst>
-                                        </p:cTn>
-                                        <p:tgtEl>
-                                          <p:spTgt spid="21"/>
-                                        </p:tgtEl>
-                                        <p:attrNameLst>
-                                          <p:attrName>style.visibility</p:attrName>
-                                        </p:attrNameLst>
-                                      </p:cBhvr>
-                                      <p:to>
-                                        <p:strVal val="visible"/>
-                                      </p:to>
-                                    </p:set>
-                                  </p:childTnLst>
-                                </p:cTn>
-                              </p:par>
-                            </p:childTnLst>
-                          </p:cTn>
-                        </p:par>
-                      </p:childTnLst>
-                    </p:cTn>
-                  </p:par>
-                  <p:par>
-                    <p:cTn id="15" fill="hold">
-                      <p:stCondLst>
-                        <p:cond delay="indefinite"/>
-                      </p:stCondLst>
-                      <p:childTnLst>
-                        <p:par>
-                          <p:cTn id="16" fill="hold">
-                            <p:stCondLst>
-                              <p:cond delay="0"/>
-                            </p:stCondLst>
-                            <p:childTnLst>
-                              <p:par>
-                                <p:cTn id="17" presetID="1" presetClass="entr" presetSubtype="0" fill="hold" grpId="0" nodeType="clickEffect">
-                                  <p:stCondLst>
-                                    <p:cond delay="0"/>
-                                  </p:stCondLst>
-                                  <p:childTnLst>
-                                    <p:set>
-                                      <p:cBhvr>
-                                        <p:cTn id="18" dur="1" fill="hold">
-                                          <p:stCondLst>
-                                            <p:cond delay="0"/>
-                                          </p:stCondLst>
-                                        </p:cTn>
-                                        <p:tgtEl>
-                                          <p:spTgt spid="24"/>
-                                        </p:tgtEl>
-                                        <p:attrNameLst>
-                                          <p:attrName>style.visibility</p:attrName>
-                                        </p:attrNameLst>
-                                      </p:cBhvr>
-                                      <p:to>
-                                        <p:strVal val="visible"/>
-                                      </p:to>
-                                    </p:set>
-                                  </p:childTnLst>
-                                </p:cTn>
-                              </p:par>
-                            </p:childTnLst>
-                          </p:cTn>
-                        </p:par>
-                      </p:childTnLst>
-                    </p:cTn>
-                  </p:par>
-                  <p:par>
-                    <p:cTn id="19" fill="hold">
-                      <p:stCondLst>
-                        <p:cond delay="indefinite"/>
-                      </p:stCondLst>
-                      <p:childTnLst>
-                        <p:par>
-                          <p:cTn id="20" fill="hold">
-                            <p:stCondLst>
-                              <p:cond delay="0"/>
-                            </p:stCondLst>
-                            <p:childTnLst>
-                              <p:par>
-                                <p:cTn id="21" presetID="1" presetClass="entr" presetSubtype="0" fill="hold" grpId="0" nodeType="clickEffect">
-                                  <p:stCondLst>
-                                    <p:cond delay="0"/>
-                                  </p:stCondLst>
-                                  <p:childTnLst>
-                                    <p:set>
-                                      <p:cBhvr>
-                                        <p:cTn id="22" dur="1" fill="hold">
-                                          <p:stCondLst>
-                                            <p:cond delay="0"/>
-                                          </p:stCondLst>
-                                        </p:cTn>
-                                        <p:tgtEl>
-                                          <p:spTgt spid="17"/>
-                                        </p:tgtEl>
-                                        <p:attrNameLst>
-                                          <p:attrName>style.visibility</p:attrName>
-                                        </p:attrNameLst>
-                                      </p:cBhvr>
-                                      <p:to>
-                                        <p:strVal val="visible"/>
-                                      </p:to>
-                                    </p:set>
-                                  </p:childTnLst>
-                                </p:cTn>
-                              </p:par>
-                              <p:par>
-                                <p:cTn id="23" presetID="1" presetClass="entr" presetSubtype="0" fill="hold" nodeType="withEffect">
-                                  <p:stCondLst>
-                                    <p:cond delay="0"/>
-                                  </p:stCondLst>
-                                  <p:childTnLst>
-                                    <p:set>
-                                      <p:cBhvr>
-                                        <p:cTn id="24" dur="1" fill="hold">
-                                          <p:stCondLst>
-                                            <p:cond delay="0"/>
-                                          </p:stCondLst>
-                                        </p:cTn>
-                                        <p:tgtEl>
-                                          <p:spTgt spid="20"/>
-                                        </p:tgtEl>
-                                        <p:attrNameLst>
-                                          <p:attrName>style.visibility</p:attrName>
-                                        </p:attrNameLst>
-                                      </p:cBhvr>
-                                      <p:to>
-                                        <p:strVal val="visible"/>
-                                      </p:to>
-                                    </p:set>
-                                  </p:childTnLst>
-                                </p:cTn>
-                              </p:par>
-                            </p:childTnLst>
-                          </p:cTn>
-                        </p:par>
-                      </p:childTnLst>
-                    </p:cTn>
-                  </p:par>
-                  <p:par>
-                    <p:cTn id="25" fill="hold">
-                      <p:stCondLst>
-                        <p:cond delay="indefinite"/>
-                      </p:stCondLst>
-                      <p:childTnLst>
-                        <p:par>
-                          <p:cTn id="26" fill="hold">
-                            <p:stCondLst>
-                              <p:cond delay="0"/>
-                            </p:stCondLst>
-                            <p:childTnLst>
-                              <p:par>
-                                <p:cTn id="27" presetID="1" presetClass="entr" presetSubtype="0" fill="hold" grpId="0" nodeType="clickEffect">
-                                  <p:stCondLst>
-                                    <p:cond delay="0"/>
-                                  </p:stCondLst>
-                                  <p:childTnLst>
-                                    <p:set>
-                                      <p:cBhvr>
-                                        <p:cTn id="28" dur="1" fill="hold">
-                                          <p:stCondLst>
-                                            <p:cond delay="0"/>
-                                          </p:stCondLst>
-                                        </p:cTn>
-                                        <p:tgtEl>
-                                          <p:spTgt spid="25"/>
-                                        </p:tgtEl>
-                                        <p:attrNameLst>
-                                          <p:attrName>style.visibility</p:attrName>
-                                        </p:attrNameLst>
-                                      </p:cBhvr>
-                                      <p:to>
-                                        <p:strVal val="visible"/>
-                                      </p:to>
-                                    </p:set>
-                                  </p:childTnLst>
-                                </p:cTn>
-                              </p:par>
-                              <p:par>
-                                <p:cTn id="29" presetID="1" presetClass="entr" presetSubtype="0" fill="hold" nodeType="withEffect">
-                                  <p:stCondLst>
-                                    <p:cond delay="0"/>
-                                  </p:stCondLst>
-                                  <p:childTnLst>
-                                    <p:set>
-                                      <p:cBhvr>
-                                        <p:cTn id="30" dur="1" fill="hold">
-                                          <p:stCondLst>
-                                            <p:cond delay="0"/>
-                                          </p:stCondLst>
-                                        </p:cTn>
-                                        <p:tgtEl>
-                                          <p:spTgt spid="22"/>
-                                        </p:tgtEl>
-                                        <p:attrNameLst>
-                                          <p:attrName>style.visibility</p:attrName>
-                                        </p:attrNameLst>
-                                      </p:cBhvr>
-                                      <p:to>
-                                        <p:strVal val="visible"/>
-                                      </p:to>
-                                    </p:set>
-                                  </p:childTnLst>
-                                </p:cTn>
-                              </p:par>
-                            </p:childTnLst>
-                          </p:cTn>
-                        </p:par>
-                      </p:childTnLst>
-                    </p:cTn>
-                  </p:par>
-                </p:childTnLst>
-              </p:cTn>
-              <p:prevCondLst>
-                <p:cond evt="onPrev" delay="0">
-                  <p:tgtEl>
-                    <p:sldTgt/>
-                  </p:tgtEl>
-                </p:cond>
-              </p:prevCondLst>
-              <p:nextCondLst>
-                <p:cond evt="onNext" delay="0">
-                  <p:tgtEl>
-                    <p:sldTgt/>
-                  </p:tgtEl>
-                </p:cond>
-              </p:nextCondLst>
-            </p:seq>
-          </p:childTnLst>
-        </p:cTn>
-      </p:par>
-    </p:tnLst>
-    <p:bldLst>
-      <p:bldP spid="23" grpId="0" build="p"/>
-      <p:bldP spid="16" grpId="0"/>
-      <p:bldP spid="17" grpId="0"/>
-      <p:bldP spid="24" grpId="0"/>
-      <p:bldP spid="25" grpId="0"/>
-    </p:bldLst>
-  </p:timing>
-</p:sld>
-</file>
-
-<file path=ppt/slides/slide11.xml><?xml version="1.0" encoding="utf-8"?>
 <p:sld xmlns:a="http://schemas.openxmlformats.org/drawingml/2006/main" xmlns:r="http://schemas.openxmlformats.org/officeDocument/2006/relationships" xmlns:p="http://schemas.openxmlformats.org/presentationml/2006/main">
   <p:cSld>
     <p:spTree>
@@ -12341,7 +10675,7 @@
 </p:sld>
 </file>
 
-<file path=ppt/slides/slide12.xml><?xml version="1.0" encoding="utf-8"?>
+<file path=ppt/slides/slide11.xml><?xml version="1.0" encoding="utf-8"?>
 <p:sld xmlns:a="http://schemas.openxmlformats.org/drawingml/2006/main" xmlns:r="http://schemas.openxmlformats.org/officeDocument/2006/relationships" xmlns:p="http://schemas.openxmlformats.org/presentationml/2006/main">
   <p:cSld>
     <p:spTree>
@@ -12583,7 +10917,7 @@
 </p:sld>
 </file>
 
-<file path=ppt/slides/slide13.xml><?xml version="1.0" encoding="utf-8"?>
+<file path=ppt/slides/slide12.xml><?xml version="1.0" encoding="utf-8"?>
 <p:sld xmlns:a="http://schemas.openxmlformats.org/drawingml/2006/main" xmlns:r="http://schemas.openxmlformats.org/officeDocument/2006/relationships" xmlns:p="http://schemas.openxmlformats.org/presentationml/2006/main">
   <p:cSld>
     <p:spTree>
@@ -12801,7 +11135,7 @@
 </p:sld>
 </file>
 
-<file path=ppt/slides/slide14.xml><?xml version="1.0" encoding="utf-8"?>
+<file path=ppt/slides/slide13.xml><?xml version="1.0" encoding="utf-8"?>
 <p:sld xmlns:a="http://schemas.openxmlformats.org/drawingml/2006/main" xmlns:r="http://schemas.openxmlformats.org/officeDocument/2006/relationships" xmlns:p="http://schemas.openxmlformats.org/presentationml/2006/main">
   <p:cSld>
     <p:spTree>
@@ -14674,7 +13008,7 @@
 </p:sld>
 </file>
 
-<file path=ppt/slides/slide15.xml><?xml version="1.0" encoding="utf-8"?>
+<file path=ppt/slides/slide14.xml><?xml version="1.0" encoding="utf-8"?>
 <p:sld xmlns:a="http://schemas.openxmlformats.org/drawingml/2006/main" xmlns:r="http://schemas.openxmlformats.org/officeDocument/2006/relationships" xmlns:p="http://schemas.openxmlformats.org/presentationml/2006/main">
   <p:cSld>
     <p:spTree>
@@ -16591,7 +14925,7 @@
 </p:sld>
 </file>
 
-<file path=ppt/slides/slide16.xml><?xml version="1.0" encoding="utf-8"?>
+<file path=ppt/slides/slide15.xml><?xml version="1.0" encoding="utf-8"?>
 <p:sld xmlns:a="http://schemas.openxmlformats.org/drawingml/2006/main" xmlns:r="http://schemas.openxmlformats.org/officeDocument/2006/relationships" xmlns:p="http://schemas.openxmlformats.org/presentationml/2006/main">
   <p:cSld>
     <p:spTree>
@@ -16807,7 +15141,7 @@
 </p:sld>
 </file>
 
-<file path=ppt/slides/slide17.xml><?xml version="1.0" encoding="utf-8"?>
+<file path=ppt/slides/slide16.xml><?xml version="1.0" encoding="utf-8"?>
 <p:sld xmlns:a="http://schemas.openxmlformats.org/drawingml/2006/main" xmlns:r="http://schemas.openxmlformats.org/officeDocument/2006/relationships" xmlns:p="http://schemas.openxmlformats.org/presentationml/2006/main">
   <p:cSld>
     <p:spTree>
@@ -17013,7 +15347,7 @@
 </p:sld>
 </file>
 
-<file path=ppt/slides/slide18.xml><?xml version="1.0" encoding="utf-8"?>
+<file path=ppt/slides/slide17.xml><?xml version="1.0" encoding="utf-8"?>
 <p:sld xmlns:a="http://schemas.openxmlformats.org/drawingml/2006/main" xmlns:r="http://schemas.openxmlformats.org/officeDocument/2006/relationships" xmlns:p="http://schemas.openxmlformats.org/presentationml/2006/main">
   <p:cSld>
     <p:spTree>
@@ -17159,7 +15493,7 @@
 </p:sld>
 </file>
 
-<file path=ppt/slides/slide19.xml><?xml version="1.0" encoding="utf-8"?>
+<file path=ppt/slides/slide18.xml><?xml version="1.0" encoding="utf-8"?>
 <p:sld xmlns:a="http://schemas.openxmlformats.org/drawingml/2006/main" xmlns:r="http://schemas.openxmlformats.org/officeDocument/2006/relationships" xmlns:p="http://schemas.openxmlformats.org/presentationml/2006/main">
   <p:cSld>
     <p:spTree>
@@ -17826,236 +16160,7 @@
 </p:sld>
 </file>
 
-<file path=ppt/slides/slide2.xml><?xml version="1.0" encoding="utf-8"?>
-<p:sld xmlns:a="http://schemas.openxmlformats.org/drawingml/2006/main" xmlns:r="http://schemas.openxmlformats.org/officeDocument/2006/relationships" xmlns:p="http://schemas.openxmlformats.org/presentationml/2006/main">
-  <p:cSld>
-    <p:spTree>
-      <p:nvGrpSpPr>
-        <p:cNvPr id="1" name="Shape 60"/>
-        <p:cNvGrpSpPr/>
-        <p:nvPr/>
-      </p:nvGrpSpPr>
-      <p:grpSpPr>
-        <a:xfrm>
-          <a:off x="0" y="0"/>
-          <a:ext cx="0" cy="0"/>
-          <a:chOff x="0" y="0"/>
-          <a:chExt cx="0" cy="0"/>
-        </a:xfrm>
-      </p:grpSpPr>
-      <p:sp>
-        <p:nvSpPr>
-          <p:cNvPr id="61" name="Google Shape;61;p14"/>
-          <p:cNvSpPr txBox="1">
-            <a:spLocks noGrp="1"/>
-          </p:cNvSpPr>
-          <p:nvPr>
-            <p:ph type="title"/>
-          </p:nvPr>
-        </p:nvSpPr>
-        <p:spPr>
-          <a:xfrm>
-            <a:off x="311700" y="445025"/>
-            <a:ext cx="8520600" cy="572700"/>
-          </a:xfrm>
-          <a:prstGeom prst="rect">
-            <a:avLst/>
-          </a:prstGeom>
-        </p:spPr>
-        <p:txBody>
-          <a:bodyPr spcFirstLastPara="1" wrap="square" lIns="91425" tIns="91425" rIns="91425" bIns="91425" anchor="t" anchorCtr="0">
-            <a:noAutofit/>
-          </a:bodyPr>
-          <a:lstStyle/>
-          <a:p>
-            <a:pPr marL="0" lvl="0" indent="0" algn="l" rtl="0">
-              <a:spcBef>
-                <a:spcPts val="0"/>
-              </a:spcBef>
-              <a:spcAft>
-                <a:spcPts val="0"/>
-              </a:spcAft>
-              <a:buNone/>
-            </a:pPr>
-            <a:r>
-              <a:rPr lang="en"/>
-              <a:t>Agenda</a:t>
-            </a:r>
-            <a:endParaRPr/>
-          </a:p>
-        </p:txBody>
-      </p:sp>
-      <p:sp>
-        <p:nvSpPr>
-          <p:cNvPr id="62" name="Google Shape;62;p14"/>
-          <p:cNvSpPr txBox="1">
-            <a:spLocks noGrp="1"/>
-          </p:cNvSpPr>
-          <p:nvPr>
-            <p:ph type="body" idx="1"/>
-          </p:nvPr>
-        </p:nvSpPr>
-        <p:spPr>
-          <a:xfrm>
-            <a:off x="311700" y="1152475"/>
-            <a:ext cx="8520600" cy="3416400"/>
-          </a:xfrm>
-          <a:prstGeom prst="rect">
-            <a:avLst/>
-          </a:prstGeom>
-        </p:spPr>
-        <p:txBody>
-          <a:bodyPr spcFirstLastPara="1" wrap="square" lIns="91425" tIns="91425" rIns="91425" bIns="91425" anchor="t" anchorCtr="0">
-            <a:noAutofit/>
-          </a:bodyPr>
-          <a:lstStyle/>
-          <a:p>
-            <a:pPr marL="0" lvl="0" indent="0" algn="l" rtl="0">
-              <a:spcBef>
-                <a:spcPts val="0"/>
-              </a:spcBef>
-              <a:spcAft>
-                <a:spcPts val="0"/>
-              </a:spcAft>
-              <a:buNone/>
-            </a:pPr>
-            <a:r>
-              <a:rPr lang="en" dirty="0"/>
-              <a:t>17:05 – </a:t>
-            </a:r>
-            <a:r>
-              <a:rPr lang="nb-NO" dirty="0"/>
-              <a:t>start</a:t>
-            </a:r>
-          </a:p>
-          <a:p>
-            <a:pPr marL="0" lvl="0" indent="0" algn="l" rtl="0">
-              <a:spcBef>
-                <a:spcPts val="0"/>
-              </a:spcBef>
-              <a:spcAft>
-                <a:spcPts val="0"/>
-              </a:spcAft>
-              <a:buNone/>
-            </a:pPr>
-            <a:endParaRPr lang="nb-NO" dirty="0"/>
-          </a:p>
-          <a:p>
-            <a:pPr marL="285750" indent="-285750"/>
-            <a:r>
-              <a:rPr lang="nb-NO" dirty="0"/>
-              <a:t>W</a:t>
-            </a:r>
-            <a:r>
-              <a:rPr lang="en" dirty="0"/>
-              <a:t>elcome </a:t>
-            </a:r>
-            <a:endParaRPr lang="ru-RU" dirty="0"/>
-          </a:p>
-          <a:p>
-            <a:pPr marL="285750" indent="-285750"/>
-            <a:endParaRPr lang="ru-RU" dirty="0"/>
-          </a:p>
-          <a:p>
-            <a:pPr marL="285750" indent="-285750"/>
-            <a:r>
-              <a:rPr lang="en" dirty="0"/>
-              <a:t>Microsoft Azure Badges</a:t>
-            </a:r>
-            <a:endParaRPr lang="ru-RU" dirty="0"/>
-          </a:p>
-          <a:p>
-            <a:pPr marL="285750" indent="-285750"/>
-            <a:endParaRPr lang="ru-RU" dirty="0"/>
-          </a:p>
-          <a:p>
-            <a:pPr marL="285750" indent="-285750"/>
-            <a:r>
-              <a:rPr lang="nb-NO" dirty="0"/>
-              <a:t>Practical info </a:t>
-            </a:r>
-            <a:endParaRPr lang="en" dirty="0"/>
-          </a:p>
-          <a:p>
-            <a:pPr marL="285750" indent="-285750">
-              <a:spcBef>
-                <a:spcPts val="1600"/>
-              </a:spcBef>
-            </a:pPr>
-            <a:r>
-              <a:rPr lang="nb-NO" dirty="0"/>
-              <a:t>Start workshop</a:t>
-            </a:r>
-            <a:endParaRPr dirty="0"/>
-          </a:p>
-          <a:p>
-            <a:pPr marL="0" lvl="0" indent="0" algn="l" rtl="0">
-              <a:spcBef>
-                <a:spcPts val="1600"/>
-              </a:spcBef>
-              <a:spcAft>
-                <a:spcPts val="0"/>
-              </a:spcAft>
-              <a:buClr>
-                <a:schemeClr val="dk1"/>
-              </a:buClr>
-              <a:buSzPts val="1100"/>
-              <a:buFont typeface="Arial"/>
-              <a:buNone/>
-            </a:pPr>
-            <a:endParaRPr dirty="0"/>
-          </a:p>
-          <a:p>
-            <a:pPr marL="0" lvl="0" indent="0" algn="l" rtl="0">
-              <a:spcBef>
-                <a:spcPts val="1600"/>
-              </a:spcBef>
-              <a:spcAft>
-                <a:spcPts val="1600"/>
-              </a:spcAft>
-              <a:buNone/>
-            </a:pPr>
-            <a:endParaRPr dirty="0"/>
-          </a:p>
-        </p:txBody>
-      </p:sp>
-      <p:pic>
-        <p:nvPicPr>
-          <p:cNvPr id="63" name="Google Shape;63;p14"/>
-          <p:cNvPicPr preferRelativeResize="0"/>
-          <p:nvPr/>
-        </p:nvPicPr>
-        <p:blipFill>
-          <a:blip r:embed="rId3">
-            <a:alphaModFix/>
-          </a:blip>
-          <a:stretch>
-            <a:fillRect/>
-          </a:stretch>
-        </p:blipFill>
-        <p:spPr>
-          <a:xfrm>
-            <a:off x="7991525" y="0"/>
-            <a:ext cx="1152475" cy="1152475"/>
-          </a:xfrm>
-          <a:prstGeom prst="rect">
-            <a:avLst/>
-          </a:prstGeom>
-          <a:noFill/>
-          <a:ln>
-            <a:noFill/>
-          </a:ln>
-        </p:spPr>
-      </p:pic>
-    </p:spTree>
-  </p:cSld>
-  <p:clrMapOvr>
-    <a:masterClrMapping/>
-  </p:clrMapOvr>
-</p:sld>
-</file>
-
-<file path=ppt/slides/slide20.xml><?xml version="1.0" encoding="utf-8"?>
+<file path=ppt/slides/slide19.xml><?xml version="1.0" encoding="utf-8"?>
 <p:sld xmlns:a="http://schemas.openxmlformats.org/drawingml/2006/main" xmlns:r="http://schemas.openxmlformats.org/officeDocument/2006/relationships" xmlns:p="http://schemas.openxmlformats.org/presentationml/2006/main">
   <p:cSld>
     <p:spTree>
@@ -19048,7 +17153,236 @@
 </p:sld>
 </file>
 
-<file path=ppt/slides/slide21.xml><?xml version="1.0" encoding="utf-8"?>
+<file path=ppt/slides/slide2.xml><?xml version="1.0" encoding="utf-8"?>
+<p:sld xmlns:a="http://schemas.openxmlformats.org/drawingml/2006/main" xmlns:r="http://schemas.openxmlformats.org/officeDocument/2006/relationships" xmlns:p="http://schemas.openxmlformats.org/presentationml/2006/main">
+  <p:cSld>
+    <p:spTree>
+      <p:nvGrpSpPr>
+        <p:cNvPr id="1" name="Shape 60"/>
+        <p:cNvGrpSpPr/>
+        <p:nvPr/>
+      </p:nvGrpSpPr>
+      <p:grpSpPr>
+        <a:xfrm>
+          <a:off x="0" y="0"/>
+          <a:ext cx="0" cy="0"/>
+          <a:chOff x="0" y="0"/>
+          <a:chExt cx="0" cy="0"/>
+        </a:xfrm>
+      </p:grpSpPr>
+      <p:sp>
+        <p:nvSpPr>
+          <p:cNvPr id="61" name="Google Shape;61;p14"/>
+          <p:cNvSpPr txBox="1">
+            <a:spLocks noGrp="1"/>
+          </p:cNvSpPr>
+          <p:nvPr>
+            <p:ph type="title"/>
+          </p:nvPr>
+        </p:nvSpPr>
+        <p:spPr>
+          <a:xfrm>
+            <a:off x="311700" y="445025"/>
+            <a:ext cx="8520600" cy="572700"/>
+          </a:xfrm>
+          <a:prstGeom prst="rect">
+            <a:avLst/>
+          </a:prstGeom>
+        </p:spPr>
+        <p:txBody>
+          <a:bodyPr spcFirstLastPara="1" wrap="square" lIns="91425" tIns="91425" rIns="91425" bIns="91425" anchor="t" anchorCtr="0">
+            <a:noAutofit/>
+          </a:bodyPr>
+          <a:lstStyle/>
+          <a:p>
+            <a:pPr marL="0" lvl="0" indent="0" algn="l" rtl="0">
+              <a:spcBef>
+                <a:spcPts val="0"/>
+              </a:spcBef>
+              <a:spcAft>
+                <a:spcPts val="0"/>
+              </a:spcAft>
+              <a:buNone/>
+            </a:pPr>
+            <a:r>
+              <a:rPr lang="en"/>
+              <a:t>Agenda</a:t>
+            </a:r>
+            <a:endParaRPr/>
+          </a:p>
+        </p:txBody>
+      </p:sp>
+      <p:sp>
+        <p:nvSpPr>
+          <p:cNvPr id="62" name="Google Shape;62;p14"/>
+          <p:cNvSpPr txBox="1">
+            <a:spLocks noGrp="1"/>
+          </p:cNvSpPr>
+          <p:nvPr>
+            <p:ph type="body" idx="1"/>
+          </p:nvPr>
+        </p:nvSpPr>
+        <p:spPr>
+          <a:xfrm>
+            <a:off x="311700" y="1152475"/>
+            <a:ext cx="8520600" cy="3416400"/>
+          </a:xfrm>
+          <a:prstGeom prst="rect">
+            <a:avLst/>
+          </a:prstGeom>
+        </p:spPr>
+        <p:txBody>
+          <a:bodyPr spcFirstLastPara="1" wrap="square" lIns="91425" tIns="91425" rIns="91425" bIns="91425" anchor="t" anchorCtr="0">
+            <a:noAutofit/>
+          </a:bodyPr>
+          <a:lstStyle/>
+          <a:p>
+            <a:pPr marL="0" lvl="0" indent="0" algn="l" rtl="0">
+              <a:spcBef>
+                <a:spcPts val="0"/>
+              </a:spcBef>
+              <a:spcAft>
+                <a:spcPts val="0"/>
+              </a:spcAft>
+              <a:buNone/>
+            </a:pPr>
+            <a:r>
+              <a:rPr lang="en" dirty="0"/>
+              <a:t>17:05 – </a:t>
+            </a:r>
+            <a:r>
+              <a:rPr lang="nb-NO" dirty="0"/>
+              <a:t>start</a:t>
+            </a:r>
+          </a:p>
+          <a:p>
+            <a:pPr marL="0" lvl="0" indent="0" algn="l" rtl="0">
+              <a:spcBef>
+                <a:spcPts val="0"/>
+              </a:spcBef>
+              <a:spcAft>
+                <a:spcPts val="0"/>
+              </a:spcAft>
+              <a:buNone/>
+            </a:pPr>
+            <a:endParaRPr lang="nb-NO" dirty="0"/>
+          </a:p>
+          <a:p>
+            <a:pPr marL="285750" indent="-285750"/>
+            <a:r>
+              <a:rPr lang="nb-NO" dirty="0"/>
+              <a:t>W</a:t>
+            </a:r>
+            <a:r>
+              <a:rPr lang="en" dirty="0"/>
+              <a:t>elcome </a:t>
+            </a:r>
+            <a:endParaRPr lang="ru-RU" dirty="0"/>
+          </a:p>
+          <a:p>
+            <a:pPr marL="285750" indent="-285750"/>
+            <a:endParaRPr lang="ru-RU" dirty="0"/>
+          </a:p>
+          <a:p>
+            <a:pPr marL="285750" indent="-285750"/>
+            <a:r>
+              <a:rPr lang="en" dirty="0"/>
+              <a:t>Microsoft Azure Badges</a:t>
+            </a:r>
+            <a:endParaRPr lang="ru-RU" dirty="0"/>
+          </a:p>
+          <a:p>
+            <a:pPr marL="285750" indent="-285750"/>
+            <a:endParaRPr lang="ru-RU" dirty="0"/>
+          </a:p>
+          <a:p>
+            <a:pPr marL="285750" indent="-285750"/>
+            <a:r>
+              <a:rPr lang="nb-NO" dirty="0"/>
+              <a:t>Practical info </a:t>
+            </a:r>
+            <a:endParaRPr lang="en" dirty="0"/>
+          </a:p>
+          <a:p>
+            <a:pPr marL="285750" indent="-285750">
+              <a:spcBef>
+                <a:spcPts val="1600"/>
+              </a:spcBef>
+            </a:pPr>
+            <a:r>
+              <a:rPr lang="nb-NO" dirty="0"/>
+              <a:t>Start workshop</a:t>
+            </a:r>
+            <a:endParaRPr dirty="0"/>
+          </a:p>
+          <a:p>
+            <a:pPr marL="0" lvl="0" indent="0" algn="l" rtl="0">
+              <a:spcBef>
+                <a:spcPts val="1600"/>
+              </a:spcBef>
+              <a:spcAft>
+                <a:spcPts val="0"/>
+              </a:spcAft>
+              <a:buClr>
+                <a:schemeClr val="dk1"/>
+              </a:buClr>
+              <a:buSzPts val="1100"/>
+              <a:buFont typeface="Arial"/>
+              <a:buNone/>
+            </a:pPr>
+            <a:endParaRPr dirty="0"/>
+          </a:p>
+          <a:p>
+            <a:pPr marL="0" lvl="0" indent="0" algn="l" rtl="0">
+              <a:spcBef>
+                <a:spcPts val="1600"/>
+              </a:spcBef>
+              <a:spcAft>
+                <a:spcPts val="1600"/>
+              </a:spcAft>
+              <a:buNone/>
+            </a:pPr>
+            <a:endParaRPr dirty="0"/>
+          </a:p>
+        </p:txBody>
+      </p:sp>
+      <p:pic>
+        <p:nvPicPr>
+          <p:cNvPr id="63" name="Google Shape;63;p14"/>
+          <p:cNvPicPr preferRelativeResize="0"/>
+          <p:nvPr/>
+        </p:nvPicPr>
+        <p:blipFill>
+          <a:blip r:embed="rId3">
+            <a:alphaModFix/>
+          </a:blip>
+          <a:stretch>
+            <a:fillRect/>
+          </a:stretch>
+        </p:blipFill>
+        <p:spPr>
+          <a:xfrm>
+            <a:off x="7991525" y="0"/>
+            <a:ext cx="1152475" cy="1152475"/>
+          </a:xfrm>
+          <a:prstGeom prst="rect">
+            <a:avLst/>
+          </a:prstGeom>
+          <a:noFill/>
+          <a:ln>
+            <a:noFill/>
+          </a:ln>
+        </p:spPr>
+      </p:pic>
+    </p:spTree>
+  </p:cSld>
+  <p:clrMapOvr>
+    <a:masterClrMapping/>
+  </p:clrMapOvr>
+</p:sld>
+</file>
+
+<file path=ppt/slides/slide20.xml><?xml version="1.0" encoding="utf-8"?>
 <p:sld xmlns:a="http://schemas.openxmlformats.org/drawingml/2006/main" xmlns:r="http://schemas.openxmlformats.org/officeDocument/2006/relationships" xmlns:p="http://schemas.openxmlformats.org/presentationml/2006/main">
   <p:cSld>
     <p:spTree>
@@ -19586,7 +17920,7 @@
 </p:sld>
 </file>
 
-<file path=ppt/slides/slide22.xml><?xml version="1.0" encoding="utf-8"?>
+<file path=ppt/slides/slide21.xml><?xml version="1.0" encoding="utf-8"?>
 <p:sld xmlns:a="http://schemas.openxmlformats.org/drawingml/2006/main" xmlns:r="http://schemas.openxmlformats.org/officeDocument/2006/relationships" xmlns:p="http://schemas.openxmlformats.org/presentationml/2006/main">
   <p:cSld>
     <p:spTree>
@@ -19669,7 +18003,7 @@
 </p:sld>
 </file>
 
-<file path=ppt/slides/slide23.xml><?xml version="1.0" encoding="utf-8"?>
+<file path=ppt/slides/slide22.xml><?xml version="1.0" encoding="utf-8"?>
 <p:sld xmlns:a="http://schemas.openxmlformats.org/drawingml/2006/main" xmlns:r="http://schemas.openxmlformats.org/officeDocument/2006/relationships" xmlns:p="http://schemas.openxmlformats.org/presentationml/2006/main">
   <p:cSld>
     <p:spTree>
@@ -19963,7 +18297,7 @@
 </p:sld>
 </file>
 
-<file path=ppt/slides/slide24.xml><?xml version="1.0" encoding="utf-8"?>
+<file path=ppt/slides/slide23.xml><?xml version="1.0" encoding="utf-8"?>
 <p:sld xmlns:a="http://schemas.openxmlformats.org/drawingml/2006/main" xmlns:r="http://schemas.openxmlformats.org/officeDocument/2006/relationships" xmlns:p="http://schemas.openxmlformats.org/presentationml/2006/main">
   <p:cSld>
     <p:spTree>
@@ -20154,7 +18488,7 @@
 </p:sld>
 </file>
 
-<file path=ppt/slides/slide25.xml><?xml version="1.0" encoding="utf-8"?>
+<file path=ppt/slides/slide24.xml><?xml version="1.0" encoding="utf-8"?>
 <p:sld xmlns:a="http://schemas.openxmlformats.org/drawingml/2006/main" xmlns:r="http://schemas.openxmlformats.org/officeDocument/2006/relationships" xmlns:p="http://schemas.openxmlformats.org/presentationml/2006/main">
   <p:cSld>
     <p:spTree>
@@ -20282,7 +18616,7 @@
 </p:sld>
 </file>
 
-<file path=ppt/slides/slide26.xml><?xml version="1.0" encoding="utf-8"?>
+<file path=ppt/slides/slide25.xml><?xml version="1.0" encoding="utf-8"?>
 <p:sld xmlns:a="http://schemas.openxmlformats.org/drawingml/2006/main" xmlns:r="http://schemas.openxmlformats.org/officeDocument/2006/relationships" xmlns:p="http://schemas.openxmlformats.org/presentationml/2006/main">
   <p:cSld>
     <p:spTree>
@@ -21084,191 +19418,6 @@
 </file>
 
 <file path=ppt/slides/slide6.xml><?xml version="1.0" encoding="utf-8"?>
-<p:sld xmlns:a="http://schemas.openxmlformats.org/drawingml/2006/main" xmlns:r="http://schemas.openxmlformats.org/officeDocument/2006/relationships" xmlns:p="http://schemas.openxmlformats.org/presentationml/2006/main">
-  <p:cSld>
-    <p:spTree>
-      <p:nvGrpSpPr>
-        <p:cNvPr id="1" name="Shape 53"/>
-        <p:cNvGrpSpPr/>
-        <p:nvPr/>
-      </p:nvGrpSpPr>
-      <p:grpSpPr>
-        <a:xfrm>
-          <a:off x="0" y="0"/>
-          <a:ext cx="0" cy="0"/>
-          <a:chOff x="0" y="0"/>
-          <a:chExt cx="0" cy="0"/>
-        </a:xfrm>
-      </p:grpSpPr>
-      <p:sp>
-        <p:nvSpPr>
-          <p:cNvPr id="54" name="Google Shape;54;p13"/>
-          <p:cNvSpPr txBox="1">
-            <a:spLocks noGrp="1"/>
-          </p:cNvSpPr>
-          <p:nvPr>
-            <p:ph type="ctrTitle"/>
-          </p:nvPr>
-        </p:nvSpPr>
-        <p:spPr>
-          <a:xfrm>
-            <a:off x="311708" y="373950"/>
-            <a:ext cx="8520600" cy="2052600"/>
-          </a:xfrm>
-          <a:prstGeom prst="rect">
-            <a:avLst/>
-          </a:prstGeom>
-        </p:spPr>
-        <p:txBody>
-          <a:bodyPr spcFirstLastPara="1" wrap="square" lIns="91425" tIns="91425" rIns="91425" bIns="91425" anchor="b" anchorCtr="0">
-            <a:noAutofit/>
-          </a:bodyPr>
-          <a:lstStyle/>
-          <a:p>
-            <a:pPr marL="0" lvl="0" indent="0" algn="ctr" rtl="0">
-              <a:spcBef>
-                <a:spcPts val="0"/>
-              </a:spcBef>
-              <a:spcAft>
-                <a:spcPts val="0"/>
-              </a:spcAft>
-              <a:buNone/>
-            </a:pPr>
-            <a:r>
-              <a:rPr lang="nb-NO" dirty="0"/>
-              <a:t>Immutable infrastructure</a:t>
-            </a:r>
-            <a:r>
-              <a:rPr lang="en" dirty="0"/>
-              <a:t> </a:t>
-            </a:r>
-            <a:endParaRPr dirty="0"/>
-          </a:p>
-        </p:txBody>
-      </p:sp>
-      <p:sp>
-        <p:nvSpPr>
-          <p:cNvPr id="55" name="Google Shape;55;p13"/>
-          <p:cNvSpPr txBox="1">
-            <a:spLocks noGrp="1"/>
-          </p:cNvSpPr>
-          <p:nvPr>
-            <p:ph type="subTitle" idx="1"/>
-          </p:nvPr>
-        </p:nvSpPr>
-        <p:spPr>
-          <a:xfrm>
-            <a:off x="311700" y="2571750"/>
-            <a:ext cx="8520600" cy="2165100"/>
-          </a:xfrm>
-          <a:prstGeom prst="rect">
-            <a:avLst/>
-          </a:prstGeom>
-        </p:spPr>
-        <p:txBody>
-          <a:bodyPr spcFirstLastPara="1" wrap="square" lIns="91425" tIns="91425" rIns="91425" bIns="91425" anchor="t" anchorCtr="0">
-            <a:noAutofit/>
-          </a:bodyPr>
-          <a:lstStyle/>
-          <a:p>
-            <a:pPr marL="0" lvl="0" indent="0" algn="ctr" rtl="0">
-              <a:spcBef>
-                <a:spcPts val="0"/>
-              </a:spcBef>
-              <a:spcAft>
-                <a:spcPts val="0"/>
-              </a:spcAft>
-              <a:buNone/>
-            </a:pPr>
-            <a:r>
-              <a:rPr lang="en" dirty="0"/>
-              <a:t>Infrastructure as Code User Group Oslo</a:t>
-            </a:r>
-            <a:endParaRPr dirty="0"/>
-          </a:p>
-          <a:p>
-            <a:pPr marL="0" lvl="0" indent="0" algn="ctr" rtl="0">
-              <a:spcBef>
-                <a:spcPts val="0"/>
-              </a:spcBef>
-              <a:spcAft>
-                <a:spcPts val="0"/>
-              </a:spcAft>
-              <a:buNone/>
-            </a:pPr>
-            <a:endParaRPr dirty="0"/>
-          </a:p>
-          <a:p>
-            <a:pPr marL="0" lvl="0" indent="0" algn="ctr" rtl="0">
-              <a:spcBef>
-                <a:spcPts val="0"/>
-              </a:spcBef>
-              <a:spcAft>
-                <a:spcPts val="0"/>
-              </a:spcAft>
-              <a:buNone/>
-            </a:pPr>
-            <a:r>
-              <a:rPr lang="en" dirty="0"/>
-              <a:t>27.10.2020</a:t>
-            </a:r>
-            <a:endParaRPr dirty="0"/>
-          </a:p>
-          <a:p>
-            <a:pPr marL="0" lvl="0" indent="0" algn="ctr" rtl="0">
-              <a:spcBef>
-                <a:spcPts val="0"/>
-              </a:spcBef>
-              <a:spcAft>
-                <a:spcPts val="0"/>
-              </a:spcAft>
-              <a:buNone/>
-            </a:pPr>
-            <a:r>
-              <a:rPr lang="en" dirty="0"/>
-              <a:t>Evgeny Borzenin</a:t>
-            </a:r>
-            <a:endParaRPr dirty="0"/>
-          </a:p>
-        </p:txBody>
-      </p:sp>
-      <p:pic>
-        <p:nvPicPr>
-          <p:cNvPr id="56" name="Google Shape;56;p13"/>
-          <p:cNvPicPr preferRelativeResize="0"/>
-          <p:nvPr/>
-        </p:nvPicPr>
-        <p:blipFill>
-          <a:blip r:embed="rId3">
-            <a:alphaModFix/>
-          </a:blip>
-          <a:stretch>
-            <a:fillRect/>
-          </a:stretch>
-        </p:blipFill>
-        <p:spPr>
-          <a:xfrm>
-            <a:off x="7028750" y="3028250"/>
-            <a:ext cx="2115250" cy="2115250"/>
-          </a:xfrm>
-          <a:prstGeom prst="rect">
-            <a:avLst/>
-          </a:prstGeom>
-          <a:noFill/>
-          <a:ln>
-            <a:noFill/>
-          </a:ln>
-        </p:spPr>
-      </p:pic>
-    </p:spTree>
-  </p:cSld>
-  <p:clrMapOvr>
-    <a:masterClrMapping/>
-  </p:clrMapOvr>
-</p:sld>
-</file>
-
-<file path=ppt/slides/slide7.xml><?xml version="1.0" encoding="utf-8"?>
 <p:sld xmlns:a="http://schemas.openxmlformats.org/drawingml/2006/main" xmlns:r="http://schemas.openxmlformats.org/officeDocument/2006/relationships" xmlns:p="http://schemas.openxmlformats.org/presentationml/2006/main">
   <p:cSld>
     <p:spTree>
@@ -22141,7 +20290,7 @@
 </p:sld>
 </file>
 
-<file path=ppt/slides/slide8.xml><?xml version="1.0" encoding="utf-8"?>
+<file path=ppt/slides/slide7.xml><?xml version="1.0" encoding="utf-8"?>
 <p:sld xmlns:a="http://schemas.openxmlformats.org/drawingml/2006/main" xmlns:r="http://schemas.openxmlformats.org/officeDocument/2006/relationships" xmlns:p="http://schemas.openxmlformats.org/presentationml/2006/main">
   <p:cSld>
     <p:spTree>
@@ -22580,7 +20729,7 @@
 </p:sld>
 </file>
 
-<file path=ppt/slides/slide9.xml><?xml version="1.0" encoding="utf-8"?>
+<file path=ppt/slides/slide8.xml><?xml version="1.0" encoding="utf-8"?>
 <p:sld xmlns:a="http://schemas.openxmlformats.org/drawingml/2006/main" xmlns:r="http://schemas.openxmlformats.org/officeDocument/2006/relationships" xmlns:p="http://schemas.openxmlformats.org/presentationml/2006/main">
   <p:cSld>
     <p:spTree>
@@ -24443,6 +22592,1579 @@
       <p:bldP spid="28" grpId="0"/>
       <p:bldP spid="17" grpId="0"/>
       <p:bldP spid="18" grpId="0"/>
+    </p:bldLst>
+  </p:timing>
+</p:sld>
+</file>
+
+<file path=ppt/slides/slide9.xml><?xml version="1.0" encoding="utf-8"?>
+<p:sld xmlns:a="http://schemas.openxmlformats.org/drawingml/2006/main" xmlns:r="http://schemas.openxmlformats.org/officeDocument/2006/relationships" xmlns:p="http://schemas.openxmlformats.org/presentationml/2006/main">
+  <p:cSld>
+    <p:spTree>
+      <p:nvGrpSpPr>
+        <p:cNvPr id="1" name=""/>
+        <p:cNvGrpSpPr/>
+        <p:nvPr/>
+      </p:nvGrpSpPr>
+      <p:grpSpPr>
+        <a:xfrm>
+          <a:off x="0" y="0"/>
+          <a:ext cx="0" cy="0"/>
+          <a:chOff x="0" y="0"/>
+          <a:chExt cx="0" cy="0"/>
+        </a:xfrm>
+      </p:grpSpPr>
+      <p:sp>
+        <p:nvSpPr>
+          <p:cNvPr id="2" name="Title 1">
+            <a:extLst>
+              <a:ext uri="{FF2B5EF4-FFF2-40B4-BE49-F238E27FC236}">
+                <a16:creationId xmlns:a16="http://schemas.microsoft.com/office/drawing/2014/main" id="{BC08FBDE-96B3-440A-A103-C81803782D7A}"/>
+              </a:ext>
+            </a:extLst>
+          </p:cNvPr>
+          <p:cNvSpPr>
+            <a:spLocks noGrp="1"/>
+          </p:cNvSpPr>
+          <p:nvPr>
+            <p:ph type="title"/>
+          </p:nvPr>
+        </p:nvSpPr>
+        <p:spPr/>
+        <p:txBody>
+          <a:bodyPr/>
+          <a:lstStyle/>
+          <a:p>
+            <a:r>
+              <a:rPr lang="en-US" dirty="0"/>
+              <a:t>[VCE v1] upgrade AGW to v2</a:t>
+            </a:r>
+            <a:endParaRPr lang="nb-NO" dirty="0"/>
+          </a:p>
+        </p:txBody>
+      </p:sp>
+      <p:sp>
+        <p:nvSpPr>
+          <p:cNvPr id="23" name="Content Placeholder 2">
+            <a:extLst>
+              <a:ext uri="{FF2B5EF4-FFF2-40B4-BE49-F238E27FC236}">
+                <a16:creationId xmlns:a16="http://schemas.microsoft.com/office/drawing/2014/main" id="{9F4AB6B9-AB4C-4175-AFF1-AFB7ED71C233}"/>
+              </a:ext>
+            </a:extLst>
+          </p:cNvPr>
+          <p:cNvSpPr>
+            <a:spLocks noGrp="1"/>
+          </p:cNvSpPr>
+          <p:nvPr>
+            <p:ph idx="1"/>
+          </p:nvPr>
+        </p:nvSpPr>
+        <p:spPr>
+          <a:xfrm>
+            <a:off x="3388729" y="1350000"/>
+            <a:ext cx="5000996" cy="372357"/>
+          </a:xfrm>
+        </p:spPr>
+        <p:txBody>
+          <a:bodyPr>
+            <a:normAutofit fontScale="70000" lnSpcReduction="20000"/>
+          </a:bodyPr>
+          <a:lstStyle/>
+          <a:p>
+            <a:pPr marL="0" indent="0">
+              <a:buNone/>
+            </a:pPr>
+            <a:r>
+              <a:rPr lang="nb-NO" dirty="0"/>
+              <a:t>add new agw-v2-net subnet</a:t>
+            </a:r>
+          </a:p>
+          <a:p>
+            <a:endParaRPr lang="en-US" dirty="0"/>
+          </a:p>
+          <a:p>
+            <a:pPr marL="0" indent="0">
+              <a:buNone/>
+            </a:pPr>
+            <a:endParaRPr lang="en-US" dirty="0"/>
+          </a:p>
+        </p:txBody>
+      </p:sp>
+      <p:sp>
+        <p:nvSpPr>
+          <p:cNvPr id="16" name="Content Placeholder 2">
+            <a:extLst>
+              <a:ext uri="{FF2B5EF4-FFF2-40B4-BE49-F238E27FC236}">
+                <a16:creationId xmlns:a16="http://schemas.microsoft.com/office/drawing/2014/main" id="{E2C5F0D4-0843-4A40-9C89-50ACB7708F0B}"/>
+              </a:ext>
+            </a:extLst>
+          </p:cNvPr>
+          <p:cNvSpPr txBox="1">
+            <a:spLocks/>
+          </p:cNvSpPr>
+          <p:nvPr/>
+        </p:nvSpPr>
+        <p:spPr>
+          <a:xfrm>
+            <a:off x="3388729" y="1804341"/>
+            <a:ext cx="5000996" cy="372357"/>
+          </a:xfrm>
+          <a:prstGeom prst="rect">
+            <a:avLst/>
+          </a:prstGeom>
+        </p:spPr>
+        <p:txBody>
+          <a:bodyPr vert="horz" lIns="68580" tIns="34290" rIns="68580" bIns="34290" rtlCol="0">
+            <a:normAutofit/>
+          </a:bodyPr>
+          <a:lstStyle>
+            <a:lvl1pPr marL="228600" indent="-228600" algn="l" defTabSz="914400" rtl="0" eaLnBrk="1" latinLnBrk="0" hangingPunct="1">
+              <a:lnSpc>
+                <a:spcPct val="90000"/>
+              </a:lnSpc>
+              <a:spcBef>
+                <a:spcPts val="1000"/>
+              </a:spcBef>
+              <a:buFont typeface="Arial" panose="020B0604020202020204" pitchFamily="34" charset="0"/>
+              <a:buChar char="•"/>
+              <a:defRPr sz="2800" kern="1200">
+                <a:solidFill>
+                  <a:schemeClr val="tx1"/>
+                </a:solidFill>
+                <a:latin typeface="+mn-lt"/>
+                <a:ea typeface="+mn-ea"/>
+                <a:cs typeface="+mn-cs"/>
+              </a:defRPr>
+            </a:lvl1pPr>
+            <a:lvl2pPr marL="685800" indent="-228600" algn="l" defTabSz="914400" rtl="0" eaLnBrk="1" latinLnBrk="0" hangingPunct="1">
+              <a:lnSpc>
+                <a:spcPct val="90000"/>
+              </a:lnSpc>
+              <a:spcBef>
+                <a:spcPts val="500"/>
+              </a:spcBef>
+              <a:buFont typeface="Arial" panose="020B0604020202020204" pitchFamily="34" charset="0"/>
+              <a:buChar char="•"/>
+              <a:defRPr sz="2400" kern="1200">
+                <a:solidFill>
+                  <a:schemeClr val="tx1"/>
+                </a:solidFill>
+                <a:latin typeface="+mn-lt"/>
+                <a:ea typeface="+mn-ea"/>
+                <a:cs typeface="+mn-cs"/>
+              </a:defRPr>
+            </a:lvl2pPr>
+            <a:lvl3pPr marL="1143000" indent="-228600" algn="l" defTabSz="914400" rtl="0" eaLnBrk="1" latinLnBrk="0" hangingPunct="1">
+              <a:lnSpc>
+                <a:spcPct val="90000"/>
+              </a:lnSpc>
+              <a:spcBef>
+                <a:spcPts val="500"/>
+              </a:spcBef>
+              <a:buFont typeface="Arial" panose="020B0604020202020204" pitchFamily="34" charset="0"/>
+              <a:buChar char="•"/>
+              <a:defRPr sz="2000" kern="1200">
+                <a:solidFill>
+                  <a:schemeClr val="tx1"/>
+                </a:solidFill>
+                <a:latin typeface="+mn-lt"/>
+                <a:ea typeface="+mn-ea"/>
+                <a:cs typeface="+mn-cs"/>
+              </a:defRPr>
+            </a:lvl3pPr>
+            <a:lvl4pPr marL="1600200" indent="-228600" algn="l" defTabSz="914400" rtl="0" eaLnBrk="1" latinLnBrk="0" hangingPunct="1">
+              <a:lnSpc>
+                <a:spcPct val="90000"/>
+              </a:lnSpc>
+              <a:spcBef>
+                <a:spcPts val="500"/>
+              </a:spcBef>
+              <a:buFont typeface="Arial" panose="020B0604020202020204" pitchFamily="34" charset="0"/>
+              <a:buChar char="•"/>
+              <a:defRPr sz="1800" kern="1200">
+                <a:solidFill>
+                  <a:schemeClr val="tx1"/>
+                </a:solidFill>
+                <a:latin typeface="+mn-lt"/>
+                <a:ea typeface="+mn-ea"/>
+                <a:cs typeface="+mn-cs"/>
+              </a:defRPr>
+            </a:lvl4pPr>
+            <a:lvl5pPr marL="2057400" indent="-228600" algn="l" defTabSz="914400" rtl="0" eaLnBrk="1" latinLnBrk="0" hangingPunct="1">
+              <a:lnSpc>
+                <a:spcPct val="90000"/>
+              </a:lnSpc>
+              <a:spcBef>
+                <a:spcPts val="500"/>
+              </a:spcBef>
+              <a:buFont typeface="Arial" panose="020B0604020202020204" pitchFamily="34" charset="0"/>
+              <a:buChar char="•"/>
+              <a:defRPr sz="1800" kern="1200">
+                <a:solidFill>
+                  <a:schemeClr val="tx1"/>
+                </a:solidFill>
+                <a:latin typeface="+mn-lt"/>
+                <a:ea typeface="+mn-ea"/>
+                <a:cs typeface="+mn-cs"/>
+              </a:defRPr>
+            </a:lvl5pPr>
+            <a:lvl6pPr marL="2514600" indent="-228600" algn="l" defTabSz="914400" rtl="0" eaLnBrk="1" latinLnBrk="0" hangingPunct="1">
+              <a:lnSpc>
+                <a:spcPct val="90000"/>
+              </a:lnSpc>
+              <a:spcBef>
+                <a:spcPts val="500"/>
+              </a:spcBef>
+              <a:buFont typeface="Arial" panose="020B0604020202020204" pitchFamily="34" charset="0"/>
+              <a:buChar char="•"/>
+              <a:defRPr sz="1800" kern="1200">
+                <a:solidFill>
+                  <a:schemeClr val="tx1"/>
+                </a:solidFill>
+                <a:latin typeface="+mn-lt"/>
+                <a:ea typeface="+mn-ea"/>
+                <a:cs typeface="+mn-cs"/>
+              </a:defRPr>
+            </a:lvl6pPr>
+            <a:lvl7pPr marL="2971800" indent="-228600" algn="l" defTabSz="914400" rtl="0" eaLnBrk="1" latinLnBrk="0" hangingPunct="1">
+              <a:lnSpc>
+                <a:spcPct val="90000"/>
+              </a:lnSpc>
+              <a:spcBef>
+                <a:spcPts val="500"/>
+              </a:spcBef>
+              <a:buFont typeface="Arial" panose="020B0604020202020204" pitchFamily="34" charset="0"/>
+              <a:buChar char="•"/>
+              <a:defRPr sz="1800" kern="1200">
+                <a:solidFill>
+                  <a:schemeClr val="tx1"/>
+                </a:solidFill>
+                <a:latin typeface="+mn-lt"/>
+                <a:ea typeface="+mn-ea"/>
+                <a:cs typeface="+mn-cs"/>
+              </a:defRPr>
+            </a:lvl7pPr>
+            <a:lvl8pPr marL="3429000" indent="-228600" algn="l" defTabSz="914400" rtl="0" eaLnBrk="1" latinLnBrk="0" hangingPunct="1">
+              <a:lnSpc>
+                <a:spcPct val="90000"/>
+              </a:lnSpc>
+              <a:spcBef>
+                <a:spcPts val="500"/>
+              </a:spcBef>
+              <a:buFont typeface="Arial" panose="020B0604020202020204" pitchFamily="34" charset="0"/>
+              <a:buChar char="•"/>
+              <a:defRPr sz="1800" kern="1200">
+                <a:solidFill>
+                  <a:schemeClr val="tx1"/>
+                </a:solidFill>
+                <a:latin typeface="+mn-lt"/>
+                <a:ea typeface="+mn-ea"/>
+                <a:cs typeface="+mn-cs"/>
+              </a:defRPr>
+            </a:lvl8pPr>
+            <a:lvl9pPr marL="3886200" indent="-228600" algn="l" defTabSz="914400" rtl="0" eaLnBrk="1" latinLnBrk="0" hangingPunct="1">
+              <a:lnSpc>
+                <a:spcPct val="90000"/>
+              </a:lnSpc>
+              <a:spcBef>
+                <a:spcPts val="500"/>
+              </a:spcBef>
+              <a:buFont typeface="Arial" panose="020B0604020202020204" pitchFamily="34" charset="0"/>
+              <a:buChar char="•"/>
+              <a:defRPr sz="1800" kern="1200">
+                <a:solidFill>
+                  <a:schemeClr val="tx1"/>
+                </a:solidFill>
+                <a:latin typeface="+mn-lt"/>
+                <a:ea typeface="+mn-ea"/>
+                <a:cs typeface="+mn-cs"/>
+              </a:defRPr>
+            </a:lvl9pPr>
+          </a:lstStyle>
+          <a:p>
+            <a:pPr marL="0" indent="0">
+              <a:buNone/>
+            </a:pPr>
+            <a:r>
+              <a:rPr lang="nb-NO" sz="2100" dirty="0"/>
+              <a:t>provision new instance of AGW v2</a:t>
+            </a:r>
+            <a:endParaRPr lang="en-US" sz="2100" dirty="0"/>
+          </a:p>
+          <a:p>
+            <a:pPr marL="0" indent="0">
+              <a:buNone/>
+            </a:pPr>
+            <a:endParaRPr lang="en-US" sz="2100" dirty="0"/>
+          </a:p>
+        </p:txBody>
+      </p:sp>
+      <p:sp>
+        <p:nvSpPr>
+          <p:cNvPr id="17" name="Content Placeholder 2">
+            <a:extLst>
+              <a:ext uri="{FF2B5EF4-FFF2-40B4-BE49-F238E27FC236}">
+                <a16:creationId xmlns:a16="http://schemas.microsoft.com/office/drawing/2014/main" id="{9B44C3CF-DD57-48C7-82BB-9E5ADA87A76A}"/>
+              </a:ext>
+            </a:extLst>
+          </p:cNvPr>
+          <p:cNvSpPr txBox="1">
+            <a:spLocks/>
+          </p:cNvSpPr>
+          <p:nvPr/>
+        </p:nvSpPr>
+        <p:spPr>
+          <a:xfrm>
+            <a:off x="3388729" y="2780624"/>
+            <a:ext cx="5000996" cy="372357"/>
+          </a:xfrm>
+          <a:prstGeom prst="rect">
+            <a:avLst/>
+          </a:prstGeom>
+        </p:spPr>
+        <p:txBody>
+          <a:bodyPr vert="horz" lIns="68580" tIns="34290" rIns="68580" bIns="34290" rtlCol="0">
+            <a:normAutofit/>
+          </a:bodyPr>
+          <a:lstStyle>
+            <a:lvl1pPr marL="228600" indent="-228600" algn="l" defTabSz="914400" rtl="0" eaLnBrk="1" latinLnBrk="0" hangingPunct="1">
+              <a:lnSpc>
+                <a:spcPct val="90000"/>
+              </a:lnSpc>
+              <a:spcBef>
+                <a:spcPts val="1000"/>
+              </a:spcBef>
+              <a:buFont typeface="Arial" panose="020B0604020202020204" pitchFamily="34" charset="0"/>
+              <a:buChar char="•"/>
+              <a:defRPr sz="2800" kern="1200">
+                <a:solidFill>
+                  <a:schemeClr val="tx1"/>
+                </a:solidFill>
+                <a:latin typeface="+mn-lt"/>
+                <a:ea typeface="+mn-ea"/>
+                <a:cs typeface="+mn-cs"/>
+              </a:defRPr>
+            </a:lvl1pPr>
+            <a:lvl2pPr marL="685800" indent="-228600" algn="l" defTabSz="914400" rtl="0" eaLnBrk="1" latinLnBrk="0" hangingPunct="1">
+              <a:lnSpc>
+                <a:spcPct val="90000"/>
+              </a:lnSpc>
+              <a:spcBef>
+                <a:spcPts val="500"/>
+              </a:spcBef>
+              <a:buFont typeface="Arial" panose="020B0604020202020204" pitchFamily="34" charset="0"/>
+              <a:buChar char="•"/>
+              <a:defRPr sz="2400" kern="1200">
+                <a:solidFill>
+                  <a:schemeClr val="tx1"/>
+                </a:solidFill>
+                <a:latin typeface="+mn-lt"/>
+                <a:ea typeface="+mn-ea"/>
+                <a:cs typeface="+mn-cs"/>
+              </a:defRPr>
+            </a:lvl2pPr>
+            <a:lvl3pPr marL="1143000" indent="-228600" algn="l" defTabSz="914400" rtl="0" eaLnBrk="1" latinLnBrk="0" hangingPunct="1">
+              <a:lnSpc>
+                <a:spcPct val="90000"/>
+              </a:lnSpc>
+              <a:spcBef>
+                <a:spcPts val="500"/>
+              </a:spcBef>
+              <a:buFont typeface="Arial" panose="020B0604020202020204" pitchFamily="34" charset="0"/>
+              <a:buChar char="•"/>
+              <a:defRPr sz="2000" kern="1200">
+                <a:solidFill>
+                  <a:schemeClr val="tx1"/>
+                </a:solidFill>
+                <a:latin typeface="+mn-lt"/>
+                <a:ea typeface="+mn-ea"/>
+                <a:cs typeface="+mn-cs"/>
+              </a:defRPr>
+            </a:lvl3pPr>
+            <a:lvl4pPr marL="1600200" indent="-228600" algn="l" defTabSz="914400" rtl="0" eaLnBrk="1" latinLnBrk="0" hangingPunct="1">
+              <a:lnSpc>
+                <a:spcPct val="90000"/>
+              </a:lnSpc>
+              <a:spcBef>
+                <a:spcPts val="500"/>
+              </a:spcBef>
+              <a:buFont typeface="Arial" panose="020B0604020202020204" pitchFamily="34" charset="0"/>
+              <a:buChar char="•"/>
+              <a:defRPr sz="1800" kern="1200">
+                <a:solidFill>
+                  <a:schemeClr val="tx1"/>
+                </a:solidFill>
+                <a:latin typeface="+mn-lt"/>
+                <a:ea typeface="+mn-ea"/>
+                <a:cs typeface="+mn-cs"/>
+              </a:defRPr>
+            </a:lvl4pPr>
+            <a:lvl5pPr marL="2057400" indent="-228600" algn="l" defTabSz="914400" rtl="0" eaLnBrk="1" latinLnBrk="0" hangingPunct="1">
+              <a:lnSpc>
+                <a:spcPct val="90000"/>
+              </a:lnSpc>
+              <a:spcBef>
+                <a:spcPts val="500"/>
+              </a:spcBef>
+              <a:buFont typeface="Arial" panose="020B0604020202020204" pitchFamily="34" charset="0"/>
+              <a:buChar char="•"/>
+              <a:defRPr sz="1800" kern="1200">
+                <a:solidFill>
+                  <a:schemeClr val="tx1"/>
+                </a:solidFill>
+                <a:latin typeface="+mn-lt"/>
+                <a:ea typeface="+mn-ea"/>
+                <a:cs typeface="+mn-cs"/>
+              </a:defRPr>
+            </a:lvl5pPr>
+            <a:lvl6pPr marL="2514600" indent="-228600" algn="l" defTabSz="914400" rtl="0" eaLnBrk="1" latinLnBrk="0" hangingPunct="1">
+              <a:lnSpc>
+                <a:spcPct val="90000"/>
+              </a:lnSpc>
+              <a:spcBef>
+                <a:spcPts val="500"/>
+              </a:spcBef>
+              <a:buFont typeface="Arial" panose="020B0604020202020204" pitchFamily="34" charset="0"/>
+              <a:buChar char="•"/>
+              <a:defRPr sz="1800" kern="1200">
+                <a:solidFill>
+                  <a:schemeClr val="tx1"/>
+                </a:solidFill>
+                <a:latin typeface="+mn-lt"/>
+                <a:ea typeface="+mn-ea"/>
+                <a:cs typeface="+mn-cs"/>
+              </a:defRPr>
+            </a:lvl6pPr>
+            <a:lvl7pPr marL="2971800" indent="-228600" algn="l" defTabSz="914400" rtl="0" eaLnBrk="1" latinLnBrk="0" hangingPunct="1">
+              <a:lnSpc>
+                <a:spcPct val="90000"/>
+              </a:lnSpc>
+              <a:spcBef>
+                <a:spcPts val="500"/>
+              </a:spcBef>
+              <a:buFont typeface="Arial" panose="020B0604020202020204" pitchFamily="34" charset="0"/>
+              <a:buChar char="•"/>
+              <a:defRPr sz="1800" kern="1200">
+                <a:solidFill>
+                  <a:schemeClr val="tx1"/>
+                </a:solidFill>
+                <a:latin typeface="+mn-lt"/>
+                <a:ea typeface="+mn-ea"/>
+                <a:cs typeface="+mn-cs"/>
+              </a:defRPr>
+            </a:lvl7pPr>
+            <a:lvl8pPr marL="3429000" indent="-228600" algn="l" defTabSz="914400" rtl="0" eaLnBrk="1" latinLnBrk="0" hangingPunct="1">
+              <a:lnSpc>
+                <a:spcPct val="90000"/>
+              </a:lnSpc>
+              <a:spcBef>
+                <a:spcPts val="500"/>
+              </a:spcBef>
+              <a:buFont typeface="Arial" panose="020B0604020202020204" pitchFamily="34" charset="0"/>
+              <a:buChar char="•"/>
+              <a:defRPr sz="1800" kern="1200">
+                <a:solidFill>
+                  <a:schemeClr val="tx1"/>
+                </a:solidFill>
+                <a:latin typeface="+mn-lt"/>
+                <a:ea typeface="+mn-ea"/>
+                <a:cs typeface="+mn-cs"/>
+              </a:defRPr>
+            </a:lvl8pPr>
+            <a:lvl9pPr marL="3886200" indent="-228600" algn="l" defTabSz="914400" rtl="0" eaLnBrk="1" latinLnBrk="0" hangingPunct="1">
+              <a:lnSpc>
+                <a:spcPct val="90000"/>
+              </a:lnSpc>
+              <a:spcBef>
+                <a:spcPts val="500"/>
+              </a:spcBef>
+              <a:buFont typeface="Arial" panose="020B0604020202020204" pitchFamily="34" charset="0"/>
+              <a:buChar char="•"/>
+              <a:defRPr sz="1800" kern="1200">
+                <a:solidFill>
+                  <a:schemeClr val="tx1"/>
+                </a:solidFill>
+                <a:latin typeface="+mn-lt"/>
+                <a:ea typeface="+mn-ea"/>
+                <a:cs typeface="+mn-cs"/>
+              </a:defRPr>
+            </a:lvl9pPr>
+          </a:lstStyle>
+          <a:p>
+            <a:pPr marL="0" indent="0">
+              <a:buNone/>
+            </a:pPr>
+            <a:r>
+              <a:rPr lang="nb-NO" sz="2100" dirty="0"/>
+              <a:t>send traffic to AGW v2</a:t>
+            </a:r>
+            <a:endParaRPr lang="en-US" sz="2100" dirty="0"/>
+          </a:p>
+          <a:p>
+            <a:pPr marL="0" indent="0">
+              <a:buNone/>
+            </a:pPr>
+            <a:endParaRPr lang="en-US" sz="2100" dirty="0"/>
+          </a:p>
+        </p:txBody>
+      </p:sp>
+      <p:pic>
+        <p:nvPicPr>
+          <p:cNvPr id="8" name="Picture 7">
+            <a:extLst>
+              <a:ext uri="{FF2B5EF4-FFF2-40B4-BE49-F238E27FC236}">
+                <a16:creationId xmlns:a16="http://schemas.microsoft.com/office/drawing/2014/main" id="{55B3E901-B295-4C0D-B788-6DC1D457BC35}"/>
+              </a:ext>
+            </a:extLst>
+          </p:cNvPr>
+          <p:cNvPicPr>
+            <a:picLocks noChangeAspect="1"/>
+          </p:cNvPicPr>
+          <p:nvPr/>
+        </p:nvPicPr>
+        <p:blipFill>
+          <a:blip r:embed="rId3"/>
+          <a:stretch>
+            <a:fillRect/>
+          </a:stretch>
+        </p:blipFill>
+        <p:spPr>
+          <a:xfrm>
+            <a:off x="540000" y="1350000"/>
+            <a:ext cx="2449238" cy="3445976"/>
+          </a:xfrm>
+          <a:prstGeom prst="rect">
+            <a:avLst/>
+          </a:prstGeom>
+        </p:spPr>
+      </p:pic>
+      <p:pic>
+        <p:nvPicPr>
+          <p:cNvPr id="11" name="Picture 10">
+            <a:extLst>
+              <a:ext uri="{FF2B5EF4-FFF2-40B4-BE49-F238E27FC236}">
+                <a16:creationId xmlns:a16="http://schemas.microsoft.com/office/drawing/2014/main" id="{971DF813-D963-4CA0-90B2-4ACAD9A0DADE}"/>
+              </a:ext>
+            </a:extLst>
+          </p:cNvPr>
+          <p:cNvPicPr>
+            <a:picLocks noChangeAspect="1"/>
+          </p:cNvPicPr>
+          <p:nvPr/>
+        </p:nvPicPr>
+        <p:blipFill>
+          <a:blip r:embed="rId4"/>
+          <a:stretch>
+            <a:fillRect/>
+          </a:stretch>
+        </p:blipFill>
+        <p:spPr>
+          <a:xfrm>
+            <a:off x="540000" y="1350000"/>
+            <a:ext cx="2449238" cy="3445976"/>
+          </a:xfrm>
+          <a:prstGeom prst="rect">
+            <a:avLst/>
+          </a:prstGeom>
+        </p:spPr>
+      </p:pic>
+      <p:pic>
+        <p:nvPicPr>
+          <p:cNvPr id="13" name="Picture 12">
+            <a:extLst>
+              <a:ext uri="{FF2B5EF4-FFF2-40B4-BE49-F238E27FC236}">
+                <a16:creationId xmlns:a16="http://schemas.microsoft.com/office/drawing/2014/main" id="{160B0AD6-7163-44E1-8769-BC873417FCBD}"/>
+              </a:ext>
+            </a:extLst>
+          </p:cNvPr>
+          <p:cNvPicPr>
+            <a:picLocks noChangeAspect="1"/>
+          </p:cNvPicPr>
+          <p:nvPr/>
+        </p:nvPicPr>
+        <p:blipFill>
+          <a:blip r:embed="rId5">
+            <a:extLst>
+              <a:ext uri="{28A0092B-C50C-407E-A947-70E740481C1C}">
+                <a14:useLocalDpi xmlns:a14="http://schemas.microsoft.com/office/drawing/2010/main" val="0"/>
+              </a:ext>
+            </a:extLst>
+          </a:blip>
+          <a:stretch>
+            <a:fillRect/>
+          </a:stretch>
+        </p:blipFill>
+        <p:spPr>
+          <a:xfrm>
+            <a:off x="8468409" y="4584699"/>
+            <a:ext cx="431800" cy="431800"/>
+          </a:xfrm>
+          <a:prstGeom prst="rect">
+            <a:avLst/>
+          </a:prstGeom>
+        </p:spPr>
+      </p:pic>
+      <p:pic>
+        <p:nvPicPr>
+          <p:cNvPr id="15" name="Picture 14" descr="A picture containing table&#10;&#10;Description automatically generated">
+            <a:extLst>
+              <a:ext uri="{FF2B5EF4-FFF2-40B4-BE49-F238E27FC236}">
+                <a16:creationId xmlns:a16="http://schemas.microsoft.com/office/drawing/2014/main" id="{B3C64FA6-CD55-4A6A-9CD0-80DEABDA1E3E}"/>
+              </a:ext>
+            </a:extLst>
+          </p:cNvPr>
+          <p:cNvPicPr>
+            <a:picLocks noChangeAspect="1"/>
+          </p:cNvPicPr>
+          <p:nvPr/>
+        </p:nvPicPr>
+        <p:blipFill>
+          <a:blip r:embed="rId6">
+            <a:extLst>
+              <a:ext uri="{28A0092B-C50C-407E-A947-70E740481C1C}">
+                <a14:useLocalDpi xmlns:a14="http://schemas.microsoft.com/office/drawing/2010/main" val="0"/>
+              </a:ext>
+            </a:extLst>
+          </a:blip>
+          <a:stretch>
+            <a:fillRect/>
+          </a:stretch>
+        </p:blipFill>
+        <p:spPr>
+          <a:xfrm>
+            <a:off x="218163" y="4584499"/>
+            <a:ext cx="308572" cy="432000"/>
+          </a:xfrm>
+          <a:prstGeom prst="rect">
+            <a:avLst/>
+          </a:prstGeom>
+        </p:spPr>
+      </p:pic>
+      <p:sp>
+        <p:nvSpPr>
+          <p:cNvPr id="19" name="TextBox 18">
+            <a:extLst>
+              <a:ext uri="{FF2B5EF4-FFF2-40B4-BE49-F238E27FC236}">
+                <a16:creationId xmlns:a16="http://schemas.microsoft.com/office/drawing/2014/main" id="{6D806505-85E9-41E7-B303-022C93DBA02F}"/>
+              </a:ext>
+            </a:extLst>
+          </p:cNvPr>
+          <p:cNvSpPr txBox="1"/>
+          <p:nvPr/>
+        </p:nvSpPr>
+        <p:spPr>
+          <a:xfrm>
+            <a:off x="1835785" y="1032009"/>
+            <a:ext cx="962123" cy="253916"/>
+          </a:xfrm>
+          <a:prstGeom prst="rect">
+            <a:avLst/>
+          </a:prstGeom>
+          <a:noFill/>
+        </p:spPr>
+        <p:txBody>
+          <a:bodyPr wrap="none" rtlCol="0">
+            <a:spAutoFit/>
+          </a:bodyPr>
+          <a:lstStyle/>
+          <a:p>
+            <a:r>
+              <a:rPr lang="nb-NO" sz="1050" dirty="0"/>
+              <a:t>Active Traffic</a:t>
+            </a:r>
+          </a:p>
+        </p:txBody>
+      </p:sp>
+      <p:pic>
+        <p:nvPicPr>
+          <p:cNvPr id="21" name="Picture 20">
+            <a:extLst>
+              <a:ext uri="{FF2B5EF4-FFF2-40B4-BE49-F238E27FC236}">
+                <a16:creationId xmlns:a16="http://schemas.microsoft.com/office/drawing/2014/main" id="{4038D504-1E6D-4C19-BCF0-BAF8A34BF02A}"/>
+              </a:ext>
+            </a:extLst>
+          </p:cNvPr>
+          <p:cNvPicPr>
+            <a:picLocks noChangeAspect="1"/>
+          </p:cNvPicPr>
+          <p:nvPr/>
+        </p:nvPicPr>
+        <p:blipFill>
+          <a:blip r:embed="rId7"/>
+          <a:stretch>
+            <a:fillRect/>
+          </a:stretch>
+        </p:blipFill>
+        <p:spPr>
+          <a:xfrm>
+            <a:off x="526734" y="1350000"/>
+            <a:ext cx="2462504" cy="3462950"/>
+          </a:xfrm>
+          <a:prstGeom prst="rect">
+            <a:avLst/>
+          </a:prstGeom>
+        </p:spPr>
+      </p:pic>
+      <p:pic>
+        <p:nvPicPr>
+          <p:cNvPr id="20" name="Picture 19">
+            <a:extLst>
+              <a:ext uri="{FF2B5EF4-FFF2-40B4-BE49-F238E27FC236}">
+                <a16:creationId xmlns:a16="http://schemas.microsoft.com/office/drawing/2014/main" id="{A8022384-E8F1-4183-92C8-CCE87A06DDA5}"/>
+              </a:ext>
+            </a:extLst>
+          </p:cNvPr>
+          <p:cNvPicPr>
+            <a:picLocks noChangeAspect="1"/>
+          </p:cNvPicPr>
+          <p:nvPr/>
+        </p:nvPicPr>
+        <p:blipFill>
+          <a:blip r:embed="rId8"/>
+          <a:stretch>
+            <a:fillRect/>
+          </a:stretch>
+        </p:blipFill>
+        <p:spPr>
+          <a:xfrm>
+            <a:off x="526734" y="1349998"/>
+            <a:ext cx="2462504" cy="3462950"/>
+          </a:xfrm>
+          <a:prstGeom prst="rect">
+            <a:avLst/>
+          </a:prstGeom>
+        </p:spPr>
+      </p:pic>
+      <p:sp>
+        <p:nvSpPr>
+          <p:cNvPr id="24" name="Content Placeholder 2">
+            <a:extLst>
+              <a:ext uri="{FF2B5EF4-FFF2-40B4-BE49-F238E27FC236}">
+                <a16:creationId xmlns:a16="http://schemas.microsoft.com/office/drawing/2014/main" id="{F1724B1D-A3D6-4A93-A883-8AD3A31EB5AC}"/>
+              </a:ext>
+            </a:extLst>
+          </p:cNvPr>
+          <p:cNvSpPr txBox="1">
+            <a:spLocks/>
+          </p:cNvSpPr>
+          <p:nvPr/>
+        </p:nvSpPr>
+        <p:spPr>
+          <a:xfrm>
+            <a:off x="3388728" y="2292482"/>
+            <a:ext cx="5000996" cy="372357"/>
+          </a:xfrm>
+          <a:prstGeom prst="rect">
+            <a:avLst/>
+          </a:prstGeom>
+        </p:spPr>
+        <p:txBody>
+          <a:bodyPr vert="horz" lIns="68580" tIns="34290" rIns="68580" bIns="34290" rtlCol="0">
+            <a:normAutofit/>
+          </a:bodyPr>
+          <a:lstStyle>
+            <a:lvl1pPr marL="228600" indent="-228600" algn="l" defTabSz="914400" rtl="0" eaLnBrk="1" latinLnBrk="0" hangingPunct="1">
+              <a:lnSpc>
+                <a:spcPct val="90000"/>
+              </a:lnSpc>
+              <a:spcBef>
+                <a:spcPts val="1000"/>
+              </a:spcBef>
+              <a:buFont typeface="Arial" panose="020B0604020202020204" pitchFamily="34" charset="0"/>
+              <a:buChar char="•"/>
+              <a:defRPr sz="2800" kern="1200">
+                <a:solidFill>
+                  <a:schemeClr val="tx1"/>
+                </a:solidFill>
+                <a:latin typeface="+mn-lt"/>
+                <a:ea typeface="+mn-ea"/>
+                <a:cs typeface="+mn-cs"/>
+              </a:defRPr>
+            </a:lvl1pPr>
+            <a:lvl2pPr marL="685800" indent="-228600" algn="l" defTabSz="914400" rtl="0" eaLnBrk="1" latinLnBrk="0" hangingPunct="1">
+              <a:lnSpc>
+                <a:spcPct val="90000"/>
+              </a:lnSpc>
+              <a:spcBef>
+                <a:spcPts val="500"/>
+              </a:spcBef>
+              <a:buFont typeface="Arial" panose="020B0604020202020204" pitchFamily="34" charset="0"/>
+              <a:buChar char="•"/>
+              <a:defRPr sz="2400" kern="1200">
+                <a:solidFill>
+                  <a:schemeClr val="tx1"/>
+                </a:solidFill>
+                <a:latin typeface="+mn-lt"/>
+                <a:ea typeface="+mn-ea"/>
+                <a:cs typeface="+mn-cs"/>
+              </a:defRPr>
+            </a:lvl2pPr>
+            <a:lvl3pPr marL="1143000" indent="-228600" algn="l" defTabSz="914400" rtl="0" eaLnBrk="1" latinLnBrk="0" hangingPunct="1">
+              <a:lnSpc>
+                <a:spcPct val="90000"/>
+              </a:lnSpc>
+              <a:spcBef>
+                <a:spcPts val="500"/>
+              </a:spcBef>
+              <a:buFont typeface="Arial" panose="020B0604020202020204" pitchFamily="34" charset="0"/>
+              <a:buChar char="•"/>
+              <a:defRPr sz="2000" kern="1200">
+                <a:solidFill>
+                  <a:schemeClr val="tx1"/>
+                </a:solidFill>
+                <a:latin typeface="+mn-lt"/>
+                <a:ea typeface="+mn-ea"/>
+                <a:cs typeface="+mn-cs"/>
+              </a:defRPr>
+            </a:lvl3pPr>
+            <a:lvl4pPr marL="1600200" indent="-228600" algn="l" defTabSz="914400" rtl="0" eaLnBrk="1" latinLnBrk="0" hangingPunct="1">
+              <a:lnSpc>
+                <a:spcPct val="90000"/>
+              </a:lnSpc>
+              <a:spcBef>
+                <a:spcPts val="500"/>
+              </a:spcBef>
+              <a:buFont typeface="Arial" panose="020B0604020202020204" pitchFamily="34" charset="0"/>
+              <a:buChar char="•"/>
+              <a:defRPr sz="1800" kern="1200">
+                <a:solidFill>
+                  <a:schemeClr val="tx1"/>
+                </a:solidFill>
+                <a:latin typeface="+mn-lt"/>
+                <a:ea typeface="+mn-ea"/>
+                <a:cs typeface="+mn-cs"/>
+              </a:defRPr>
+            </a:lvl4pPr>
+            <a:lvl5pPr marL="2057400" indent="-228600" algn="l" defTabSz="914400" rtl="0" eaLnBrk="1" latinLnBrk="0" hangingPunct="1">
+              <a:lnSpc>
+                <a:spcPct val="90000"/>
+              </a:lnSpc>
+              <a:spcBef>
+                <a:spcPts val="500"/>
+              </a:spcBef>
+              <a:buFont typeface="Arial" panose="020B0604020202020204" pitchFamily="34" charset="0"/>
+              <a:buChar char="•"/>
+              <a:defRPr sz="1800" kern="1200">
+                <a:solidFill>
+                  <a:schemeClr val="tx1"/>
+                </a:solidFill>
+                <a:latin typeface="+mn-lt"/>
+                <a:ea typeface="+mn-ea"/>
+                <a:cs typeface="+mn-cs"/>
+              </a:defRPr>
+            </a:lvl5pPr>
+            <a:lvl6pPr marL="2514600" indent="-228600" algn="l" defTabSz="914400" rtl="0" eaLnBrk="1" latinLnBrk="0" hangingPunct="1">
+              <a:lnSpc>
+                <a:spcPct val="90000"/>
+              </a:lnSpc>
+              <a:spcBef>
+                <a:spcPts val="500"/>
+              </a:spcBef>
+              <a:buFont typeface="Arial" panose="020B0604020202020204" pitchFamily="34" charset="0"/>
+              <a:buChar char="•"/>
+              <a:defRPr sz="1800" kern="1200">
+                <a:solidFill>
+                  <a:schemeClr val="tx1"/>
+                </a:solidFill>
+                <a:latin typeface="+mn-lt"/>
+                <a:ea typeface="+mn-ea"/>
+                <a:cs typeface="+mn-cs"/>
+              </a:defRPr>
+            </a:lvl6pPr>
+            <a:lvl7pPr marL="2971800" indent="-228600" algn="l" defTabSz="914400" rtl="0" eaLnBrk="1" latinLnBrk="0" hangingPunct="1">
+              <a:lnSpc>
+                <a:spcPct val="90000"/>
+              </a:lnSpc>
+              <a:spcBef>
+                <a:spcPts val="500"/>
+              </a:spcBef>
+              <a:buFont typeface="Arial" panose="020B0604020202020204" pitchFamily="34" charset="0"/>
+              <a:buChar char="•"/>
+              <a:defRPr sz="1800" kern="1200">
+                <a:solidFill>
+                  <a:schemeClr val="tx1"/>
+                </a:solidFill>
+                <a:latin typeface="+mn-lt"/>
+                <a:ea typeface="+mn-ea"/>
+                <a:cs typeface="+mn-cs"/>
+              </a:defRPr>
+            </a:lvl7pPr>
+            <a:lvl8pPr marL="3429000" indent="-228600" algn="l" defTabSz="914400" rtl="0" eaLnBrk="1" latinLnBrk="0" hangingPunct="1">
+              <a:lnSpc>
+                <a:spcPct val="90000"/>
+              </a:lnSpc>
+              <a:spcBef>
+                <a:spcPts val="500"/>
+              </a:spcBef>
+              <a:buFont typeface="Arial" panose="020B0604020202020204" pitchFamily="34" charset="0"/>
+              <a:buChar char="•"/>
+              <a:defRPr sz="1800" kern="1200">
+                <a:solidFill>
+                  <a:schemeClr val="tx1"/>
+                </a:solidFill>
+                <a:latin typeface="+mn-lt"/>
+                <a:ea typeface="+mn-ea"/>
+                <a:cs typeface="+mn-cs"/>
+              </a:defRPr>
+            </a:lvl8pPr>
+            <a:lvl9pPr marL="3886200" indent="-228600" algn="l" defTabSz="914400" rtl="0" eaLnBrk="1" latinLnBrk="0" hangingPunct="1">
+              <a:lnSpc>
+                <a:spcPct val="90000"/>
+              </a:lnSpc>
+              <a:spcBef>
+                <a:spcPts val="500"/>
+              </a:spcBef>
+              <a:buFont typeface="Arial" panose="020B0604020202020204" pitchFamily="34" charset="0"/>
+              <a:buChar char="•"/>
+              <a:defRPr sz="1800" kern="1200">
+                <a:solidFill>
+                  <a:schemeClr val="tx1"/>
+                </a:solidFill>
+                <a:latin typeface="+mn-lt"/>
+                <a:ea typeface="+mn-ea"/>
+                <a:cs typeface="+mn-cs"/>
+              </a:defRPr>
+            </a:lvl9pPr>
+          </a:lstStyle>
+          <a:p>
+            <a:pPr marL="0" indent="0">
+              <a:buNone/>
+            </a:pPr>
+            <a:r>
+              <a:rPr lang="nb-NO" sz="2100" dirty="0"/>
+              <a:t>test</a:t>
+            </a:r>
+            <a:endParaRPr lang="en-US" sz="2100" dirty="0"/>
+          </a:p>
+          <a:p>
+            <a:pPr marL="0" indent="0">
+              <a:buNone/>
+            </a:pPr>
+            <a:endParaRPr lang="en-US" sz="2100" dirty="0"/>
+          </a:p>
+        </p:txBody>
+      </p:sp>
+      <p:pic>
+        <p:nvPicPr>
+          <p:cNvPr id="22" name="Picture 21">
+            <a:extLst>
+              <a:ext uri="{FF2B5EF4-FFF2-40B4-BE49-F238E27FC236}">
+                <a16:creationId xmlns:a16="http://schemas.microsoft.com/office/drawing/2014/main" id="{794EC5E4-C6B9-40B4-9418-9EE0ACBEC43B}"/>
+              </a:ext>
+            </a:extLst>
+          </p:cNvPr>
+          <p:cNvPicPr>
+            <a:picLocks noChangeAspect="1"/>
+          </p:cNvPicPr>
+          <p:nvPr/>
+        </p:nvPicPr>
+        <p:blipFill>
+          <a:blip r:embed="rId9"/>
+          <a:stretch>
+            <a:fillRect/>
+          </a:stretch>
+        </p:blipFill>
+        <p:spPr>
+          <a:xfrm>
+            <a:off x="526734" y="1349996"/>
+            <a:ext cx="2462504" cy="3462950"/>
+          </a:xfrm>
+          <a:prstGeom prst="rect">
+            <a:avLst/>
+          </a:prstGeom>
+        </p:spPr>
+      </p:pic>
+      <p:sp>
+        <p:nvSpPr>
+          <p:cNvPr id="25" name="Content Placeholder 2">
+            <a:extLst>
+              <a:ext uri="{FF2B5EF4-FFF2-40B4-BE49-F238E27FC236}">
+                <a16:creationId xmlns:a16="http://schemas.microsoft.com/office/drawing/2014/main" id="{966DAC16-B1BA-4443-9DE5-56DB2726B35F}"/>
+              </a:ext>
+            </a:extLst>
+          </p:cNvPr>
+          <p:cNvSpPr txBox="1">
+            <a:spLocks/>
+          </p:cNvSpPr>
+          <p:nvPr/>
+        </p:nvSpPr>
+        <p:spPr>
+          <a:xfrm>
+            <a:off x="3388727" y="3268766"/>
+            <a:ext cx="5000996" cy="372357"/>
+          </a:xfrm>
+          <a:prstGeom prst="rect">
+            <a:avLst/>
+          </a:prstGeom>
+        </p:spPr>
+        <p:txBody>
+          <a:bodyPr vert="horz" lIns="68580" tIns="34290" rIns="68580" bIns="34290" rtlCol="0">
+            <a:normAutofit/>
+          </a:bodyPr>
+          <a:lstStyle>
+            <a:lvl1pPr marL="228600" indent="-228600" algn="l" defTabSz="914400" rtl="0" eaLnBrk="1" latinLnBrk="0" hangingPunct="1">
+              <a:lnSpc>
+                <a:spcPct val="90000"/>
+              </a:lnSpc>
+              <a:spcBef>
+                <a:spcPts val="1000"/>
+              </a:spcBef>
+              <a:buFont typeface="Arial" panose="020B0604020202020204" pitchFamily="34" charset="0"/>
+              <a:buChar char="•"/>
+              <a:defRPr sz="2800" kern="1200">
+                <a:solidFill>
+                  <a:schemeClr val="tx1"/>
+                </a:solidFill>
+                <a:latin typeface="+mn-lt"/>
+                <a:ea typeface="+mn-ea"/>
+                <a:cs typeface="+mn-cs"/>
+              </a:defRPr>
+            </a:lvl1pPr>
+            <a:lvl2pPr marL="685800" indent="-228600" algn="l" defTabSz="914400" rtl="0" eaLnBrk="1" latinLnBrk="0" hangingPunct="1">
+              <a:lnSpc>
+                <a:spcPct val="90000"/>
+              </a:lnSpc>
+              <a:spcBef>
+                <a:spcPts val="500"/>
+              </a:spcBef>
+              <a:buFont typeface="Arial" panose="020B0604020202020204" pitchFamily="34" charset="0"/>
+              <a:buChar char="•"/>
+              <a:defRPr sz="2400" kern="1200">
+                <a:solidFill>
+                  <a:schemeClr val="tx1"/>
+                </a:solidFill>
+                <a:latin typeface="+mn-lt"/>
+                <a:ea typeface="+mn-ea"/>
+                <a:cs typeface="+mn-cs"/>
+              </a:defRPr>
+            </a:lvl2pPr>
+            <a:lvl3pPr marL="1143000" indent="-228600" algn="l" defTabSz="914400" rtl="0" eaLnBrk="1" latinLnBrk="0" hangingPunct="1">
+              <a:lnSpc>
+                <a:spcPct val="90000"/>
+              </a:lnSpc>
+              <a:spcBef>
+                <a:spcPts val="500"/>
+              </a:spcBef>
+              <a:buFont typeface="Arial" panose="020B0604020202020204" pitchFamily="34" charset="0"/>
+              <a:buChar char="•"/>
+              <a:defRPr sz="2000" kern="1200">
+                <a:solidFill>
+                  <a:schemeClr val="tx1"/>
+                </a:solidFill>
+                <a:latin typeface="+mn-lt"/>
+                <a:ea typeface="+mn-ea"/>
+                <a:cs typeface="+mn-cs"/>
+              </a:defRPr>
+            </a:lvl3pPr>
+            <a:lvl4pPr marL="1600200" indent="-228600" algn="l" defTabSz="914400" rtl="0" eaLnBrk="1" latinLnBrk="0" hangingPunct="1">
+              <a:lnSpc>
+                <a:spcPct val="90000"/>
+              </a:lnSpc>
+              <a:spcBef>
+                <a:spcPts val="500"/>
+              </a:spcBef>
+              <a:buFont typeface="Arial" panose="020B0604020202020204" pitchFamily="34" charset="0"/>
+              <a:buChar char="•"/>
+              <a:defRPr sz="1800" kern="1200">
+                <a:solidFill>
+                  <a:schemeClr val="tx1"/>
+                </a:solidFill>
+                <a:latin typeface="+mn-lt"/>
+                <a:ea typeface="+mn-ea"/>
+                <a:cs typeface="+mn-cs"/>
+              </a:defRPr>
+            </a:lvl4pPr>
+            <a:lvl5pPr marL="2057400" indent="-228600" algn="l" defTabSz="914400" rtl="0" eaLnBrk="1" latinLnBrk="0" hangingPunct="1">
+              <a:lnSpc>
+                <a:spcPct val="90000"/>
+              </a:lnSpc>
+              <a:spcBef>
+                <a:spcPts val="500"/>
+              </a:spcBef>
+              <a:buFont typeface="Arial" panose="020B0604020202020204" pitchFamily="34" charset="0"/>
+              <a:buChar char="•"/>
+              <a:defRPr sz="1800" kern="1200">
+                <a:solidFill>
+                  <a:schemeClr val="tx1"/>
+                </a:solidFill>
+                <a:latin typeface="+mn-lt"/>
+                <a:ea typeface="+mn-ea"/>
+                <a:cs typeface="+mn-cs"/>
+              </a:defRPr>
+            </a:lvl5pPr>
+            <a:lvl6pPr marL="2514600" indent="-228600" algn="l" defTabSz="914400" rtl="0" eaLnBrk="1" latinLnBrk="0" hangingPunct="1">
+              <a:lnSpc>
+                <a:spcPct val="90000"/>
+              </a:lnSpc>
+              <a:spcBef>
+                <a:spcPts val="500"/>
+              </a:spcBef>
+              <a:buFont typeface="Arial" panose="020B0604020202020204" pitchFamily="34" charset="0"/>
+              <a:buChar char="•"/>
+              <a:defRPr sz="1800" kern="1200">
+                <a:solidFill>
+                  <a:schemeClr val="tx1"/>
+                </a:solidFill>
+                <a:latin typeface="+mn-lt"/>
+                <a:ea typeface="+mn-ea"/>
+                <a:cs typeface="+mn-cs"/>
+              </a:defRPr>
+            </a:lvl6pPr>
+            <a:lvl7pPr marL="2971800" indent="-228600" algn="l" defTabSz="914400" rtl="0" eaLnBrk="1" latinLnBrk="0" hangingPunct="1">
+              <a:lnSpc>
+                <a:spcPct val="90000"/>
+              </a:lnSpc>
+              <a:spcBef>
+                <a:spcPts val="500"/>
+              </a:spcBef>
+              <a:buFont typeface="Arial" panose="020B0604020202020204" pitchFamily="34" charset="0"/>
+              <a:buChar char="•"/>
+              <a:defRPr sz="1800" kern="1200">
+                <a:solidFill>
+                  <a:schemeClr val="tx1"/>
+                </a:solidFill>
+                <a:latin typeface="+mn-lt"/>
+                <a:ea typeface="+mn-ea"/>
+                <a:cs typeface="+mn-cs"/>
+              </a:defRPr>
+            </a:lvl7pPr>
+            <a:lvl8pPr marL="3429000" indent="-228600" algn="l" defTabSz="914400" rtl="0" eaLnBrk="1" latinLnBrk="0" hangingPunct="1">
+              <a:lnSpc>
+                <a:spcPct val="90000"/>
+              </a:lnSpc>
+              <a:spcBef>
+                <a:spcPts val="500"/>
+              </a:spcBef>
+              <a:buFont typeface="Arial" panose="020B0604020202020204" pitchFamily="34" charset="0"/>
+              <a:buChar char="•"/>
+              <a:defRPr sz="1800" kern="1200">
+                <a:solidFill>
+                  <a:schemeClr val="tx1"/>
+                </a:solidFill>
+                <a:latin typeface="+mn-lt"/>
+                <a:ea typeface="+mn-ea"/>
+                <a:cs typeface="+mn-cs"/>
+              </a:defRPr>
+            </a:lvl8pPr>
+            <a:lvl9pPr marL="3886200" indent="-228600" algn="l" defTabSz="914400" rtl="0" eaLnBrk="1" latinLnBrk="0" hangingPunct="1">
+              <a:lnSpc>
+                <a:spcPct val="90000"/>
+              </a:lnSpc>
+              <a:spcBef>
+                <a:spcPts val="500"/>
+              </a:spcBef>
+              <a:buFont typeface="Arial" panose="020B0604020202020204" pitchFamily="34" charset="0"/>
+              <a:buChar char="•"/>
+              <a:defRPr sz="1800" kern="1200">
+                <a:solidFill>
+                  <a:schemeClr val="tx1"/>
+                </a:solidFill>
+                <a:latin typeface="+mn-lt"/>
+                <a:ea typeface="+mn-ea"/>
+                <a:cs typeface="+mn-cs"/>
+              </a:defRPr>
+            </a:lvl9pPr>
+          </a:lstStyle>
+          <a:p>
+            <a:pPr marL="0" indent="0">
+              <a:buNone/>
+            </a:pPr>
+            <a:r>
+              <a:rPr lang="nb-NO" sz="2100" dirty="0"/>
+              <a:t>cleanup</a:t>
+            </a:r>
+            <a:endParaRPr lang="en-US" sz="2100" dirty="0"/>
+          </a:p>
+          <a:p>
+            <a:pPr marL="0" indent="0">
+              <a:buNone/>
+            </a:pPr>
+            <a:endParaRPr lang="en-US" sz="2100" dirty="0"/>
+          </a:p>
+        </p:txBody>
+      </p:sp>
+    </p:spTree>
+    <p:extLst>
+      <p:ext uri="{BB962C8B-B14F-4D97-AF65-F5344CB8AC3E}">
+        <p14:creationId xmlns:p14="http://schemas.microsoft.com/office/powerpoint/2010/main" val="3135101398"/>
+      </p:ext>
+    </p:extLst>
+  </p:cSld>
+  <p:clrMapOvr>
+    <a:masterClrMapping/>
+  </p:clrMapOvr>
+  <p:timing>
+    <p:tnLst>
+      <p:par>
+        <p:cTn id="1" dur="indefinite" restart="never" nodeType="tmRoot">
+          <p:childTnLst>
+            <p:seq concurrent="1" nextAc="seek">
+              <p:cTn id="2" dur="indefinite" nodeType="mainSeq">
+                <p:childTnLst>
+                  <p:par>
+                    <p:cTn id="3" fill="hold">
+                      <p:stCondLst>
+                        <p:cond delay="indefinite"/>
+                      </p:stCondLst>
+                      <p:childTnLst>
+                        <p:par>
+                          <p:cTn id="4" fill="hold">
+                            <p:stCondLst>
+                              <p:cond delay="0"/>
+                            </p:stCondLst>
+                            <p:childTnLst>
+                              <p:par>
+                                <p:cTn id="5" presetID="1" presetClass="entr" presetSubtype="0" fill="hold" grpId="0" nodeType="clickEffect">
+                                  <p:stCondLst>
+                                    <p:cond delay="0"/>
+                                  </p:stCondLst>
+                                  <p:childTnLst>
+                                    <p:set>
+                                      <p:cBhvr>
+                                        <p:cTn id="6" dur="1" fill="hold">
+                                          <p:stCondLst>
+                                            <p:cond delay="0"/>
+                                          </p:stCondLst>
+                                        </p:cTn>
+                                        <p:tgtEl>
+                                          <p:spTgt spid="23">
+                                            <p:txEl>
+                                              <p:pRg st="0" end="0"/>
+                                            </p:txEl>
+                                          </p:spTgt>
+                                        </p:tgtEl>
+                                        <p:attrNameLst>
+                                          <p:attrName>style.visibility</p:attrName>
+                                        </p:attrNameLst>
+                                      </p:cBhvr>
+                                      <p:to>
+                                        <p:strVal val="visible"/>
+                                      </p:to>
+                                    </p:set>
+                                  </p:childTnLst>
+                                </p:cTn>
+                              </p:par>
+                              <p:par>
+                                <p:cTn id="7" presetID="1" presetClass="entr" presetSubtype="0" fill="hold" nodeType="withEffect">
+                                  <p:stCondLst>
+                                    <p:cond delay="0"/>
+                                  </p:stCondLst>
+                                  <p:childTnLst>
+                                    <p:set>
+                                      <p:cBhvr>
+                                        <p:cTn id="8" dur="1" fill="hold">
+                                          <p:stCondLst>
+                                            <p:cond delay="0"/>
+                                          </p:stCondLst>
+                                        </p:cTn>
+                                        <p:tgtEl>
+                                          <p:spTgt spid="11"/>
+                                        </p:tgtEl>
+                                        <p:attrNameLst>
+                                          <p:attrName>style.visibility</p:attrName>
+                                        </p:attrNameLst>
+                                      </p:cBhvr>
+                                      <p:to>
+                                        <p:strVal val="visible"/>
+                                      </p:to>
+                                    </p:set>
+                                  </p:childTnLst>
+                                </p:cTn>
+                              </p:par>
+                            </p:childTnLst>
+                          </p:cTn>
+                        </p:par>
+                      </p:childTnLst>
+                    </p:cTn>
+                  </p:par>
+                  <p:par>
+                    <p:cTn id="9" fill="hold">
+                      <p:stCondLst>
+                        <p:cond delay="indefinite"/>
+                      </p:stCondLst>
+                      <p:childTnLst>
+                        <p:par>
+                          <p:cTn id="10" fill="hold">
+                            <p:stCondLst>
+                              <p:cond delay="0"/>
+                            </p:stCondLst>
+                            <p:childTnLst>
+                              <p:par>
+                                <p:cTn id="11" presetID="1" presetClass="entr" presetSubtype="0" fill="hold" grpId="0" nodeType="clickEffect">
+                                  <p:stCondLst>
+                                    <p:cond delay="0"/>
+                                  </p:stCondLst>
+                                  <p:childTnLst>
+                                    <p:set>
+                                      <p:cBhvr>
+                                        <p:cTn id="12" dur="1" fill="hold">
+                                          <p:stCondLst>
+                                            <p:cond delay="0"/>
+                                          </p:stCondLst>
+                                        </p:cTn>
+                                        <p:tgtEl>
+                                          <p:spTgt spid="16"/>
+                                        </p:tgtEl>
+                                        <p:attrNameLst>
+                                          <p:attrName>style.visibility</p:attrName>
+                                        </p:attrNameLst>
+                                      </p:cBhvr>
+                                      <p:to>
+                                        <p:strVal val="visible"/>
+                                      </p:to>
+                                    </p:set>
+                                  </p:childTnLst>
+                                </p:cTn>
+                              </p:par>
+                              <p:par>
+                                <p:cTn id="13" presetID="1" presetClass="entr" presetSubtype="0" fill="hold" nodeType="withEffect">
+                                  <p:stCondLst>
+                                    <p:cond delay="0"/>
+                                  </p:stCondLst>
+                                  <p:childTnLst>
+                                    <p:set>
+                                      <p:cBhvr>
+                                        <p:cTn id="14" dur="1" fill="hold">
+                                          <p:stCondLst>
+                                            <p:cond delay="0"/>
+                                          </p:stCondLst>
+                                        </p:cTn>
+                                        <p:tgtEl>
+                                          <p:spTgt spid="21"/>
+                                        </p:tgtEl>
+                                        <p:attrNameLst>
+                                          <p:attrName>style.visibility</p:attrName>
+                                        </p:attrNameLst>
+                                      </p:cBhvr>
+                                      <p:to>
+                                        <p:strVal val="visible"/>
+                                      </p:to>
+                                    </p:set>
+                                  </p:childTnLst>
+                                </p:cTn>
+                              </p:par>
+                            </p:childTnLst>
+                          </p:cTn>
+                        </p:par>
+                      </p:childTnLst>
+                    </p:cTn>
+                  </p:par>
+                  <p:par>
+                    <p:cTn id="15" fill="hold">
+                      <p:stCondLst>
+                        <p:cond delay="indefinite"/>
+                      </p:stCondLst>
+                      <p:childTnLst>
+                        <p:par>
+                          <p:cTn id="16" fill="hold">
+                            <p:stCondLst>
+                              <p:cond delay="0"/>
+                            </p:stCondLst>
+                            <p:childTnLst>
+                              <p:par>
+                                <p:cTn id="17" presetID="1" presetClass="entr" presetSubtype="0" fill="hold" grpId="0" nodeType="clickEffect">
+                                  <p:stCondLst>
+                                    <p:cond delay="0"/>
+                                  </p:stCondLst>
+                                  <p:childTnLst>
+                                    <p:set>
+                                      <p:cBhvr>
+                                        <p:cTn id="18" dur="1" fill="hold">
+                                          <p:stCondLst>
+                                            <p:cond delay="0"/>
+                                          </p:stCondLst>
+                                        </p:cTn>
+                                        <p:tgtEl>
+                                          <p:spTgt spid="24"/>
+                                        </p:tgtEl>
+                                        <p:attrNameLst>
+                                          <p:attrName>style.visibility</p:attrName>
+                                        </p:attrNameLst>
+                                      </p:cBhvr>
+                                      <p:to>
+                                        <p:strVal val="visible"/>
+                                      </p:to>
+                                    </p:set>
+                                  </p:childTnLst>
+                                </p:cTn>
+                              </p:par>
+                            </p:childTnLst>
+                          </p:cTn>
+                        </p:par>
+                      </p:childTnLst>
+                    </p:cTn>
+                  </p:par>
+                  <p:par>
+                    <p:cTn id="19" fill="hold">
+                      <p:stCondLst>
+                        <p:cond delay="indefinite"/>
+                      </p:stCondLst>
+                      <p:childTnLst>
+                        <p:par>
+                          <p:cTn id="20" fill="hold">
+                            <p:stCondLst>
+                              <p:cond delay="0"/>
+                            </p:stCondLst>
+                            <p:childTnLst>
+                              <p:par>
+                                <p:cTn id="21" presetID="1" presetClass="entr" presetSubtype="0" fill="hold" grpId="0" nodeType="clickEffect">
+                                  <p:stCondLst>
+                                    <p:cond delay="0"/>
+                                  </p:stCondLst>
+                                  <p:childTnLst>
+                                    <p:set>
+                                      <p:cBhvr>
+                                        <p:cTn id="22" dur="1" fill="hold">
+                                          <p:stCondLst>
+                                            <p:cond delay="0"/>
+                                          </p:stCondLst>
+                                        </p:cTn>
+                                        <p:tgtEl>
+                                          <p:spTgt spid="17"/>
+                                        </p:tgtEl>
+                                        <p:attrNameLst>
+                                          <p:attrName>style.visibility</p:attrName>
+                                        </p:attrNameLst>
+                                      </p:cBhvr>
+                                      <p:to>
+                                        <p:strVal val="visible"/>
+                                      </p:to>
+                                    </p:set>
+                                  </p:childTnLst>
+                                </p:cTn>
+                              </p:par>
+                              <p:par>
+                                <p:cTn id="23" presetID="1" presetClass="entr" presetSubtype="0" fill="hold" nodeType="withEffect">
+                                  <p:stCondLst>
+                                    <p:cond delay="0"/>
+                                  </p:stCondLst>
+                                  <p:childTnLst>
+                                    <p:set>
+                                      <p:cBhvr>
+                                        <p:cTn id="24" dur="1" fill="hold">
+                                          <p:stCondLst>
+                                            <p:cond delay="0"/>
+                                          </p:stCondLst>
+                                        </p:cTn>
+                                        <p:tgtEl>
+                                          <p:spTgt spid="20"/>
+                                        </p:tgtEl>
+                                        <p:attrNameLst>
+                                          <p:attrName>style.visibility</p:attrName>
+                                        </p:attrNameLst>
+                                      </p:cBhvr>
+                                      <p:to>
+                                        <p:strVal val="visible"/>
+                                      </p:to>
+                                    </p:set>
+                                  </p:childTnLst>
+                                </p:cTn>
+                              </p:par>
+                            </p:childTnLst>
+                          </p:cTn>
+                        </p:par>
+                      </p:childTnLst>
+                    </p:cTn>
+                  </p:par>
+                  <p:par>
+                    <p:cTn id="25" fill="hold">
+                      <p:stCondLst>
+                        <p:cond delay="indefinite"/>
+                      </p:stCondLst>
+                      <p:childTnLst>
+                        <p:par>
+                          <p:cTn id="26" fill="hold">
+                            <p:stCondLst>
+                              <p:cond delay="0"/>
+                            </p:stCondLst>
+                            <p:childTnLst>
+                              <p:par>
+                                <p:cTn id="27" presetID="1" presetClass="entr" presetSubtype="0" fill="hold" grpId="0" nodeType="clickEffect">
+                                  <p:stCondLst>
+                                    <p:cond delay="0"/>
+                                  </p:stCondLst>
+                                  <p:childTnLst>
+                                    <p:set>
+                                      <p:cBhvr>
+                                        <p:cTn id="28" dur="1" fill="hold">
+                                          <p:stCondLst>
+                                            <p:cond delay="0"/>
+                                          </p:stCondLst>
+                                        </p:cTn>
+                                        <p:tgtEl>
+                                          <p:spTgt spid="25"/>
+                                        </p:tgtEl>
+                                        <p:attrNameLst>
+                                          <p:attrName>style.visibility</p:attrName>
+                                        </p:attrNameLst>
+                                      </p:cBhvr>
+                                      <p:to>
+                                        <p:strVal val="visible"/>
+                                      </p:to>
+                                    </p:set>
+                                  </p:childTnLst>
+                                </p:cTn>
+                              </p:par>
+                              <p:par>
+                                <p:cTn id="29" presetID="1" presetClass="entr" presetSubtype="0" fill="hold" nodeType="withEffect">
+                                  <p:stCondLst>
+                                    <p:cond delay="0"/>
+                                  </p:stCondLst>
+                                  <p:childTnLst>
+                                    <p:set>
+                                      <p:cBhvr>
+                                        <p:cTn id="30" dur="1" fill="hold">
+                                          <p:stCondLst>
+                                            <p:cond delay="0"/>
+                                          </p:stCondLst>
+                                        </p:cTn>
+                                        <p:tgtEl>
+                                          <p:spTgt spid="22"/>
+                                        </p:tgtEl>
+                                        <p:attrNameLst>
+                                          <p:attrName>style.visibility</p:attrName>
+                                        </p:attrNameLst>
+                                      </p:cBhvr>
+                                      <p:to>
+                                        <p:strVal val="visible"/>
+                                      </p:to>
+                                    </p:set>
+                                  </p:childTnLst>
+                                </p:cTn>
+                              </p:par>
+                            </p:childTnLst>
+                          </p:cTn>
+                        </p:par>
+                      </p:childTnLst>
+                    </p:cTn>
+                  </p:par>
+                </p:childTnLst>
+              </p:cTn>
+              <p:prevCondLst>
+                <p:cond evt="onPrev" delay="0">
+                  <p:tgtEl>
+                    <p:sldTgt/>
+                  </p:tgtEl>
+                </p:cond>
+              </p:prevCondLst>
+              <p:nextCondLst>
+                <p:cond evt="onNext" delay="0">
+                  <p:tgtEl>
+                    <p:sldTgt/>
+                  </p:tgtEl>
+                </p:cond>
+              </p:nextCondLst>
+            </p:seq>
+          </p:childTnLst>
+        </p:cTn>
+      </p:par>
+    </p:tnLst>
+    <p:bldLst>
+      <p:bldP spid="23" grpId="0" build="p"/>
+      <p:bldP spid="16" grpId="0"/>
+      <p:bldP spid="17" grpId="0"/>
+      <p:bldP spid="24" grpId="0"/>
+      <p:bldP spid="25" grpId="0"/>
     </p:bldLst>
   </p:timing>
 </p:sld>

--- a/workshops/04-implement-immutable-infrastructure-on-azure-with-pulumi-part-II/00 - Agenda.pptx
+++ b/workshops/04-implement-immutable-infrastructure-on-azure-with-pulumi-part-II/00 - Agenda.pptx
@@ -5625,7 +5625,7 @@
           <a:p>
             <a:fld id="{D0F3AA23-5B49-4F5D-B754-ED5AF6E206EF}" type="datetimeFigureOut">
               <a:rPr lang="LID4096" smtClean="0"/>
-              <a:t>10/26/2020</a:t>
+              <a:t>10/27/2020</a:t>
             </a:fld>
             <a:endParaRPr lang="LID4096"/>
           </a:p>
@@ -15399,12 +15399,8 @@
               <a:buNone/>
             </a:pPr>
             <a:r>
-              <a:rPr lang="nb-NO" dirty="0" err="1"/>
-              <a:t>Today</a:t>
-            </a:r>
-            <a:r>
-              <a:rPr lang="nb-NO" dirty="0"/>
-              <a:t> labs</a:t>
+              <a:rPr lang="nb-NO"/>
+              <a:t>Today’s labs</a:t>
             </a:r>
             <a:endParaRPr dirty="0"/>
           </a:p>

--- a/workshops/04-implement-immutable-infrastructure-on-azure-with-pulumi-part-II/00 - Agenda.pptx
+++ b/workshops/04-implement-immutable-infrastructure-on-azure-with-pulumi-part-II/00 - Agenda.pptx
@@ -15399,8 +15399,12 @@
               <a:buNone/>
             </a:pPr>
             <a:r>
-              <a:rPr lang="nb-NO"/>
-              <a:t>Today’s labs</a:t>
+              <a:rPr lang="nb-NO" dirty="0" err="1"/>
+              <a:t>Today’s</a:t>
+            </a:r>
+            <a:r>
+              <a:rPr lang="nb-NO" dirty="0"/>
+              <a:t> labs</a:t>
             </a:r>
             <a:endParaRPr dirty="0"/>
           </a:p>
